--- a/ppt/Scenario_Hybrid.pptx
+++ b/ppt/Scenario_Hybrid.pptx
@@ -6,6 +6,11 @@
   </p:sldMasterIdLst>
   <p:sldIdLst>
     <p:sldId id="257" r:id="rId2"/>
+    <p:sldId id="263" r:id="rId3"/>
+    <p:sldId id="264" r:id="rId4"/>
+    <p:sldId id="265" r:id="rId5"/>
+    <p:sldId id="266" r:id="rId6"/>
+    <p:sldId id="267" r:id="rId7"/>
   </p:sldIdLst>
   <p:sldSz cx="12192000" cy="6858000"/>
   <p:notesSz cx="6858000" cy="9144000"/>
@@ -104,6 +109,11 @@
       </a:defRPr>
     </a:lvl9pPr>
   </p:defaultTextStyle>
+  <p:extLst>
+    <p:ext uri="{EFAFB233-063F-42B5-8137-9DF3F51BA10A}">
+      <p15:sldGuideLst xmlns:p15="http://schemas.microsoft.com/office/powerpoint/2012/main"/>
+    </p:ext>
+  </p:extLst>
 </p:presentation>
 </file>
 
@@ -255,7 +265,7 @@
           <a:lstStyle/>
           <a:p>
             <a:fld id="{9885A07B-F703-CD4C-AB32-7C3C9E108285}" type="datetimeFigureOut">
-              <a:t>28.11.20</a:t>
+              <a:t>26.12.2020</a:t>
             </a:fld>
             <a:endParaRPr lang="de-DE"/>
           </a:p>
@@ -453,7 +463,7 @@
           <a:lstStyle/>
           <a:p>
             <a:fld id="{9885A07B-F703-CD4C-AB32-7C3C9E108285}" type="datetimeFigureOut">
-              <a:t>28.11.20</a:t>
+              <a:t>26.12.2020</a:t>
             </a:fld>
             <a:endParaRPr lang="de-DE"/>
           </a:p>
@@ -661,7 +671,7 @@
           <a:lstStyle/>
           <a:p>
             <a:fld id="{9885A07B-F703-CD4C-AB32-7C3C9E108285}" type="datetimeFigureOut">
-              <a:t>28.11.20</a:t>
+              <a:t>26.12.2020</a:t>
             </a:fld>
             <a:endParaRPr lang="de-DE"/>
           </a:p>
@@ -859,7 +869,7 @@
           <a:lstStyle/>
           <a:p>
             <a:fld id="{9885A07B-F703-CD4C-AB32-7C3C9E108285}" type="datetimeFigureOut">
-              <a:t>28.11.20</a:t>
+              <a:t>26.12.2020</a:t>
             </a:fld>
             <a:endParaRPr lang="de-DE"/>
           </a:p>
@@ -1133,7 +1143,7 @@
           <a:lstStyle/>
           <a:p>
             <a:fld id="{9885A07B-F703-CD4C-AB32-7C3C9E108285}" type="datetimeFigureOut">
-              <a:t>28.11.20</a:t>
+              <a:t>26.12.2020</a:t>
             </a:fld>
             <a:endParaRPr lang="de-DE"/>
           </a:p>
@@ -1399,7 +1409,7 @@
           <a:lstStyle/>
           <a:p>
             <a:fld id="{9885A07B-F703-CD4C-AB32-7C3C9E108285}" type="datetimeFigureOut">
-              <a:t>28.11.20</a:t>
+              <a:t>26.12.2020</a:t>
             </a:fld>
             <a:endParaRPr lang="de-DE"/>
           </a:p>
@@ -1812,7 +1822,7 @@
           <a:lstStyle/>
           <a:p>
             <a:fld id="{9885A07B-F703-CD4C-AB32-7C3C9E108285}" type="datetimeFigureOut">
-              <a:t>28.11.20</a:t>
+              <a:t>26.12.2020</a:t>
             </a:fld>
             <a:endParaRPr lang="de-DE"/>
           </a:p>
@@ -1952,7 +1962,7 @@
           <a:lstStyle/>
           <a:p>
             <a:fld id="{9885A07B-F703-CD4C-AB32-7C3C9E108285}" type="datetimeFigureOut">
-              <a:t>28.11.20</a:t>
+              <a:t>26.12.2020</a:t>
             </a:fld>
             <a:endParaRPr lang="de-DE"/>
           </a:p>
@@ -2063,7 +2073,7 @@
           <a:lstStyle/>
           <a:p>
             <a:fld id="{9885A07B-F703-CD4C-AB32-7C3C9E108285}" type="datetimeFigureOut">
-              <a:t>28.11.20</a:t>
+              <a:t>26.12.2020</a:t>
             </a:fld>
             <a:endParaRPr lang="de-DE"/>
           </a:p>
@@ -2374,7 +2384,7 @@
           <a:lstStyle/>
           <a:p>
             <a:fld id="{9885A07B-F703-CD4C-AB32-7C3C9E108285}" type="datetimeFigureOut">
-              <a:t>28.11.20</a:t>
+              <a:t>26.12.2020</a:t>
             </a:fld>
             <a:endParaRPr lang="de-DE"/>
           </a:p>
@@ -2661,7 +2671,7 @@
           <a:lstStyle/>
           <a:p>
             <a:fld id="{9885A07B-F703-CD4C-AB32-7C3C9E108285}" type="datetimeFigureOut">
-              <a:t>28.11.20</a:t>
+              <a:t>26.12.2020</a:t>
             </a:fld>
             <a:endParaRPr lang="de-DE"/>
           </a:p>
@@ -2902,7 +2912,7 @@
           </a:lstStyle>
           <a:p>
             <a:fld id="{9885A07B-F703-CD4C-AB32-7C3C9E108285}" type="datetimeFigureOut">
-              <a:t>28.11.20</a:t>
+              <a:t>26.12.2020</a:t>
             </a:fld>
             <a:endParaRPr lang="de-DE"/>
           </a:p>
@@ -4275,6 +4285,3732 @@
 </p:sld>
 </file>
 
+<file path=ppt/slides/slide2.xml><?xml version="1.0" encoding="utf-8"?>
+<p:sld xmlns:a="http://schemas.openxmlformats.org/drawingml/2006/main" xmlns:r="http://schemas.openxmlformats.org/officeDocument/2006/relationships" xmlns:p="http://schemas.openxmlformats.org/presentationml/2006/main">
+  <p:cSld>
+    <p:spTree>
+      <p:nvGrpSpPr>
+        <p:cNvPr id="1" name=""/>
+        <p:cNvGrpSpPr/>
+        <p:nvPr/>
+      </p:nvGrpSpPr>
+      <p:grpSpPr>
+        <a:xfrm>
+          <a:off x="0" y="0"/>
+          <a:ext cx="0" cy="0"/>
+          <a:chOff x="0" y="0"/>
+          <a:chExt cx="0" cy="0"/>
+        </a:xfrm>
+      </p:grpSpPr>
+      <p:sp>
+        <p:nvSpPr>
+          <p:cNvPr id="10" name="TextBox 9">
+            <a:extLst>
+              <a:ext uri="{FF2B5EF4-FFF2-40B4-BE49-F238E27FC236}">
+                <a16:creationId xmlns:a16="http://schemas.microsoft.com/office/drawing/2014/main" id="{6550D5C3-FD6C-4970-9B51-E37B6C583FC7}"/>
+              </a:ext>
+            </a:extLst>
+          </p:cNvPr>
+          <p:cNvSpPr txBox="1"/>
+          <p:nvPr/>
+        </p:nvSpPr>
+        <p:spPr>
+          <a:xfrm>
+            <a:off x="207840" y="299297"/>
+            <a:ext cx="2597449" cy="400110"/>
+          </a:xfrm>
+          <a:prstGeom prst="rect">
+            <a:avLst/>
+          </a:prstGeom>
+          <a:noFill/>
+        </p:spPr>
+        <p:txBody>
+          <a:bodyPr wrap="square" rtlCol="0">
+            <a:spAutoFit/>
+          </a:bodyPr>
+          <a:lstStyle/>
+          <a:p>
+            <a:r>
+              <a:rPr lang="de-DE" sz="2000" b="0" dirty="0" err="1">
+                <a:solidFill>
+                  <a:srgbClr val="00B050"/>
+                </a:solidFill>
+                <a:effectLst/>
+                <a:latin typeface="Consolas" panose="020B0609020204030204" pitchFamily="49" charset="0"/>
+              </a:rPr>
+              <a:t>Microsoft.Network</a:t>
+            </a:r>
+            <a:endParaRPr lang="de-DE" sz="1600" b="0" dirty="0">
+              <a:solidFill>
+                <a:srgbClr val="00B050"/>
+              </a:solidFill>
+              <a:effectLst/>
+              <a:latin typeface="Consolas" panose="020B0609020204030204" pitchFamily="49" charset="0"/>
+            </a:endParaRPr>
+          </a:p>
+        </p:txBody>
+      </p:sp>
+      <p:sp>
+        <p:nvSpPr>
+          <p:cNvPr id="23" name="TextBox 22">
+            <a:extLst>
+              <a:ext uri="{FF2B5EF4-FFF2-40B4-BE49-F238E27FC236}">
+                <a16:creationId xmlns:a16="http://schemas.microsoft.com/office/drawing/2014/main" id="{7104ECFB-0FD9-40B1-8913-F0BF63DED483}"/>
+              </a:ext>
+            </a:extLst>
+          </p:cNvPr>
+          <p:cNvSpPr txBox="1"/>
+          <p:nvPr/>
+        </p:nvSpPr>
+        <p:spPr>
+          <a:xfrm>
+            <a:off x="5865529" y="569633"/>
+            <a:ext cx="3159201" cy="400110"/>
+          </a:xfrm>
+          <a:prstGeom prst="rect">
+            <a:avLst/>
+          </a:prstGeom>
+          <a:noFill/>
+        </p:spPr>
+        <p:txBody>
+          <a:bodyPr wrap="square" rtlCol="0">
+            <a:spAutoFit/>
+          </a:bodyPr>
+          <a:lstStyle/>
+          <a:p>
+            <a:r>
+              <a:rPr lang="de-DE" sz="2000" b="0" dirty="0" err="1">
+                <a:solidFill>
+                  <a:srgbClr val="7030A0"/>
+                </a:solidFill>
+                <a:effectLst/>
+                <a:latin typeface="Consolas" panose="020B0609020204030204" pitchFamily="49" charset="0"/>
+              </a:rPr>
+              <a:t>Microsoft.Automation</a:t>
+            </a:r>
+            <a:endParaRPr lang="de-DE" sz="1600" b="0" dirty="0">
+              <a:solidFill>
+                <a:srgbClr val="7030A0"/>
+              </a:solidFill>
+              <a:effectLst/>
+              <a:latin typeface="Consolas" panose="020B0609020204030204" pitchFamily="49" charset="0"/>
+            </a:endParaRPr>
+          </a:p>
+        </p:txBody>
+      </p:sp>
+      <p:sp>
+        <p:nvSpPr>
+          <p:cNvPr id="45" name="TextBox 44">
+            <a:extLst>
+              <a:ext uri="{FF2B5EF4-FFF2-40B4-BE49-F238E27FC236}">
+                <a16:creationId xmlns:a16="http://schemas.microsoft.com/office/drawing/2014/main" id="{A9727682-A24D-4F38-ACB4-A1EB3F168AD2}"/>
+              </a:ext>
+            </a:extLst>
+          </p:cNvPr>
+          <p:cNvSpPr txBox="1"/>
+          <p:nvPr/>
+        </p:nvSpPr>
+        <p:spPr>
+          <a:xfrm>
+            <a:off x="5386270" y="6113873"/>
+            <a:ext cx="2788665" cy="400110"/>
+          </a:xfrm>
+          <a:prstGeom prst="rect">
+            <a:avLst/>
+          </a:prstGeom>
+          <a:noFill/>
+        </p:spPr>
+        <p:txBody>
+          <a:bodyPr wrap="square" rtlCol="0">
+            <a:spAutoFit/>
+          </a:bodyPr>
+          <a:lstStyle/>
+          <a:p>
+            <a:r>
+              <a:rPr lang="de-DE" sz="2000" b="0" dirty="0" err="1">
+                <a:solidFill>
+                  <a:srgbClr val="0070C0"/>
+                </a:solidFill>
+                <a:effectLst/>
+                <a:latin typeface="Consolas" panose="020B0609020204030204" pitchFamily="49" charset="0"/>
+              </a:rPr>
+              <a:t>Microsoft.Compute</a:t>
+            </a:r>
+            <a:endParaRPr lang="de-DE" sz="1600" b="0" dirty="0">
+              <a:solidFill>
+                <a:srgbClr val="0070C0"/>
+              </a:solidFill>
+              <a:effectLst/>
+              <a:latin typeface="Consolas" panose="020B0609020204030204" pitchFamily="49" charset="0"/>
+            </a:endParaRPr>
+          </a:p>
+        </p:txBody>
+      </p:sp>
+    </p:spTree>
+    <p:extLst>
+      <p:ext uri="{BB962C8B-B14F-4D97-AF65-F5344CB8AC3E}">
+        <p14:creationId xmlns:p14="http://schemas.microsoft.com/office/powerpoint/2010/main" val="3472789105"/>
+      </p:ext>
+    </p:extLst>
+  </p:cSld>
+  <p:clrMapOvr>
+    <a:masterClrMapping/>
+  </p:clrMapOvr>
+</p:sld>
+</file>
+
+<file path=ppt/slides/slide3.xml><?xml version="1.0" encoding="utf-8"?>
+<p:sld xmlns:a="http://schemas.openxmlformats.org/drawingml/2006/main" xmlns:r="http://schemas.openxmlformats.org/officeDocument/2006/relationships" xmlns:p="http://schemas.openxmlformats.org/presentationml/2006/main">
+  <p:cSld>
+    <p:spTree>
+      <p:nvGrpSpPr>
+        <p:cNvPr id="1" name=""/>
+        <p:cNvGrpSpPr/>
+        <p:nvPr/>
+      </p:nvGrpSpPr>
+      <p:grpSpPr>
+        <a:xfrm>
+          <a:off x="0" y="0"/>
+          <a:ext cx="0" cy="0"/>
+          <a:chOff x="0" y="0"/>
+          <a:chExt cx="0" cy="0"/>
+        </a:xfrm>
+      </p:grpSpPr>
+      <p:pic>
+        <p:nvPicPr>
+          <p:cNvPr id="12" name="Graphic 11">
+            <a:extLst>
+              <a:ext uri="{FF2B5EF4-FFF2-40B4-BE49-F238E27FC236}">
+                <a16:creationId xmlns:a16="http://schemas.microsoft.com/office/drawing/2014/main" id="{09A02838-0392-9F4F-973E-74FDA2676839}"/>
+              </a:ext>
+            </a:extLst>
+          </p:cNvPr>
+          <p:cNvPicPr>
+            <a:picLocks noChangeAspect="1"/>
+          </p:cNvPicPr>
+          <p:nvPr/>
+        </p:nvPicPr>
+        <p:blipFill>
+          <a:blip r:embed="rId2">
+            <a:extLst>
+              <a:ext uri="{28A0092B-C50C-407E-A947-70E740481C1C}">
+                <a14:useLocalDpi xmlns:a14="http://schemas.microsoft.com/office/drawing/2010/main" val="0"/>
+              </a:ext>
+              <a:ext uri="{96DAC541-7B7A-43D3-8B79-37D633B846F1}">
+                <asvg:svgBlip xmlns:asvg="http://schemas.microsoft.com/office/drawing/2016/SVG/main" r:embed="rId3"/>
+              </a:ext>
+            </a:extLst>
+          </a:blip>
+          <a:stretch>
+            <a:fillRect/>
+          </a:stretch>
+        </p:blipFill>
+        <p:spPr>
+          <a:xfrm>
+            <a:off x="5386271" y="5472570"/>
+            <a:ext cx="518414" cy="518414"/>
+          </a:xfrm>
+          <a:prstGeom prst="rect">
+            <a:avLst/>
+          </a:prstGeom>
+        </p:spPr>
+      </p:pic>
+      <p:sp>
+        <p:nvSpPr>
+          <p:cNvPr id="10" name="TextBox 9">
+            <a:extLst>
+              <a:ext uri="{FF2B5EF4-FFF2-40B4-BE49-F238E27FC236}">
+                <a16:creationId xmlns:a16="http://schemas.microsoft.com/office/drawing/2014/main" id="{6550D5C3-FD6C-4970-9B51-E37B6C583FC7}"/>
+              </a:ext>
+            </a:extLst>
+          </p:cNvPr>
+          <p:cNvSpPr txBox="1"/>
+          <p:nvPr/>
+        </p:nvSpPr>
+        <p:spPr>
+          <a:xfrm>
+            <a:off x="207840" y="299297"/>
+            <a:ext cx="2597449" cy="400110"/>
+          </a:xfrm>
+          <a:prstGeom prst="rect">
+            <a:avLst/>
+          </a:prstGeom>
+          <a:noFill/>
+        </p:spPr>
+        <p:txBody>
+          <a:bodyPr wrap="square" rtlCol="0">
+            <a:spAutoFit/>
+          </a:bodyPr>
+          <a:lstStyle/>
+          <a:p>
+            <a:r>
+              <a:rPr lang="de-DE" sz="2000" b="0" dirty="0" err="1">
+                <a:solidFill>
+                  <a:srgbClr val="00B050"/>
+                </a:solidFill>
+                <a:effectLst/>
+                <a:latin typeface="Consolas" panose="020B0609020204030204" pitchFamily="49" charset="0"/>
+              </a:rPr>
+              <a:t>Microsoft.Network</a:t>
+            </a:r>
+            <a:endParaRPr lang="de-DE" sz="1600" b="0" dirty="0">
+              <a:solidFill>
+                <a:srgbClr val="00B050"/>
+              </a:solidFill>
+              <a:effectLst/>
+              <a:latin typeface="Consolas" panose="020B0609020204030204" pitchFamily="49" charset="0"/>
+            </a:endParaRPr>
+          </a:p>
+        </p:txBody>
+      </p:sp>
+      <p:sp>
+        <p:nvSpPr>
+          <p:cNvPr id="23" name="TextBox 22">
+            <a:extLst>
+              <a:ext uri="{FF2B5EF4-FFF2-40B4-BE49-F238E27FC236}">
+                <a16:creationId xmlns:a16="http://schemas.microsoft.com/office/drawing/2014/main" id="{7104ECFB-0FD9-40B1-8913-F0BF63DED483}"/>
+              </a:ext>
+            </a:extLst>
+          </p:cNvPr>
+          <p:cNvSpPr txBox="1"/>
+          <p:nvPr/>
+        </p:nvSpPr>
+        <p:spPr>
+          <a:xfrm>
+            <a:off x="5865529" y="569633"/>
+            <a:ext cx="3159201" cy="400110"/>
+          </a:xfrm>
+          <a:prstGeom prst="rect">
+            <a:avLst/>
+          </a:prstGeom>
+          <a:noFill/>
+        </p:spPr>
+        <p:txBody>
+          <a:bodyPr wrap="square" rtlCol="0">
+            <a:spAutoFit/>
+          </a:bodyPr>
+          <a:lstStyle/>
+          <a:p>
+            <a:r>
+              <a:rPr lang="de-DE" sz="2000" b="0" dirty="0" err="1">
+                <a:solidFill>
+                  <a:srgbClr val="7030A0"/>
+                </a:solidFill>
+                <a:effectLst/>
+                <a:latin typeface="Consolas" panose="020B0609020204030204" pitchFamily="49" charset="0"/>
+              </a:rPr>
+              <a:t>Microsoft.Automation</a:t>
+            </a:r>
+            <a:endParaRPr lang="de-DE" sz="1600" b="0" dirty="0">
+              <a:solidFill>
+                <a:srgbClr val="7030A0"/>
+              </a:solidFill>
+              <a:effectLst/>
+              <a:latin typeface="Consolas" panose="020B0609020204030204" pitchFamily="49" charset="0"/>
+            </a:endParaRPr>
+          </a:p>
+        </p:txBody>
+      </p:sp>
+      <p:sp>
+        <p:nvSpPr>
+          <p:cNvPr id="45" name="TextBox 44">
+            <a:extLst>
+              <a:ext uri="{FF2B5EF4-FFF2-40B4-BE49-F238E27FC236}">
+                <a16:creationId xmlns:a16="http://schemas.microsoft.com/office/drawing/2014/main" id="{A9727682-A24D-4F38-ACB4-A1EB3F168AD2}"/>
+              </a:ext>
+            </a:extLst>
+          </p:cNvPr>
+          <p:cNvSpPr txBox="1"/>
+          <p:nvPr/>
+        </p:nvSpPr>
+        <p:spPr>
+          <a:xfrm>
+            <a:off x="5386270" y="6113873"/>
+            <a:ext cx="2788665" cy="400110"/>
+          </a:xfrm>
+          <a:prstGeom prst="rect">
+            <a:avLst/>
+          </a:prstGeom>
+          <a:noFill/>
+        </p:spPr>
+        <p:txBody>
+          <a:bodyPr wrap="square" rtlCol="0">
+            <a:spAutoFit/>
+          </a:bodyPr>
+          <a:lstStyle/>
+          <a:p>
+            <a:r>
+              <a:rPr lang="de-DE" sz="2000" b="0" dirty="0" err="1">
+                <a:solidFill>
+                  <a:srgbClr val="0070C0"/>
+                </a:solidFill>
+                <a:effectLst/>
+                <a:latin typeface="Consolas" panose="020B0609020204030204" pitchFamily="49" charset="0"/>
+              </a:rPr>
+              <a:t>Microsoft.Compute</a:t>
+            </a:r>
+            <a:endParaRPr lang="de-DE" sz="1600" b="0" dirty="0">
+              <a:solidFill>
+                <a:srgbClr val="0070C0"/>
+              </a:solidFill>
+              <a:effectLst/>
+              <a:latin typeface="Consolas" panose="020B0609020204030204" pitchFamily="49" charset="0"/>
+            </a:endParaRPr>
+          </a:p>
+        </p:txBody>
+      </p:sp>
+      <p:sp>
+        <p:nvSpPr>
+          <p:cNvPr id="46" name="TextBox 45">
+            <a:extLst>
+              <a:ext uri="{FF2B5EF4-FFF2-40B4-BE49-F238E27FC236}">
+                <a16:creationId xmlns:a16="http://schemas.microsoft.com/office/drawing/2014/main" id="{4BE58A24-1B59-44A2-886E-948D5738BEBA}"/>
+              </a:ext>
+            </a:extLst>
+          </p:cNvPr>
+          <p:cNvSpPr txBox="1"/>
+          <p:nvPr/>
+        </p:nvSpPr>
+        <p:spPr>
+          <a:xfrm>
+            <a:off x="7788551" y="6132975"/>
+            <a:ext cx="2443784" cy="369332"/>
+          </a:xfrm>
+          <a:prstGeom prst="rect">
+            <a:avLst/>
+          </a:prstGeom>
+          <a:noFill/>
+        </p:spPr>
+        <p:txBody>
+          <a:bodyPr wrap="square">
+            <a:spAutoFit/>
+          </a:bodyPr>
+          <a:lstStyle/>
+          <a:p>
+            <a:r>
+              <a:rPr lang="de-DE" sz="1800" b="0" dirty="0">
+                <a:solidFill>
+                  <a:srgbClr val="0070C0"/>
+                </a:solidFill>
+                <a:effectLst/>
+                <a:latin typeface="Consolas" panose="020B0609020204030204" pitchFamily="49" charset="0"/>
+              </a:rPr>
+              <a:t>/</a:t>
+            </a:r>
+            <a:r>
+              <a:rPr lang="de-DE" sz="1600" b="0" dirty="0" err="1">
+                <a:solidFill>
+                  <a:srgbClr val="0070C0"/>
+                </a:solidFill>
+                <a:effectLst/>
+                <a:latin typeface="Consolas" panose="020B0609020204030204" pitchFamily="49" charset="0"/>
+              </a:rPr>
+              <a:t>virtualMachines</a:t>
+            </a:r>
+            <a:endParaRPr lang="de-DE" sz="1600" dirty="0"/>
+          </a:p>
+        </p:txBody>
+      </p:sp>
+    </p:spTree>
+    <p:extLst>
+      <p:ext uri="{BB962C8B-B14F-4D97-AF65-F5344CB8AC3E}">
+        <p14:creationId xmlns:p14="http://schemas.microsoft.com/office/powerpoint/2010/main" val="3669392023"/>
+      </p:ext>
+    </p:extLst>
+  </p:cSld>
+  <p:clrMapOvr>
+    <a:masterClrMapping/>
+  </p:clrMapOvr>
+</p:sld>
+</file>
+
+<file path=ppt/slides/slide4.xml><?xml version="1.0" encoding="utf-8"?>
+<p:sld xmlns:a="http://schemas.openxmlformats.org/drawingml/2006/main" xmlns:r="http://schemas.openxmlformats.org/officeDocument/2006/relationships" xmlns:p="http://schemas.openxmlformats.org/presentationml/2006/main">
+  <p:cSld>
+    <p:spTree>
+      <p:nvGrpSpPr>
+        <p:cNvPr id="1" name=""/>
+        <p:cNvGrpSpPr/>
+        <p:nvPr/>
+      </p:nvGrpSpPr>
+      <p:grpSpPr>
+        <a:xfrm>
+          <a:off x="0" y="0"/>
+          <a:ext cx="0" cy="0"/>
+          <a:chOff x="0" y="0"/>
+          <a:chExt cx="0" cy="0"/>
+        </a:xfrm>
+      </p:grpSpPr>
+      <p:pic>
+        <p:nvPicPr>
+          <p:cNvPr id="2" name="Graphic 1">
+            <a:extLst>
+              <a:ext uri="{FF2B5EF4-FFF2-40B4-BE49-F238E27FC236}">
+                <a16:creationId xmlns:a16="http://schemas.microsoft.com/office/drawing/2014/main" id="{6962D3B9-D1EF-9848-BFA8-BAFA4775ED08}"/>
+              </a:ext>
+            </a:extLst>
+          </p:cNvPr>
+          <p:cNvPicPr>
+            <a:picLocks noChangeAspect="1"/>
+          </p:cNvPicPr>
+          <p:nvPr/>
+        </p:nvPicPr>
+        <p:blipFill>
+          <a:blip r:embed="rId2">
+            <a:extLst>
+              <a:ext uri="{28A0092B-C50C-407E-A947-70E740481C1C}">
+                <a14:useLocalDpi xmlns:a14="http://schemas.microsoft.com/office/drawing/2010/main" val="0"/>
+              </a:ext>
+              <a:ext uri="{96DAC541-7B7A-43D3-8B79-37D633B846F1}">
+                <asvg:svgBlip xmlns:asvg="http://schemas.microsoft.com/office/drawing/2016/SVG/main" r:embed="rId3"/>
+              </a:ext>
+            </a:extLst>
+          </a:blip>
+          <a:stretch>
+            <a:fillRect/>
+          </a:stretch>
+        </p:blipFill>
+        <p:spPr>
+          <a:xfrm>
+            <a:off x="2314246" y="1040205"/>
+            <a:ext cx="539090" cy="539090"/>
+          </a:xfrm>
+          <a:prstGeom prst="rect">
+            <a:avLst/>
+          </a:prstGeom>
+        </p:spPr>
+      </p:pic>
+      <p:pic>
+        <p:nvPicPr>
+          <p:cNvPr id="12" name="Graphic 11">
+            <a:extLst>
+              <a:ext uri="{FF2B5EF4-FFF2-40B4-BE49-F238E27FC236}">
+                <a16:creationId xmlns:a16="http://schemas.microsoft.com/office/drawing/2014/main" id="{09A02838-0392-9F4F-973E-74FDA2676839}"/>
+              </a:ext>
+            </a:extLst>
+          </p:cNvPr>
+          <p:cNvPicPr>
+            <a:picLocks noChangeAspect="1"/>
+          </p:cNvPicPr>
+          <p:nvPr/>
+        </p:nvPicPr>
+        <p:blipFill>
+          <a:blip r:embed="rId4">
+            <a:extLst>
+              <a:ext uri="{28A0092B-C50C-407E-A947-70E740481C1C}">
+                <a14:useLocalDpi xmlns:a14="http://schemas.microsoft.com/office/drawing/2010/main" val="0"/>
+              </a:ext>
+              <a:ext uri="{96DAC541-7B7A-43D3-8B79-37D633B846F1}">
+                <asvg:svgBlip xmlns:asvg="http://schemas.microsoft.com/office/drawing/2016/SVG/main" r:embed="rId5"/>
+              </a:ext>
+            </a:extLst>
+          </a:blip>
+          <a:stretch>
+            <a:fillRect/>
+          </a:stretch>
+        </p:blipFill>
+        <p:spPr>
+          <a:xfrm>
+            <a:off x="5386271" y="5472570"/>
+            <a:ext cx="518414" cy="518414"/>
+          </a:xfrm>
+          <a:prstGeom prst="rect">
+            <a:avLst/>
+          </a:prstGeom>
+        </p:spPr>
+      </p:pic>
+      <p:sp>
+        <p:nvSpPr>
+          <p:cNvPr id="10" name="TextBox 9">
+            <a:extLst>
+              <a:ext uri="{FF2B5EF4-FFF2-40B4-BE49-F238E27FC236}">
+                <a16:creationId xmlns:a16="http://schemas.microsoft.com/office/drawing/2014/main" id="{6550D5C3-FD6C-4970-9B51-E37B6C583FC7}"/>
+              </a:ext>
+            </a:extLst>
+          </p:cNvPr>
+          <p:cNvSpPr txBox="1"/>
+          <p:nvPr/>
+        </p:nvSpPr>
+        <p:spPr>
+          <a:xfrm>
+            <a:off x="207840" y="299297"/>
+            <a:ext cx="2597449" cy="400110"/>
+          </a:xfrm>
+          <a:prstGeom prst="rect">
+            <a:avLst/>
+          </a:prstGeom>
+          <a:noFill/>
+        </p:spPr>
+        <p:txBody>
+          <a:bodyPr wrap="square" rtlCol="0">
+            <a:spAutoFit/>
+          </a:bodyPr>
+          <a:lstStyle/>
+          <a:p>
+            <a:r>
+              <a:rPr lang="de-DE" sz="2000" b="0" dirty="0" err="1">
+                <a:solidFill>
+                  <a:srgbClr val="00B050"/>
+                </a:solidFill>
+                <a:effectLst/>
+                <a:latin typeface="Consolas" panose="020B0609020204030204" pitchFamily="49" charset="0"/>
+              </a:rPr>
+              <a:t>Microsoft.Network</a:t>
+            </a:r>
+            <a:endParaRPr lang="de-DE" sz="1600" b="0" dirty="0">
+              <a:solidFill>
+                <a:srgbClr val="00B050"/>
+              </a:solidFill>
+              <a:effectLst/>
+              <a:latin typeface="Consolas" panose="020B0609020204030204" pitchFamily="49" charset="0"/>
+            </a:endParaRPr>
+          </a:p>
+        </p:txBody>
+      </p:sp>
+      <p:sp>
+        <p:nvSpPr>
+          <p:cNvPr id="23" name="TextBox 22">
+            <a:extLst>
+              <a:ext uri="{FF2B5EF4-FFF2-40B4-BE49-F238E27FC236}">
+                <a16:creationId xmlns:a16="http://schemas.microsoft.com/office/drawing/2014/main" id="{7104ECFB-0FD9-40B1-8913-F0BF63DED483}"/>
+              </a:ext>
+            </a:extLst>
+          </p:cNvPr>
+          <p:cNvSpPr txBox="1"/>
+          <p:nvPr/>
+        </p:nvSpPr>
+        <p:spPr>
+          <a:xfrm>
+            <a:off x="5865529" y="569633"/>
+            <a:ext cx="3159201" cy="400110"/>
+          </a:xfrm>
+          <a:prstGeom prst="rect">
+            <a:avLst/>
+          </a:prstGeom>
+          <a:noFill/>
+        </p:spPr>
+        <p:txBody>
+          <a:bodyPr wrap="square" rtlCol="0">
+            <a:spAutoFit/>
+          </a:bodyPr>
+          <a:lstStyle/>
+          <a:p>
+            <a:r>
+              <a:rPr lang="de-DE" sz="2000" b="0" dirty="0" err="1">
+                <a:solidFill>
+                  <a:srgbClr val="7030A0"/>
+                </a:solidFill>
+                <a:effectLst/>
+                <a:latin typeface="Consolas" panose="020B0609020204030204" pitchFamily="49" charset="0"/>
+              </a:rPr>
+              <a:t>Microsoft.Automation</a:t>
+            </a:r>
+            <a:endParaRPr lang="de-DE" sz="1600" b="0" dirty="0">
+              <a:solidFill>
+                <a:srgbClr val="7030A0"/>
+              </a:solidFill>
+              <a:effectLst/>
+              <a:latin typeface="Consolas" panose="020B0609020204030204" pitchFamily="49" charset="0"/>
+            </a:endParaRPr>
+          </a:p>
+        </p:txBody>
+      </p:sp>
+      <p:sp>
+        <p:nvSpPr>
+          <p:cNvPr id="44" name="TextBox 43">
+            <a:extLst>
+              <a:ext uri="{FF2B5EF4-FFF2-40B4-BE49-F238E27FC236}">
+                <a16:creationId xmlns:a16="http://schemas.microsoft.com/office/drawing/2014/main" id="{1A192757-F919-4FEA-859D-AB86194A5E3F}"/>
+              </a:ext>
+            </a:extLst>
+          </p:cNvPr>
+          <p:cNvSpPr txBox="1"/>
+          <p:nvPr/>
+        </p:nvSpPr>
+        <p:spPr>
+          <a:xfrm>
+            <a:off x="1301956" y="713256"/>
+            <a:ext cx="2687194" cy="400110"/>
+          </a:xfrm>
+          <a:prstGeom prst="rect">
+            <a:avLst/>
+          </a:prstGeom>
+          <a:noFill/>
+        </p:spPr>
+        <p:txBody>
+          <a:bodyPr wrap="square" rtlCol="0">
+            <a:spAutoFit/>
+          </a:bodyPr>
+          <a:lstStyle/>
+          <a:p>
+            <a:r>
+              <a:rPr lang="de-DE" sz="2000" dirty="0">
+                <a:solidFill>
+                  <a:srgbClr val="00B050"/>
+                </a:solidFill>
+                <a:latin typeface="Consolas" panose="020B0609020204030204" pitchFamily="49" charset="0"/>
+              </a:rPr>
+              <a:t>...</a:t>
+            </a:r>
+            <a:r>
+              <a:rPr lang="de-DE" sz="1600" b="0" dirty="0">
+                <a:solidFill>
+                  <a:srgbClr val="00B050"/>
+                </a:solidFill>
+                <a:effectLst/>
+                <a:latin typeface="Consolas" panose="020B0609020204030204" pitchFamily="49" charset="0"/>
+              </a:rPr>
+              <a:t>/</a:t>
+            </a:r>
+            <a:r>
+              <a:rPr lang="de-DE" sz="1600" b="0" dirty="0" err="1">
+                <a:solidFill>
+                  <a:srgbClr val="00B050"/>
+                </a:solidFill>
+                <a:effectLst/>
+                <a:latin typeface="Consolas" panose="020B0609020204030204" pitchFamily="49" charset="0"/>
+              </a:rPr>
+              <a:t>virtualNetworks</a:t>
+            </a:r>
+            <a:endParaRPr lang="de-DE" sz="1600" b="0" dirty="0">
+              <a:solidFill>
+                <a:srgbClr val="00B050"/>
+              </a:solidFill>
+              <a:effectLst/>
+              <a:latin typeface="Consolas" panose="020B0609020204030204" pitchFamily="49" charset="0"/>
+            </a:endParaRPr>
+          </a:p>
+        </p:txBody>
+      </p:sp>
+      <p:sp>
+        <p:nvSpPr>
+          <p:cNvPr id="45" name="TextBox 44">
+            <a:extLst>
+              <a:ext uri="{FF2B5EF4-FFF2-40B4-BE49-F238E27FC236}">
+                <a16:creationId xmlns:a16="http://schemas.microsoft.com/office/drawing/2014/main" id="{A9727682-A24D-4F38-ACB4-A1EB3F168AD2}"/>
+              </a:ext>
+            </a:extLst>
+          </p:cNvPr>
+          <p:cNvSpPr txBox="1"/>
+          <p:nvPr/>
+        </p:nvSpPr>
+        <p:spPr>
+          <a:xfrm>
+            <a:off x="5386270" y="6113873"/>
+            <a:ext cx="2788665" cy="400110"/>
+          </a:xfrm>
+          <a:prstGeom prst="rect">
+            <a:avLst/>
+          </a:prstGeom>
+          <a:noFill/>
+        </p:spPr>
+        <p:txBody>
+          <a:bodyPr wrap="square" rtlCol="0">
+            <a:spAutoFit/>
+          </a:bodyPr>
+          <a:lstStyle/>
+          <a:p>
+            <a:r>
+              <a:rPr lang="de-DE" sz="2000" b="0" dirty="0" err="1">
+                <a:solidFill>
+                  <a:srgbClr val="0070C0"/>
+                </a:solidFill>
+                <a:effectLst/>
+                <a:latin typeface="Consolas" panose="020B0609020204030204" pitchFamily="49" charset="0"/>
+              </a:rPr>
+              <a:t>Microsoft.Compute</a:t>
+            </a:r>
+            <a:endParaRPr lang="de-DE" sz="1600" b="0" dirty="0">
+              <a:solidFill>
+                <a:srgbClr val="0070C0"/>
+              </a:solidFill>
+              <a:effectLst/>
+              <a:latin typeface="Consolas" panose="020B0609020204030204" pitchFamily="49" charset="0"/>
+            </a:endParaRPr>
+          </a:p>
+        </p:txBody>
+      </p:sp>
+      <p:sp>
+        <p:nvSpPr>
+          <p:cNvPr id="46" name="TextBox 45">
+            <a:extLst>
+              <a:ext uri="{FF2B5EF4-FFF2-40B4-BE49-F238E27FC236}">
+                <a16:creationId xmlns:a16="http://schemas.microsoft.com/office/drawing/2014/main" id="{4BE58A24-1B59-44A2-886E-948D5738BEBA}"/>
+              </a:ext>
+            </a:extLst>
+          </p:cNvPr>
+          <p:cNvSpPr txBox="1"/>
+          <p:nvPr/>
+        </p:nvSpPr>
+        <p:spPr>
+          <a:xfrm>
+            <a:off x="7788551" y="6132975"/>
+            <a:ext cx="2443784" cy="369332"/>
+          </a:xfrm>
+          <a:prstGeom prst="rect">
+            <a:avLst/>
+          </a:prstGeom>
+          <a:noFill/>
+        </p:spPr>
+        <p:txBody>
+          <a:bodyPr wrap="square">
+            <a:spAutoFit/>
+          </a:bodyPr>
+          <a:lstStyle/>
+          <a:p>
+            <a:r>
+              <a:rPr lang="de-DE" sz="1800" b="0" dirty="0">
+                <a:solidFill>
+                  <a:srgbClr val="0070C0"/>
+                </a:solidFill>
+                <a:effectLst/>
+                <a:latin typeface="Consolas" panose="020B0609020204030204" pitchFamily="49" charset="0"/>
+              </a:rPr>
+              <a:t>/</a:t>
+            </a:r>
+            <a:r>
+              <a:rPr lang="de-DE" sz="1600" b="0" dirty="0" err="1">
+                <a:solidFill>
+                  <a:srgbClr val="0070C0"/>
+                </a:solidFill>
+                <a:effectLst/>
+                <a:latin typeface="Consolas" panose="020B0609020204030204" pitchFamily="49" charset="0"/>
+              </a:rPr>
+              <a:t>virtualMachines</a:t>
+            </a:r>
+            <a:endParaRPr lang="de-DE" sz="1600" dirty="0"/>
+          </a:p>
+        </p:txBody>
+      </p:sp>
+      <p:sp>
+        <p:nvSpPr>
+          <p:cNvPr id="54" name="TextBox 53">
+            <a:extLst>
+              <a:ext uri="{FF2B5EF4-FFF2-40B4-BE49-F238E27FC236}">
+                <a16:creationId xmlns:a16="http://schemas.microsoft.com/office/drawing/2014/main" id="{DE95DD5D-D9AC-4E6B-BFAC-7420AC94C2C0}"/>
+              </a:ext>
+            </a:extLst>
+          </p:cNvPr>
+          <p:cNvSpPr txBox="1"/>
+          <p:nvPr/>
+        </p:nvSpPr>
+        <p:spPr>
+          <a:xfrm>
+            <a:off x="2618801" y="322292"/>
+            <a:ext cx="259091" cy="369332"/>
+          </a:xfrm>
+          <a:prstGeom prst="rect">
+            <a:avLst/>
+          </a:prstGeom>
+          <a:noFill/>
+        </p:spPr>
+        <p:txBody>
+          <a:bodyPr wrap="square">
+            <a:spAutoFit/>
+          </a:bodyPr>
+          <a:lstStyle/>
+          <a:p>
+            <a:r>
+              <a:rPr lang="de-DE" sz="1800" b="0" dirty="0">
+                <a:solidFill>
+                  <a:srgbClr val="00B050"/>
+                </a:solidFill>
+                <a:effectLst/>
+                <a:latin typeface="Consolas" panose="020B0609020204030204" pitchFamily="49" charset="0"/>
+              </a:rPr>
+              <a:t>/</a:t>
+            </a:r>
+            <a:endParaRPr lang="de-DE" dirty="0"/>
+          </a:p>
+        </p:txBody>
+      </p:sp>
+    </p:spTree>
+    <p:extLst>
+      <p:ext uri="{BB962C8B-B14F-4D97-AF65-F5344CB8AC3E}">
+        <p14:creationId xmlns:p14="http://schemas.microsoft.com/office/powerpoint/2010/main" val="3941739191"/>
+      </p:ext>
+    </p:extLst>
+  </p:cSld>
+  <p:clrMapOvr>
+    <a:masterClrMapping/>
+  </p:clrMapOvr>
+</p:sld>
+</file>
+
+<file path=ppt/slides/slide5.xml><?xml version="1.0" encoding="utf-8"?>
+<p:sld xmlns:a="http://schemas.openxmlformats.org/drawingml/2006/main" xmlns:r="http://schemas.openxmlformats.org/officeDocument/2006/relationships" xmlns:p="http://schemas.openxmlformats.org/presentationml/2006/main">
+  <p:cSld>
+    <p:spTree>
+      <p:nvGrpSpPr>
+        <p:cNvPr id="1" name=""/>
+        <p:cNvGrpSpPr/>
+        <p:nvPr/>
+      </p:nvGrpSpPr>
+      <p:grpSpPr>
+        <a:xfrm>
+          <a:off x="0" y="0"/>
+          <a:ext cx="0" cy="0"/>
+          <a:chOff x="0" y="0"/>
+          <a:chExt cx="0" cy="0"/>
+        </a:xfrm>
+      </p:grpSpPr>
+      <p:pic>
+        <p:nvPicPr>
+          <p:cNvPr id="2" name="Graphic 1">
+            <a:extLst>
+              <a:ext uri="{FF2B5EF4-FFF2-40B4-BE49-F238E27FC236}">
+                <a16:creationId xmlns:a16="http://schemas.microsoft.com/office/drawing/2014/main" id="{6962D3B9-D1EF-9848-BFA8-BAFA4775ED08}"/>
+              </a:ext>
+            </a:extLst>
+          </p:cNvPr>
+          <p:cNvPicPr>
+            <a:picLocks noChangeAspect="1"/>
+          </p:cNvPicPr>
+          <p:nvPr/>
+        </p:nvPicPr>
+        <p:blipFill>
+          <a:blip r:embed="rId2">
+            <a:extLst>
+              <a:ext uri="{28A0092B-C50C-407E-A947-70E740481C1C}">
+                <a14:useLocalDpi xmlns:a14="http://schemas.microsoft.com/office/drawing/2010/main" val="0"/>
+              </a:ext>
+              <a:ext uri="{96DAC541-7B7A-43D3-8B79-37D633B846F1}">
+                <asvg:svgBlip xmlns:asvg="http://schemas.microsoft.com/office/drawing/2016/SVG/main" r:embed="rId3"/>
+              </a:ext>
+            </a:extLst>
+          </a:blip>
+          <a:stretch>
+            <a:fillRect/>
+          </a:stretch>
+        </p:blipFill>
+        <p:spPr>
+          <a:xfrm>
+            <a:off x="2314246" y="1040205"/>
+            <a:ext cx="539090" cy="539090"/>
+          </a:xfrm>
+          <a:prstGeom prst="rect">
+            <a:avLst/>
+          </a:prstGeom>
+        </p:spPr>
+      </p:pic>
+      <p:pic>
+        <p:nvPicPr>
+          <p:cNvPr id="3" name="Graphic 2">
+            <a:extLst>
+              <a:ext uri="{FF2B5EF4-FFF2-40B4-BE49-F238E27FC236}">
+                <a16:creationId xmlns:a16="http://schemas.microsoft.com/office/drawing/2014/main" id="{CD063097-39F4-3442-9661-DCF4D987A147}"/>
+              </a:ext>
+            </a:extLst>
+          </p:cNvPr>
+          <p:cNvPicPr>
+            <a:picLocks noChangeAspect="1"/>
+          </p:cNvPicPr>
+          <p:nvPr/>
+        </p:nvPicPr>
+        <p:blipFill>
+          <a:blip r:embed="rId4">
+            <a:extLst>
+              <a:ext uri="{28A0092B-C50C-407E-A947-70E740481C1C}">
+                <a14:useLocalDpi xmlns:a14="http://schemas.microsoft.com/office/drawing/2010/main" val="0"/>
+              </a:ext>
+              <a:ext uri="{96DAC541-7B7A-43D3-8B79-37D633B846F1}">
+                <asvg:svgBlip xmlns:asvg="http://schemas.microsoft.com/office/drawing/2016/SVG/main" r:embed="rId5"/>
+              </a:ext>
+            </a:extLst>
+          </a:blip>
+          <a:stretch>
+            <a:fillRect/>
+          </a:stretch>
+        </p:blipFill>
+        <p:spPr>
+          <a:xfrm>
+            <a:off x="832056" y="4257324"/>
+            <a:ext cx="469900" cy="469900"/>
+          </a:xfrm>
+          <a:prstGeom prst="rect">
+            <a:avLst/>
+          </a:prstGeom>
+        </p:spPr>
+      </p:pic>
+      <p:pic>
+        <p:nvPicPr>
+          <p:cNvPr id="4" name="Graphic 3">
+            <a:extLst>
+              <a:ext uri="{FF2B5EF4-FFF2-40B4-BE49-F238E27FC236}">
+                <a16:creationId xmlns:a16="http://schemas.microsoft.com/office/drawing/2014/main" id="{E5ED6DF9-C206-CA43-9D16-BD2B2914BF43}"/>
+              </a:ext>
+            </a:extLst>
+          </p:cNvPr>
+          <p:cNvPicPr>
+            <a:picLocks noChangeAspect="1"/>
+          </p:cNvPicPr>
+          <p:nvPr/>
+        </p:nvPicPr>
+        <p:blipFill>
+          <a:blip r:embed="rId6">
+            <a:extLst>
+              <a:ext uri="{28A0092B-C50C-407E-A947-70E740481C1C}">
+                <a14:useLocalDpi xmlns:a14="http://schemas.microsoft.com/office/drawing/2010/main" val="0"/>
+              </a:ext>
+              <a:ext uri="{96DAC541-7B7A-43D3-8B79-37D633B846F1}">
+                <asvg:svgBlip xmlns:asvg="http://schemas.microsoft.com/office/drawing/2016/SVG/main" r:embed="rId7"/>
+              </a:ext>
+            </a:extLst>
+          </a:blip>
+          <a:stretch>
+            <a:fillRect/>
+          </a:stretch>
+        </p:blipFill>
+        <p:spPr>
+          <a:xfrm>
+            <a:off x="841037" y="2534897"/>
+            <a:ext cx="469900" cy="469900"/>
+          </a:xfrm>
+          <a:prstGeom prst="rect">
+            <a:avLst/>
+          </a:prstGeom>
+        </p:spPr>
+      </p:pic>
+      <p:pic>
+        <p:nvPicPr>
+          <p:cNvPr id="5" name="Graphic 4">
+            <a:extLst>
+              <a:ext uri="{FF2B5EF4-FFF2-40B4-BE49-F238E27FC236}">
+                <a16:creationId xmlns:a16="http://schemas.microsoft.com/office/drawing/2014/main" id="{AFC5AC4C-B89B-7C4C-8BF2-96C6D40C339D}"/>
+              </a:ext>
+            </a:extLst>
+          </p:cNvPr>
+          <p:cNvPicPr>
+            <a:picLocks noChangeAspect="1"/>
+          </p:cNvPicPr>
+          <p:nvPr/>
+        </p:nvPicPr>
+        <p:blipFill>
+          <a:blip r:embed="rId6">
+            <a:extLst>
+              <a:ext uri="{28A0092B-C50C-407E-A947-70E740481C1C}">
+                <a14:useLocalDpi xmlns:a14="http://schemas.microsoft.com/office/drawing/2010/main" val="0"/>
+              </a:ext>
+              <a:ext uri="{96DAC541-7B7A-43D3-8B79-37D633B846F1}">
+                <asvg:svgBlip xmlns:asvg="http://schemas.microsoft.com/office/drawing/2016/SVG/main" r:embed="rId7"/>
+              </a:ext>
+            </a:extLst>
+          </a:blip>
+          <a:stretch>
+            <a:fillRect/>
+          </a:stretch>
+        </p:blipFill>
+        <p:spPr>
+          <a:xfrm>
+            <a:off x="3757056" y="2522983"/>
+            <a:ext cx="469900" cy="469900"/>
+          </a:xfrm>
+          <a:prstGeom prst="rect">
+            <a:avLst/>
+          </a:prstGeom>
+        </p:spPr>
+      </p:pic>
+      <p:pic>
+        <p:nvPicPr>
+          <p:cNvPr id="6" name="Graphic 5">
+            <a:extLst>
+              <a:ext uri="{FF2B5EF4-FFF2-40B4-BE49-F238E27FC236}">
+                <a16:creationId xmlns:a16="http://schemas.microsoft.com/office/drawing/2014/main" id="{E19E03B1-7D84-144F-A09B-3A64427AD0BD}"/>
+              </a:ext>
+            </a:extLst>
+          </p:cNvPr>
+          <p:cNvPicPr>
+            <a:picLocks noChangeAspect="1"/>
+          </p:cNvPicPr>
+          <p:nvPr/>
+        </p:nvPicPr>
+        <p:blipFill>
+          <a:blip r:embed="rId8">
+            <a:extLst>
+              <a:ext uri="{28A0092B-C50C-407E-A947-70E740481C1C}">
+                <a14:useLocalDpi xmlns:a14="http://schemas.microsoft.com/office/drawing/2010/main" val="0"/>
+              </a:ext>
+              <a:ext uri="{96DAC541-7B7A-43D3-8B79-37D633B846F1}">
+                <asvg:svgBlip xmlns:asvg="http://schemas.microsoft.com/office/drawing/2016/SVG/main" r:embed="rId9"/>
+              </a:ext>
+            </a:extLst>
+          </a:blip>
+          <a:stretch>
+            <a:fillRect/>
+          </a:stretch>
+        </p:blipFill>
+        <p:spPr>
+          <a:xfrm>
+            <a:off x="785945" y="5278705"/>
+            <a:ext cx="527553" cy="527553"/>
+          </a:xfrm>
+          <a:prstGeom prst="rect">
+            <a:avLst/>
+          </a:prstGeom>
+        </p:spPr>
+      </p:pic>
+      <p:pic>
+        <p:nvPicPr>
+          <p:cNvPr id="12" name="Graphic 11">
+            <a:extLst>
+              <a:ext uri="{FF2B5EF4-FFF2-40B4-BE49-F238E27FC236}">
+                <a16:creationId xmlns:a16="http://schemas.microsoft.com/office/drawing/2014/main" id="{09A02838-0392-9F4F-973E-74FDA2676839}"/>
+              </a:ext>
+            </a:extLst>
+          </p:cNvPr>
+          <p:cNvPicPr>
+            <a:picLocks noChangeAspect="1"/>
+          </p:cNvPicPr>
+          <p:nvPr/>
+        </p:nvPicPr>
+        <p:blipFill>
+          <a:blip r:embed="rId10">
+            <a:extLst>
+              <a:ext uri="{28A0092B-C50C-407E-A947-70E740481C1C}">
+                <a14:useLocalDpi xmlns:a14="http://schemas.microsoft.com/office/drawing/2010/main" val="0"/>
+              </a:ext>
+              <a:ext uri="{96DAC541-7B7A-43D3-8B79-37D633B846F1}">
+                <asvg:svgBlip xmlns:asvg="http://schemas.microsoft.com/office/drawing/2016/SVG/main" r:embed="rId11"/>
+              </a:ext>
+            </a:extLst>
+          </a:blip>
+          <a:stretch>
+            <a:fillRect/>
+          </a:stretch>
+        </p:blipFill>
+        <p:spPr>
+          <a:xfrm>
+            <a:off x="5386271" y="5472570"/>
+            <a:ext cx="518414" cy="518414"/>
+          </a:xfrm>
+          <a:prstGeom prst="rect">
+            <a:avLst/>
+          </a:prstGeom>
+        </p:spPr>
+      </p:pic>
+      <p:cxnSp>
+        <p:nvCxnSpPr>
+          <p:cNvPr id="16" name="Straight Connector 15">
+            <a:extLst>
+              <a:ext uri="{FF2B5EF4-FFF2-40B4-BE49-F238E27FC236}">
+                <a16:creationId xmlns:a16="http://schemas.microsoft.com/office/drawing/2014/main" id="{095D6158-B520-F84E-A4C7-C8C14EFCC73A}"/>
+              </a:ext>
+            </a:extLst>
+          </p:cNvPr>
+          <p:cNvCxnSpPr>
+            <a:cxnSpLocks/>
+            <a:stCxn id="4" idx="0"/>
+            <a:endCxn id="2" idx="2"/>
+          </p:cNvCxnSpPr>
+          <p:nvPr/>
+        </p:nvCxnSpPr>
+        <p:spPr>
+          <a:xfrm flipV="1">
+            <a:off x="1075987" y="1579295"/>
+            <a:ext cx="1507804" cy="955602"/>
+          </a:xfrm>
+          <a:prstGeom prst="line">
+            <a:avLst/>
+          </a:prstGeom>
+        </p:spPr>
+        <p:style>
+          <a:lnRef idx="1">
+            <a:schemeClr val="accent1"/>
+          </a:lnRef>
+          <a:fillRef idx="0">
+            <a:schemeClr val="accent1"/>
+          </a:fillRef>
+          <a:effectRef idx="0">
+            <a:schemeClr val="accent1"/>
+          </a:effectRef>
+          <a:fontRef idx="minor">
+            <a:schemeClr val="tx1"/>
+          </a:fontRef>
+        </p:style>
+      </p:cxnSp>
+      <p:cxnSp>
+        <p:nvCxnSpPr>
+          <p:cNvPr id="19" name="Straight Connector 18">
+            <a:extLst>
+              <a:ext uri="{FF2B5EF4-FFF2-40B4-BE49-F238E27FC236}">
+                <a16:creationId xmlns:a16="http://schemas.microsoft.com/office/drawing/2014/main" id="{8BF45E44-87AC-AB49-9886-BBCC22CE64C0}"/>
+              </a:ext>
+            </a:extLst>
+          </p:cNvPr>
+          <p:cNvCxnSpPr>
+            <a:cxnSpLocks/>
+            <a:stCxn id="5" idx="0"/>
+            <a:endCxn id="2" idx="2"/>
+          </p:cNvCxnSpPr>
+          <p:nvPr/>
+        </p:nvCxnSpPr>
+        <p:spPr>
+          <a:xfrm flipH="1" flipV="1">
+            <a:off x="2583791" y="1579295"/>
+            <a:ext cx="1408215" cy="943688"/>
+          </a:xfrm>
+          <a:prstGeom prst="line">
+            <a:avLst/>
+          </a:prstGeom>
+        </p:spPr>
+        <p:style>
+          <a:lnRef idx="1">
+            <a:schemeClr val="accent1"/>
+          </a:lnRef>
+          <a:fillRef idx="0">
+            <a:schemeClr val="accent1"/>
+          </a:fillRef>
+          <a:effectRef idx="0">
+            <a:schemeClr val="accent1"/>
+          </a:effectRef>
+          <a:fontRef idx="minor">
+            <a:schemeClr val="tx1"/>
+          </a:fontRef>
+        </p:style>
+      </p:cxnSp>
+      <p:cxnSp>
+        <p:nvCxnSpPr>
+          <p:cNvPr id="33" name="Straight Connector 32">
+            <a:extLst>
+              <a:ext uri="{FF2B5EF4-FFF2-40B4-BE49-F238E27FC236}">
+                <a16:creationId xmlns:a16="http://schemas.microsoft.com/office/drawing/2014/main" id="{78CD5C4C-44CC-1E46-8558-191D848A8A37}"/>
+              </a:ext>
+            </a:extLst>
+          </p:cNvPr>
+          <p:cNvCxnSpPr>
+            <a:cxnSpLocks/>
+            <a:stCxn id="4" idx="2"/>
+            <a:endCxn id="3" idx="0"/>
+          </p:cNvCxnSpPr>
+          <p:nvPr/>
+        </p:nvCxnSpPr>
+        <p:spPr>
+          <a:xfrm flipH="1">
+            <a:off x="1067006" y="3004797"/>
+            <a:ext cx="8981" cy="1252527"/>
+          </a:xfrm>
+          <a:prstGeom prst="line">
+            <a:avLst/>
+          </a:prstGeom>
+        </p:spPr>
+        <p:style>
+          <a:lnRef idx="1">
+            <a:schemeClr val="accent1"/>
+          </a:lnRef>
+          <a:fillRef idx="0">
+            <a:schemeClr val="accent1"/>
+          </a:fillRef>
+          <a:effectRef idx="0">
+            <a:schemeClr val="accent1"/>
+          </a:effectRef>
+          <a:fontRef idx="minor">
+            <a:schemeClr val="tx1"/>
+          </a:fontRef>
+        </p:style>
+      </p:cxnSp>
+      <p:cxnSp>
+        <p:nvCxnSpPr>
+          <p:cNvPr id="39" name="Straight Connector 38">
+            <a:extLst>
+              <a:ext uri="{FF2B5EF4-FFF2-40B4-BE49-F238E27FC236}">
+                <a16:creationId xmlns:a16="http://schemas.microsoft.com/office/drawing/2014/main" id="{6E85FF54-4FA5-1F41-8467-2D8BA475FCBC}"/>
+              </a:ext>
+            </a:extLst>
+          </p:cNvPr>
+          <p:cNvCxnSpPr>
+            <a:cxnSpLocks/>
+            <a:stCxn id="6" idx="0"/>
+            <a:endCxn id="3" idx="2"/>
+          </p:cNvCxnSpPr>
+          <p:nvPr/>
+        </p:nvCxnSpPr>
+        <p:spPr>
+          <a:xfrm flipV="1">
+            <a:off x="1049722" y="4727224"/>
+            <a:ext cx="17284" cy="551481"/>
+          </a:xfrm>
+          <a:prstGeom prst="line">
+            <a:avLst/>
+          </a:prstGeom>
+        </p:spPr>
+        <p:style>
+          <a:lnRef idx="1">
+            <a:schemeClr val="accent1"/>
+          </a:lnRef>
+          <a:fillRef idx="0">
+            <a:schemeClr val="accent1"/>
+          </a:fillRef>
+          <a:effectRef idx="0">
+            <a:schemeClr val="accent1"/>
+          </a:effectRef>
+          <a:fontRef idx="minor">
+            <a:schemeClr val="tx1"/>
+          </a:fontRef>
+        </p:style>
+      </p:cxnSp>
+      <p:sp>
+        <p:nvSpPr>
+          <p:cNvPr id="10" name="TextBox 9">
+            <a:extLst>
+              <a:ext uri="{FF2B5EF4-FFF2-40B4-BE49-F238E27FC236}">
+                <a16:creationId xmlns:a16="http://schemas.microsoft.com/office/drawing/2014/main" id="{6550D5C3-FD6C-4970-9B51-E37B6C583FC7}"/>
+              </a:ext>
+            </a:extLst>
+          </p:cNvPr>
+          <p:cNvSpPr txBox="1"/>
+          <p:nvPr/>
+        </p:nvSpPr>
+        <p:spPr>
+          <a:xfrm>
+            <a:off x="207840" y="299297"/>
+            <a:ext cx="2597449" cy="400110"/>
+          </a:xfrm>
+          <a:prstGeom prst="rect">
+            <a:avLst/>
+          </a:prstGeom>
+          <a:noFill/>
+        </p:spPr>
+        <p:txBody>
+          <a:bodyPr wrap="square" rtlCol="0">
+            <a:spAutoFit/>
+          </a:bodyPr>
+          <a:lstStyle/>
+          <a:p>
+            <a:r>
+              <a:rPr lang="de-DE" sz="2000" b="0" dirty="0" err="1">
+                <a:solidFill>
+                  <a:srgbClr val="00B050"/>
+                </a:solidFill>
+                <a:effectLst/>
+                <a:latin typeface="Consolas" panose="020B0609020204030204" pitchFamily="49" charset="0"/>
+              </a:rPr>
+              <a:t>Microsoft.Network</a:t>
+            </a:r>
+            <a:endParaRPr lang="de-DE" sz="1600" b="0" dirty="0">
+              <a:solidFill>
+                <a:srgbClr val="00B050"/>
+              </a:solidFill>
+              <a:effectLst/>
+              <a:latin typeface="Consolas" panose="020B0609020204030204" pitchFamily="49" charset="0"/>
+            </a:endParaRPr>
+          </a:p>
+        </p:txBody>
+      </p:sp>
+      <p:sp>
+        <p:nvSpPr>
+          <p:cNvPr id="17" name="TextBox 16">
+            <a:extLst>
+              <a:ext uri="{FF2B5EF4-FFF2-40B4-BE49-F238E27FC236}">
+                <a16:creationId xmlns:a16="http://schemas.microsoft.com/office/drawing/2014/main" id="{1E4F1C45-83BD-4DB9-ACCE-B2F109624389}"/>
+              </a:ext>
+            </a:extLst>
+          </p:cNvPr>
+          <p:cNvSpPr txBox="1"/>
+          <p:nvPr/>
+        </p:nvSpPr>
+        <p:spPr>
+          <a:xfrm>
+            <a:off x="311772" y="5835671"/>
+            <a:ext cx="2698214" cy="338554"/>
+          </a:xfrm>
+          <a:prstGeom prst="rect">
+            <a:avLst/>
+          </a:prstGeom>
+          <a:noFill/>
+        </p:spPr>
+        <p:txBody>
+          <a:bodyPr wrap="square" rtlCol="0">
+            <a:spAutoFit/>
+          </a:bodyPr>
+          <a:lstStyle/>
+          <a:p>
+            <a:r>
+              <a:rPr lang="de-DE" sz="1600" dirty="0">
+                <a:solidFill>
+                  <a:srgbClr val="00B050"/>
+                </a:solidFill>
+                <a:latin typeface="Consolas" panose="020B0609020204030204" pitchFamily="49" charset="0"/>
+              </a:rPr>
+              <a:t>...</a:t>
+            </a:r>
+            <a:r>
+              <a:rPr lang="de-DE" sz="1600" b="0" dirty="0">
+                <a:solidFill>
+                  <a:srgbClr val="00B050"/>
+                </a:solidFill>
+                <a:effectLst/>
+                <a:latin typeface="Consolas" panose="020B0609020204030204" pitchFamily="49" charset="0"/>
+              </a:rPr>
+              <a:t>/</a:t>
+            </a:r>
+            <a:r>
+              <a:rPr lang="de-DE" sz="1600" b="0" dirty="0" err="1">
+                <a:solidFill>
+                  <a:srgbClr val="00B050"/>
+                </a:solidFill>
+                <a:effectLst/>
+                <a:latin typeface="Consolas" panose="020B0609020204030204" pitchFamily="49" charset="0"/>
+              </a:rPr>
+              <a:t>publicIPAddresses</a:t>
+            </a:r>
+            <a:endParaRPr lang="de-DE" sz="1600" b="0" dirty="0">
+              <a:solidFill>
+                <a:srgbClr val="00B050"/>
+              </a:solidFill>
+              <a:effectLst/>
+              <a:latin typeface="Consolas" panose="020B0609020204030204" pitchFamily="49" charset="0"/>
+            </a:endParaRPr>
+          </a:p>
+        </p:txBody>
+      </p:sp>
+      <p:sp>
+        <p:nvSpPr>
+          <p:cNvPr id="18" name="TextBox 17">
+            <a:extLst>
+              <a:ext uri="{FF2B5EF4-FFF2-40B4-BE49-F238E27FC236}">
+                <a16:creationId xmlns:a16="http://schemas.microsoft.com/office/drawing/2014/main" id="{C7750839-7E4B-4CE7-B7B6-E5DF7FF0687C}"/>
+              </a:ext>
+            </a:extLst>
+          </p:cNvPr>
+          <p:cNvSpPr txBox="1"/>
+          <p:nvPr/>
+        </p:nvSpPr>
+        <p:spPr>
+          <a:xfrm>
+            <a:off x="288683" y="3749493"/>
+            <a:ext cx="2125051" cy="338554"/>
+          </a:xfrm>
+          <a:prstGeom prst="rect">
+            <a:avLst/>
+          </a:prstGeom>
+          <a:solidFill>
+            <a:schemeClr val="bg1"/>
+          </a:solidFill>
+        </p:spPr>
+        <p:txBody>
+          <a:bodyPr wrap="square" rtlCol="0">
+            <a:spAutoFit/>
+          </a:bodyPr>
+          <a:lstStyle/>
+          <a:p>
+            <a:r>
+              <a:rPr lang="de-DE" sz="1600" dirty="0">
+                <a:solidFill>
+                  <a:srgbClr val="00B050"/>
+                </a:solidFill>
+                <a:latin typeface="Consolas" panose="020B0609020204030204" pitchFamily="49" charset="0"/>
+              </a:rPr>
+              <a:t>...</a:t>
+            </a:r>
+            <a:r>
+              <a:rPr lang="de-DE" sz="1600" b="0" dirty="0">
+                <a:solidFill>
+                  <a:srgbClr val="00B050"/>
+                </a:solidFill>
+                <a:effectLst/>
+                <a:latin typeface="Consolas" panose="020B0609020204030204" pitchFamily="49" charset="0"/>
+              </a:rPr>
+              <a:t>/</a:t>
+            </a:r>
+            <a:r>
+              <a:rPr lang="de-DE" sz="1600" b="0" dirty="0" err="1">
+                <a:solidFill>
+                  <a:srgbClr val="00B050"/>
+                </a:solidFill>
+                <a:effectLst/>
+                <a:latin typeface="Consolas" panose="020B0609020204030204" pitchFamily="49" charset="0"/>
+              </a:rPr>
+              <a:t>bastionHosts</a:t>
+            </a:r>
+            <a:endParaRPr lang="de-DE" sz="1600" b="0" dirty="0">
+              <a:solidFill>
+                <a:srgbClr val="00B050"/>
+              </a:solidFill>
+              <a:effectLst/>
+              <a:latin typeface="Consolas" panose="020B0609020204030204" pitchFamily="49" charset="0"/>
+            </a:endParaRPr>
+          </a:p>
+        </p:txBody>
+      </p:sp>
+      <p:sp>
+        <p:nvSpPr>
+          <p:cNvPr id="23" name="TextBox 22">
+            <a:extLst>
+              <a:ext uri="{FF2B5EF4-FFF2-40B4-BE49-F238E27FC236}">
+                <a16:creationId xmlns:a16="http://schemas.microsoft.com/office/drawing/2014/main" id="{7104ECFB-0FD9-40B1-8913-F0BF63DED483}"/>
+              </a:ext>
+            </a:extLst>
+          </p:cNvPr>
+          <p:cNvSpPr txBox="1"/>
+          <p:nvPr/>
+        </p:nvSpPr>
+        <p:spPr>
+          <a:xfrm>
+            <a:off x="5865529" y="569633"/>
+            <a:ext cx="3159201" cy="400110"/>
+          </a:xfrm>
+          <a:prstGeom prst="rect">
+            <a:avLst/>
+          </a:prstGeom>
+          <a:noFill/>
+        </p:spPr>
+        <p:txBody>
+          <a:bodyPr wrap="square" rtlCol="0">
+            <a:spAutoFit/>
+          </a:bodyPr>
+          <a:lstStyle/>
+          <a:p>
+            <a:r>
+              <a:rPr lang="de-DE" sz="2000" b="0" dirty="0" err="1">
+                <a:solidFill>
+                  <a:srgbClr val="7030A0"/>
+                </a:solidFill>
+                <a:effectLst/>
+                <a:latin typeface="Consolas" panose="020B0609020204030204" pitchFamily="49" charset="0"/>
+              </a:rPr>
+              <a:t>Microsoft.Automation</a:t>
+            </a:r>
+            <a:endParaRPr lang="de-DE" sz="1600" b="0" dirty="0">
+              <a:solidFill>
+                <a:srgbClr val="7030A0"/>
+              </a:solidFill>
+              <a:effectLst/>
+              <a:latin typeface="Consolas" panose="020B0609020204030204" pitchFamily="49" charset="0"/>
+            </a:endParaRPr>
+          </a:p>
+        </p:txBody>
+      </p:sp>
+      <p:sp>
+        <p:nvSpPr>
+          <p:cNvPr id="44" name="TextBox 43">
+            <a:extLst>
+              <a:ext uri="{FF2B5EF4-FFF2-40B4-BE49-F238E27FC236}">
+                <a16:creationId xmlns:a16="http://schemas.microsoft.com/office/drawing/2014/main" id="{1A192757-F919-4FEA-859D-AB86194A5E3F}"/>
+              </a:ext>
+            </a:extLst>
+          </p:cNvPr>
+          <p:cNvSpPr txBox="1"/>
+          <p:nvPr/>
+        </p:nvSpPr>
+        <p:spPr>
+          <a:xfrm>
+            <a:off x="1301956" y="713256"/>
+            <a:ext cx="2687194" cy="400110"/>
+          </a:xfrm>
+          <a:prstGeom prst="rect">
+            <a:avLst/>
+          </a:prstGeom>
+          <a:noFill/>
+        </p:spPr>
+        <p:txBody>
+          <a:bodyPr wrap="square" rtlCol="0">
+            <a:spAutoFit/>
+          </a:bodyPr>
+          <a:lstStyle/>
+          <a:p>
+            <a:r>
+              <a:rPr lang="de-DE" sz="2000" dirty="0">
+                <a:solidFill>
+                  <a:srgbClr val="00B050"/>
+                </a:solidFill>
+                <a:latin typeface="Consolas" panose="020B0609020204030204" pitchFamily="49" charset="0"/>
+              </a:rPr>
+              <a:t>...</a:t>
+            </a:r>
+            <a:r>
+              <a:rPr lang="de-DE" sz="1600" b="0" dirty="0">
+                <a:solidFill>
+                  <a:srgbClr val="00B050"/>
+                </a:solidFill>
+                <a:effectLst/>
+                <a:latin typeface="Consolas" panose="020B0609020204030204" pitchFamily="49" charset="0"/>
+              </a:rPr>
+              <a:t>/</a:t>
+            </a:r>
+            <a:r>
+              <a:rPr lang="de-DE" sz="1600" b="0" dirty="0" err="1">
+                <a:solidFill>
+                  <a:srgbClr val="00B050"/>
+                </a:solidFill>
+                <a:effectLst/>
+                <a:latin typeface="Consolas" panose="020B0609020204030204" pitchFamily="49" charset="0"/>
+              </a:rPr>
+              <a:t>virtualNetworks</a:t>
+            </a:r>
+            <a:endParaRPr lang="de-DE" sz="1600" b="0" dirty="0">
+              <a:solidFill>
+                <a:srgbClr val="00B050"/>
+              </a:solidFill>
+              <a:effectLst/>
+              <a:latin typeface="Consolas" panose="020B0609020204030204" pitchFamily="49" charset="0"/>
+            </a:endParaRPr>
+          </a:p>
+        </p:txBody>
+      </p:sp>
+      <p:sp>
+        <p:nvSpPr>
+          <p:cNvPr id="45" name="TextBox 44">
+            <a:extLst>
+              <a:ext uri="{FF2B5EF4-FFF2-40B4-BE49-F238E27FC236}">
+                <a16:creationId xmlns:a16="http://schemas.microsoft.com/office/drawing/2014/main" id="{A9727682-A24D-4F38-ACB4-A1EB3F168AD2}"/>
+              </a:ext>
+            </a:extLst>
+          </p:cNvPr>
+          <p:cNvSpPr txBox="1"/>
+          <p:nvPr/>
+        </p:nvSpPr>
+        <p:spPr>
+          <a:xfrm>
+            <a:off x="5386270" y="6113873"/>
+            <a:ext cx="2788665" cy="400110"/>
+          </a:xfrm>
+          <a:prstGeom prst="rect">
+            <a:avLst/>
+          </a:prstGeom>
+          <a:noFill/>
+        </p:spPr>
+        <p:txBody>
+          <a:bodyPr wrap="square" rtlCol="0">
+            <a:spAutoFit/>
+          </a:bodyPr>
+          <a:lstStyle/>
+          <a:p>
+            <a:r>
+              <a:rPr lang="de-DE" sz="2000" b="0" dirty="0" err="1">
+                <a:solidFill>
+                  <a:srgbClr val="0070C0"/>
+                </a:solidFill>
+                <a:effectLst/>
+                <a:latin typeface="Consolas" panose="020B0609020204030204" pitchFamily="49" charset="0"/>
+              </a:rPr>
+              <a:t>Microsoft.Compute</a:t>
+            </a:r>
+            <a:endParaRPr lang="de-DE" sz="1600" b="0" dirty="0">
+              <a:solidFill>
+                <a:srgbClr val="0070C0"/>
+              </a:solidFill>
+              <a:effectLst/>
+              <a:latin typeface="Consolas" panose="020B0609020204030204" pitchFamily="49" charset="0"/>
+            </a:endParaRPr>
+          </a:p>
+        </p:txBody>
+      </p:sp>
+      <p:sp>
+        <p:nvSpPr>
+          <p:cNvPr id="46" name="TextBox 45">
+            <a:extLst>
+              <a:ext uri="{FF2B5EF4-FFF2-40B4-BE49-F238E27FC236}">
+                <a16:creationId xmlns:a16="http://schemas.microsoft.com/office/drawing/2014/main" id="{4BE58A24-1B59-44A2-886E-948D5738BEBA}"/>
+              </a:ext>
+            </a:extLst>
+          </p:cNvPr>
+          <p:cNvSpPr txBox="1"/>
+          <p:nvPr/>
+        </p:nvSpPr>
+        <p:spPr>
+          <a:xfrm>
+            <a:off x="7788551" y="6132975"/>
+            <a:ext cx="2443784" cy="369332"/>
+          </a:xfrm>
+          <a:prstGeom prst="rect">
+            <a:avLst/>
+          </a:prstGeom>
+          <a:noFill/>
+        </p:spPr>
+        <p:txBody>
+          <a:bodyPr wrap="square">
+            <a:spAutoFit/>
+          </a:bodyPr>
+          <a:lstStyle/>
+          <a:p>
+            <a:r>
+              <a:rPr lang="de-DE" sz="1800" b="0" dirty="0">
+                <a:solidFill>
+                  <a:srgbClr val="0070C0"/>
+                </a:solidFill>
+                <a:effectLst/>
+                <a:latin typeface="Consolas" panose="020B0609020204030204" pitchFamily="49" charset="0"/>
+              </a:rPr>
+              <a:t>/</a:t>
+            </a:r>
+            <a:r>
+              <a:rPr lang="de-DE" sz="1600" b="0" dirty="0" err="1">
+                <a:solidFill>
+                  <a:srgbClr val="0070C0"/>
+                </a:solidFill>
+                <a:effectLst/>
+                <a:latin typeface="Consolas" panose="020B0609020204030204" pitchFamily="49" charset="0"/>
+              </a:rPr>
+              <a:t>virtualMachines</a:t>
+            </a:r>
+            <a:endParaRPr lang="de-DE" sz="1600" dirty="0"/>
+          </a:p>
+        </p:txBody>
+      </p:sp>
+      <p:sp>
+        <p:nvSpPr>
+          <p:cNvPr id="54" name="TextBox 53">
+            <a:extLst>
+              <a:ext uri="{FF2B5EF4-FFF2-40B4-BE49-F238E27FC236}">
+                <a16:creationId xmlns:a16="http://schemas.microsoft.com/office/drawing/2014/main" id="{DE95DD5D-D9AC-4E6B-BFAC-7420AC94C2C0}"/>
+              </a:ext>
+            </a:extLst>
+          </p:cNvPr>
+          <p:cNvSpPr txBox="1"/>
+          <p:nvPr/>
+        </p:nvSpPr>
+        <p:spPr>
+          <a:xfrm>
+            <a:off x="2618801" y="322292"/>
+            <a:ext cx="259091" cy="369332"/>
+          </a:xfrm>
+          <a:prstGeom prst="rect">
+            <a:avLst/>
+          </a:prstGeom>
+          <a:noFill/>
+        </p:spPr>
+        <p:txBody>
+          <a:bodyPr wrap="square">
+            <a:spAutoFit/>
+          </a:bodyPr>
+          <a:lstStyle/>
+          <a:p>
+            <a:r>
+              <a:rPr lang="de-DE" sz="1800" b="0" dirty="0">
+                <a:solidFill>
+                  <a:srgbClr val="00B050"/>
+                </a:solidFill>
+                <a:effectLst/>
+                <a:latin typeface="Consolas" panose="020B0609020204030204" pitchFamily="49" charset="0"/>
+              </a:rPr>
+              <a:t>/</a:t>
+            </a:r>
+            <a:endParaRPr lang="de-DE" dirty="0"/>
+          </a:p>
+        </p:txBody>
+      </p:sp>
+      <p:sp>
+        <p:nvSpPr>
+          <p:cNvPr id="15" name="TextBox 14">
+            <a:extLst>
+              <a:ext uri="{FF2B5EF4-FFF2-40B4-BE49-F238E27FC236}">
+                <a16:creationId xmlns:a16="http://schemas.microsoft.com/office/drawing/2014/main" id="{2D54054C-C237-4D8E-8C24-F68BCC2E7CA5}"/>
+              </a:ext>
+            </a:extLst>
+          </p:cNvPr>
+          <p:cNvSpPr txBox="1"/>
+          <p:nvPr/>
+        </p:nvSpPr>
+        <p:spPr>
+          <a:xfrm>
+            <a:off x="934538" y="2083280"/>
+            <a:ext cx="3491499" cy="338554"/>
+          </a:xfrm>
+          <a:prstGeom prst="rect">
+            <a:avLst/>
+          </a:prstGeom>
+          <a:solidFill>
+            <a:schemeClr val="bg1"/>
+          </a:solidFill>
+        </p:spPr>
+        <p:txBody>
+          <a:bodyPr wrap="square" rtlCol="0">
+            <a:spAutoFit/>
+          </a:bodyPr>
+          <a:lstStyle/>
+          <a:p>
+            <a:r>
+              <a:rPr lang="de-DE" sz="1600" dirty="0">
+                <a:solidFill>
+                  <a:srgbClr val="00B050"/>
+                </a:solidFill>
+                <a:latin typeface="Consolas" panose="020B0609020204030204" pitchFamily="49" charset="0"/>
+              </a:rPr>
+              <a:t>...</a:t>
+            </a:r>
+            <a:r>
+              <a:rPr lang="de-DE" sz="1600" b="0" dirty="0">
+                <a:solidFill>
+                  <a:srgbClr val="00B050"/>
+                </a:solidFill>
+                <a:effectLst/>
+                <a:latin typeface="Consolas" panose="020B0609020204030204" pitchFamily="49" charset="0"/>
+              </a:rPr>
+              <a:t>/</a:t>
+            </a:r>
+            <a:r>
+              <a:rPr lang="de-DE" sz="1600" b="0" dirty="0" err="1">
+                <a:solidFill>
+                  <a:srgbClr val="00B050"/>
+                </a:solidFill>
+                <a:effectLst/>
+                <a:latin typeface="Consolas" panose="020B0609020204030204" pitchFamily="49" charset="0"/>
+              </a:rPr>
+              <a:t>virtualNetworks</a:t>
+            </a:r>
+            <a:r>
+              <a:rPr lang="de-DE" sz="1600" b="0" dirty="0">
+                <a:solidFill>
+                  <a:srgbClr val="00B050"/>
+                </a:solidFill>
+                <a:effectLst/>
+                <a:latin typeface="Consolas" panose="020B0609020204030204" pitchFamily="49" charset="0"/>
+              </a:rPr>
+              <a:t>/</a:t>
+            </a:r>
+            <a:r>
+              <a:rPr lang="de-DE" sz="1600" b="0" dirty="0" err="1">
+                <a:solidFill>
+                  <a:srgbClr val="00B050"/>
+                </a:solidFill>
+                <a:effectLst/>
+                <a:latin typeface="Consolas" panose="020B0609020204030204" pitchFamily="49" charset="0"/>
+              </a:rPr>
+              <a:t>subnets</a:t>
+            </a:r>
+            <a:endParaRPr lang="de-DE" sz="1600" b="0" dirty="0">
+              <a:solidFill>
+                <a:srgbClr val="00B050"/>
+              </a:solidFill>
+              <a:effectLst/>
+              <a:latin typeface="Consolas" panose="020B0609020204030204" pitchFamily="49" charset="0"/>
+            </a:endParaRPr>
+          </a:p>
+        </p:txBody>
+      </p:sp>
+    </p:spTree>
+    <p:extLst>
+      <p:ext uri="{BB962C8B-B14F-4D97-AF65-F5344CB8AC3E}">
+        <p14:creationId xmlns:p14="http://schemas.microsoft.com/office/powerpoint/2010/main" val="651536341"/>
+      </p:ext>
+    </p:extLst>
+  </p:cSld>
+  <p:clrMapOvr>
+    <a:masterClrMapping/>
+  </p:clrMapOvr>
+</p:sld>
+</file>
+
+<file path=ppt/slides/slide6.xml><?xml version="1.0" encoding="utf-8"?>
+<p:sld xmlns:a="http://schemas.openxmlformats.org/drawingml/2006/main" xmlns:r="http://schemas.openxmlformats.org/officeDocument/2006/relationships" xmlns:p="http://schemas.openxmlformats.org/presentationml/2006/main">
+  <p:cSld>
+    <p:spTree>
+      <p:nvGrpSpPr>
+        <p:cNvPr id="1" name=""/>
+        <p:cNvGrpSpPr/>
+        <p:nvPr/>
+      </p:nvGrpSpPr>
+      <p:grpSpPr>
+        <a:xfrm>
+          <a:off x="0" y="0"/>
+          <a:ext cx="0" cy="0"/>
+          <a:chOff x="0" y="0"/>
+          <a:chExt cx="0" cy="0"/>
+        </a:xfrm>
+      </p:grpSpPr>
+      <p:pic>
+        <p:nvPicPr>
+          <p:cNvPr id="2" name="Graphic 1">
+            <a:extLst>
+              <a:ext uri="{FF2B5EF4-FFF2-40B4-BE49-F238E27FC236}">
+                <a16:creationId xmlns:a16="http://schemas.microsoft.com/office/drawing/2014/main" id="{6962D3B9-D1EF-9848-BFA8-BAFA4775ED08}"/>
+              </a:ext>
+            </a:extLst>
+          </p:cNvPr>
+          <p:cNvPicPr>
+            <a:picLocks noChangeAspect="1"/>
+          </p:cNvPicPr>
+          <p:nvPr/>
+        </p:nvPicPr>
+        <p:blipFill>
+          <a:blip r:embed="rId2">
+            <a:extLst>
+              <a:ext uri="{28A0092B-C50C-407E-A947-70E740481C1C}">
+                <a14:useLocalDpi xmlns:a14="http://schemas.microsoft.com/office/drawing/2010/main" val="0"/>
+              </a:ext>
+              <a:ext uri="{96DAC541-7B7A-43D3-8B79-37D633B846F1}">
+                <asvg:svgBlip xmlns:asvg="http://schemas.microsoft.com/office/drawing/2016/SVG/main" r:embed="rId3"/>
+              </a:ext>
+            </a:extLst>
+          </a:blip>
+          <a:stretch>
+            <a:fillRect/>
+          </a:stretch>
+        </p:blipFill>
+        <p:spPr>
+          <a:xfrm>
+            <a:off x="2314246" y="1040205"/>
+            <a:ext cx="539090" cy="539090"/>
+          </a:xfrm>
+          <a:prstGeom prst="rect">
+            <a:avLst/>
+          </a:prstGeom>
+        </p:spPr>
+      </p:pic>
+      <p:pic>
+        <p:nvPicPr>
+          <p:cNvPr id="3" name="Graphic 2">
+            <a:extLst>
+              <a:ext uri="{FF2B5EF4-FFF2-40B4-BE49-F238E27FC236}">
+                <a16:creationId xmlns:a16="http://schemas.microsoft.com/office/drawing/2014/main" id="{CD063097-39F4-3442-9661-DCF4D987A147}"/>
+              </a:ext>
+            </a:extLst>
+          </p:cNvPr>
+          <p:cNvPicPr>
+            <a:picLocks noChangeAspect="1"/>
+          </p:cNvPicPr>
+          <p:nvPr/>
+        </p:nvPicPr>
+        <p:blipFill>
+          <a:blip r:embed="rId4">
+            <a:extLst>
+              <a:ext uri="{28A0092B-C50C-407E-A947-70E740481C1C}">
+                <a14:useLocalDpi xmlns:a14="http://schemas.microsoft.com/office/drawing/2010/main" val="0"/>
+              </a:ext>
+              <a:ext uri="{96DAC541-7B7A-43D3-8B79-37D633B846F1}">
+                <asvg:svgBlip xmlns:asvg="http://schemas.microsoft.com/office/drawing/2016/SVG/main" r:embed="rId5"/>
+              </a:ext>
+            </a:extLst>
+          </a:blip>
+          <a:stretch>
+            <a:fillRect/>
+          </a:stretch>
+        </p:blipFill>
+        <p:spPr>
+          <a:xfrm>
+            <a:off x="832056" y="4257324"/>
+            <a:ext cx="469900" cy="469900"/>
+          </a:xfrm>
+          <a:prstGeom prst="rect">
+            <a:avLst/>
+          </a:prstGeom>
+        </p:spPr>
+      </p:pic>
+      <p:pic>
+        <p:nvPicPr>
+          <p:cNvPr id="4" name="Graphic 3">
+            <a:extLst>
+              <a:ext uri="{FF2B5EF4-FFF2-40B4-BE49-F238E27FC236}">
+                <a16:creationId xmlns:a16="http://schemas.microsoft.com/office/drawing/2014/main" id="{E5ED6DF9-C206-CA43-9D16-BD2B2914BF43}"/>
+              </a:ext>
+            </a:extLst>
+          </p:cNvPr>
+          <p:cNvPicPr>
+            <a:picLocks noChangeAspect="1"/>
+          </p:cNvPicPr>
+          <p:nvPr/>
+        </p:nvPicPr>
+        <p:blipFill>
+          <a:blip r:embed="rId6">
+            <a:extLst>
+              <a:ext uri="{28A0092B-C50C-407E-A947-70E740481C1C}">
+                <a14:useLocalDpi xmlns:a14="http://schemas.microsoft.com/office/drawing/2010/main" val="0"/>
+              </a:ext>
+              <a:ext uri="{96DAC541-7B7A-43D3-8B79-37D633B846F1}">
+                <asvg:svgBlip xmlns:asvg="http://schemas.microsoft.com/office/drawing/2016/SVG/main" r:embed="rId7"/>
+              </a:ext>
+            </a:extLst>
+          </a:blip>
+          <a:stretch>
+            <a:fillRect/>
+          </a:stretch>
+        </p:blipFill>
+        <p:spPr>
+          <a:xfrm>
+            <a:off x="841037" y="2534897"/>
+            <a:ext cx="469900" cy="469900"/>
+          </a:xfrm>
+          <a:prstGeom prst="rect">
+            <a:avLst/>
+          </a:prstGeom>
+        </p:spPr>
+      </p:pic>
+      <p:pic>
+        <p:nvPicPr>
+          <p:cNvPr id="5" name="Graphic 4">
+            <a:extLst>
+              <a:ext uri="{FF2B5EF4-FFF2-40B4-BE49-F238E27FC236}">
+                <a16:creationId xmlns:a16="http://schemas.microsoft.com/office/drawing/2014/main" id="{AFC5AC4C-B89B-7C4C-8BF2-96C6D40C339D}"/>
+              </a:ext>
+            </a:extLst>
+          </p:cNvPr>
+          <p:cNvPicPr>
+            <a:picLocks noChangeAspect="1"/>
+          </p:cNvPicPr>
+          <p:nvPr/>
+        </p:nvPicPr>
+        <p:blipFill>
+          <a:blip r:embed="rId6">
+            <a:extLst>
+              <a:ext uri="{28A0092B-C50C-407E-A947-70E740481C1C}">
+                <a14:useLocalDpi xmlns:a14="http://schemas.microsoft.com/office/drawing/2010/main" val="0"/>
+              </a:ext>
+              <a:ext uri="{96DAC541-7B7A-43D3-8B79-37D633B846F1}">
+                <asvg:svgBlip xmlns:asvg="http://schemas.microsoft.com/office/drawing/2016/SVG/main" r:embed="rId7"/>
+              </a:ext>
+            </a:extLst>
+          </a:blip>
+          <a:stretch>
+            <a:fillRect/>
+          </a:stretch>
+        </p:blipFill>
+        <p:spPr>
+          <a:xfrm>
+            <a:off x="3757056" y="2522983"/>
+            <a:ext cx="469900" cy="469900"/>
+          </a:xfrm>
+          <a:prstGeom prst="rect">
+            <a:avLst/>
+          </a:prstGeom>
+        </p:spPr>
+      </p:pic>
+      <p:pic>
+        <p:nvPicPr>
+          <p:cNvPr id="6" name="Graphic 5">
+            <a:extLst>
+              <a:ext uri="{FF2B5EF4-FFF2-40B4-BE49-F238E27FC236}">
+                <a16:creationId xmlns:a16="http://schemas.microsoft.com/office/drawing/2014/main" id="{E19E03B1-7D84-144F-A09B-3A64427AD0BD}"/>
+              </a:ext>
+            </a:extLst>
+          </p:cNvPr>
+          <p:cNvPicPr>
+            <a:picLocks noChangeAspect="1"/>
+          </p:cNvPicPr>
+          <p:nvPr/>
+        </p:nvPicPr>
+        <p:blipFill>
+          <a:blip r:embed="rId8">
+            <a:extLst>
+              <a:ext uri="{28A0092B-C50C-407E-A947-70E740481C1C}">
+                <a14:useLocalDpi xmlns:a14="http://schemas.microsoft.com/office/drawing/2010/main" val="0"/>
+              </a:ext>
+              <a:ext uri="{96DAC541-7B7A-43D3-8B79-37D633B846F1}">
+                <asvg:svgBlip xmlns:asvg="http://schemas.microsoft.com/office/drawing/2016/SVG/main" r:embed="rId9"/>
+              </a:ext>
+            </a:extLst>
+          </a:blip>
+          <a:stretch>
+            <a:fillRect/>
+          </a:stretch>
+        </p:blipFill>
+        <p:spPr>
+          <a:xfrm>
+            <a:off x="785945" y="5278705"/>
+            <a:ext cx="527553" cy="527553"/>
+          </a:xfrm>
+          <a:prstGeom prst="rect">
+            <a:avLst/>
+          </a:prstGeom>
+        </p:spPr>
+      </p:pic>
+      <p:pic>
+        <p:nvPicPr>
+          <p:cNvPr id="7" name="Graphic 6">
+            <a:extLst>
+              <a:ext uri="{FF2B5EF4-FFF2-40B4-BE49-F238E27FC236}">
+                <a16:creationId xmlns:a16="http://schemas.microsoft.com/office/drawing/2014/main" id="{83C7415E-4D90-C644-8F8C-E08A77C1CEDE}"/>
+              </a:ext>
+            </a:extLst>
+          </p:cNvPr>
+          <p:cNvPicPr>
+            <a:picLocks noChangeAspect="1"/>
+          </p:cNvPicPr>
+          <p:nvPr/>
+        </p:nvPicPr>
+        <p:blipFill>
+          <a:blip r:embed="rId10">
+            <a:extLst>
+              <a:ext uri="{28A0092B-C50C-407E-A947-70E740481C1C}">
+                <a14:useLocalDpi xmlns:a14="http://schemas.microsoft.com/office/drawing/2010/main" val="0"/>
+              </a:ext>
+              <a:ext uri="{96DAC541-7B7A-43D3-8B79-37D633B846F1}">
+                <asvg:svgBlip xmlns:asvg="http://schemas.microsoft.com/office/drawing/2016/SVG/main" r:embed="rId11"/>
+              </a:ext>
+            </a:extLst>
+          </a:blip>
+          <a:stretch>
+            <a:fillRect/>
+          </a:stretch>
+        </p:blipFill>
+        <p:spPr>
+          <a:xfrm>
+            <a:off x="7155895" y="1075923"/>
+            <a:ext cx="628324" cy="628324"/>
+          </a:xfrm>
+          <a:prstGeom prst="rect">
+            <a:avLst/>
+          </a:prstGeom>
+        </p:spPr>
+      </p:pic>
+      <p:pic>
+        <p:nvPicPr>
+          <p:cNvPr id="8" name="Graphic 7">
+            <a:extLst>
+              <a:ext uri="{FF2B5EF4-FFF2-40B4-BE49-F238E27FC236}">
+                <a16:creationId xmlns:a16="http://schemas.microsoft.com/office/drawing/2014/main" id="{B3498805-24AF-4041-A9BC-3B58359F5836}"/>
+              </a:ext>
+            </a:extLst>
+          </p:cNvPr>
+          <p:cNvPicPr>
+            <a:picLocks noChangeAspect="1"/>
+          </p:cNvPicPr>
+          <p:nvPr/>
+        </p:nvPicPr>
+        <p:blipFill>
+          <a:blip r:embed="rId12">
+            <a:extLst>
+              <a:ext uri="{28A0092B-C50C-407E-A947-70E740481C1C}">
+                <a14:useLocalDpi xmlns:a14="http://schemas.microsoft.com/office/drawing/2010/main" val="0"/>
+              </a:ext>
+              <a:ext uri="{96DAC541-7B7A-43D3-8B79-37D633B846F1}">
+                <asvg:svgBlip xmlns:asvg="http://schemas.microsoft.com/office/drawing/2016/SVG/main" r:embed="rId13"/>
+              </a:ext>
+            </a:extLst>
+          </a:blip>
+          <a:stretch>
+            <a:fillRect/>
+          </a:stretch>
+        </p:blipFill>
+        <p:spPr>
+          <a:xfrm>
+            <a:off x="8699310" y="1763413"/>
+            <a:ext cx="469900" cy="469900"/>
+          </a:xfrm>
+          <a:prstGeom prst="rect">
+            <a:avLst/>
+          </a:prstGeom>
+        </p:spPr>
+      </p:pic>
+      <p:pic>
+        <p:nvPicPr>
+          <p:cNvPr id="9" name="Graphic 8">
+            <a:extLst>
+              <a:ext uri="{FF2B5EF4-FFF2-40B4-BE49-F238E27FC236}">
+                <a16:creationId xmlns:a16="http://schemas.microsoft.com/office/drawing/2014/main" id="{CA1E99D5-6469-6D4A-9A00-DA45A9A6D11C}"/>
+              </a:ext>
+            </a:extLst>
+          </p:cNvPr>
+          <p:cNvPicPr>
+            <a:picLocks noChangeAspect="1"/>
+          </p:cNvPicPr>
+          <p:nvPr/>
+        </p:nvPicPr>
+        <p:blipFill>
+          <a:blip r:embed="rId14">
+            <a:extLst>
+              <a:ext uri="{28A0092B-C50C-407E-A947-70E740481C1C}">
+                <a14:useLocalDpi xmlns:a14="http://schemas.microsoft.com/office/drawing/2010/main" val="0"/>
+              </a:ext>
+              <a:ext uri="{96DAC541-7B7A-43D3-8B79-37D633B846F1}">
+                <asvg:svgBlip xmlns:asvg="http://schemas.microsoft.com/office/drawing/2016/SVG/main" r:embed="rId15"/>
+              </a:ext>
+            </a:extLst>
+          </a:blip>
+          <a:stretch>
+            <a:fillRect/>
+          </a:stretch>
+        </p:blipFill>
+        <p:spPr>
+          <a:xfrm>
+            <a:off x="7235107" y="3248161"/>
+            <a:ext cx="469900" cy="469900"/>
+          </a:xfrm>
+          <a:prstGeom prst="rect">
+            <a:avLst/>
+          </a:prstGeom>
+        </p:spPr>
+      </p:pic>
+      <p:pic>
+        <p:nvPicPr>
+          <p:cNvPr id="11" name="Graphic 10">
+            <a:extLst>
+              <a:ext uri="{FF2B5EF4-FFF2-40B4-BE49-F238E27FC236}">
+                <a16:creationId xmlns:a16="http://schemas.microsoft.com/office/drawing/2014/main" id="{6D684305-0609-134D-A493-3320F5E6EF5F}"/>
+              </a:ext>
+            </a:extLst>
+          </p:cNvPr>
+          <p:cNvPicPr>
+            <a:picLocks noChangeAspect="1"/>
+          </p:cNvPicPr>
+          <p:nvPr/>
+        </p:nvPicPr>
+        <p:blipFill>
+          <a:blip r:embed="rId16">
+            <a:extLst>
+              <a:ext uri="{96DAC541-7B7A-43D3-8B79-37D633B846F1}">
+                <asvg:svgBlip xmlns:asvg="http://schemas.microsoft.com/office/drawing/2016/SVG/main" r:embed="rId17"/>
+              </a:ext>
+            </a:extLst>
+          </a:blip>
+          <a:stretch>
+            <a:fillRect/>
+          </a:stretch>
+        </p:blipFill>
+        <p:spPr>
+          <a:xfrm>
+            <a:off x="10651769" y="3291664"/>
+            <a:ext cx="469900" cy="469900"/>
+          </a:xfrm>
+          <a:prstGeom prst="rect">
+            <a:avLst/>
+          </a:prstGeom>
+        </p:spPr>
+      </p:pic>
+      <p:pic>
+        <p:nvPicPr>
+          <p:cNvPr id="12" name="Graphic 11">
+            <a:extLst>
+              <a:ext uri="{FF2B5EF4-FFF2-40B4-BE49-F238E27FC236}">
+                <a16:creationId xmlns:a16="http://schemas.microsoft.com/office/drawing/2014/main" id="{09A02838-0392-9F4F-973E-74FDA2676839}"/>
+              </a:ext>
+            </a:extLst>
+          </p:cNvPr>
+          <p:cNvPicPr>
+            <a:picLocks noChangeAspect="1"/>
+          </p:cNvPicPr>
+          <p:nvPr/>
+        </p:nvPicPr>
+        <p:blipFill>
+          <a:blip r:embed="rId18">
+            <a:extLst>
+              <a:ext uri="{28A0092B-C50C-407E-A947-70E740481C1C}">
+                <a14:useLocalDpi xmlns:a14="http://schemas.microsoft.com/office/drawing/2010/main" val="0"/>
+              </a:ext>
+              <a:ext uri="{96DAC541-7B7A-43D3-8B79-37D633B846F1}">
+                <asvg:svgBlip xmlns:asvg="http://schemas.microsoft.com/office/drawing/2016/SVG/main" r:embed="rId19"/>
+              </a:ext>
+            </a:extLst>
+          </a:blip>
+          <a:stretch>
+            <a:fillRect/>
+          </a:stretch>
+        </p:blipFill>
+        <p:spPr>
+          <a:xfrm>
+            <a:off x="5386271" y="5472570"/>
+            <a:ext cx="518414" cy="518414"/>
+          </a:xfrm>
+          <a:prstGeom prst="rect">
+            <a:avLst/>
+          </a:prstGeom>
+        </p:spPr>
+      </p:pic>
+      <p:pic>
+        <p:nvPicPr>
+          <p:cNvPr id="13" name="Graphic 12">
+            <a:extLst>
+              <a:ext uri="{FF2B5EF4-FFF2-40B4-BE49-F238E27FC236}">
+                <a16:creationId xmlns:a16="http://schemas.microsoft.com/office/drawing/2014/main" id="{6DF05E1D-F976-EF46-B8A7-5CC1571B487A}"/>
+              </a:ext>
+            </a:extLst>
+          </p:cNvPr>
+          <p:cNvPicPr>
+            <a:picLocks noChangeAspect="1"/>
+          </p:cNvPicPr>
+          <p:nvPr/>
+        </p:nvPicPr>
+        <p:blipFill>
+          <a:blip r:embed="rId20">
+            <a:extLst>
+              <a:ext uri="{28A0092B-C50C-407E-A947-70E740481C1C}">
+                <a14:useLocalDpi xmlns:a14="http://schemas.microsoft.com/office/drawing/2010/main" val="0"/>
+              </a:ext>
+              <a:ext uri="{96DAC541-7B7A-43D3-8B79-37D633B846F1}">
+                <asvg:svgBlip xmlns:asvg="http://schemas.microsoft.com/office/drawing/2016/SVG/main" r:embed="rId21"/>
+              </a:ext>
+            </a:extLst>
+          </a:blip>
+          <a:stretch>
+            <a:fillRect/>
+          </a:stretch>
+        </p:blipFill>
+        <p:spPr>
+          <a:xfrm>
+            <a:off x="3784963" y="4321197"/>
+            <a:ext cx="475829" cy="475829"/>
+          </a:xfrm>
+          <a:prstGeom prst="rect">
+            <a:avLst/>
+          </a:prstGeom>
+        </p:spPr>
+      </p:pic>
+      <p:pic>
+        <p:nvPicPr>
+          <p:cNvPr id="14" name="Graphic 13">
+            <a:extLst>
+              <a:ext uri="{FF2B5EF4-FFF2-40B4-BE49-F238E27FC236}">
+                <a16:creationId xmlns:a16="http://schemas.microsoft.com/office/drawing/2014/main" id="{175DD8A3-EDCE-374F-A6B6-507C4BBFBD8B}"/>
+              </a:ext>
+            </a:extLst>
+          </p:cNvPr>
+          <p:cNvPicPr>
+            <a:picLocks noChangeAspect="1"/>
+          </p:cNvPicPr>
+          <p:nvPr/>
+        </p:nvPicPr>
+        <p:blipFill>
+          <a:blip r:embed="rId22">
+            <a:extLst>
+              <a:ext uri="{28A0092B-C50C-407E-A947-70E740481C1C}">
+                <a14:useLocalDpi xmlns:a14="http://schemas.microsoft.com/office/drawing/2010/main" val="0"/>
+              </a:ext>
+              <a:ext uri="{96DAC541-7B7A-43D3-8B79-37D633B846F1}">
+                <asvg:svgBlip xmlns:asvg="http://schemas.microsoft.com/office/drawing/2016/SVG/main" r:embed="rId23"/>
+              </a:ext>
+            </a:extLst>
+          </a:blip>
+          <a:stretch>
+            <a:fillRect/>
+          </a:stretch>
+        </p:blipFill>
+        <p:spPr>
+          <a:xfrm>
+            <a:off x="7238188" y="4344006"/>
+            <a:ext cx="459508" cy="459508"/>
+          </a:xfrm>
+          <a:prstGeom prst="rect">
+            <a:avLst/>
+          </a:prstGeom>
+        </p:spPr>
+      </p:pic>
+      <p:cxnSp>
+        <p:nvCxnSpPr>
+          <p:cNvPr id="16" name="Straight Connector 15">
+            <a:extLst>
+              <a:ext uri="{FF2B5EF4-FFF2-40B4-BE49-F238E27FC236}">
+                <a16:creationId xmlns:a16="http://schemas.microsoft.com/office/drawing/2014/main" id="{095D6158-B520-F84E-A4C7-C8C14EFCC73A}"/>
+              </a:ext>
+            </a:extLst>
+          </p:cNvPr>
+          <p:cNvCxnSpPr>
+            <a:cxnSpLocks/>
+            <a:stCxn id="4" idx="0"/>
+            <a:endCxn id="2" idx="2"/>
+          </p:cNvCxnSpPr>
+          <p:nvPr/>
+        </p:nvCxnSpPr>
+        <p:spPr>
+          <a:xfrm flipV="1">
+            <a:off x="1075987" y="1579295"/>
+            <a:ext cx="1507804" cy="955602"/>
+          </a:xfrm>
+          <a:prstGeom prst="line">
+            <a:avLst/>
+          </a:prstGeom>
+        </p:spPr>
+        <p:style>
+          <a:lnRef idx="1">
+            <a:schemeClr val="accent1"/>
+          </a:lnRef>
+          <a:fillRef idx="0">
+            <a:schemeClr val="accent1"/>
+          </a:fillRef>
+          <a:effectRef idx="0">
+            <a:schemeClr val="accent1"/>
+          </a:effectRef>
+          <a:fontRef idx="minor">
+            <a:schemeClr val="tx1"/>
+          </a:fontRef>
+        </p:style>
+      </p:cxnSp>
+      <p:cxnSp>
+        <p:nvCxnSpPr>
+          <p:cNvPr id="19" name="Straight Connector 18">
+            <a:extLst>
+              <a:ext uri="{FF2B5EF4-FFF2-40B4-BE49-F238E27FC236}">
+                <a16:creationId xmlns:a16="http://schemas.microsoft.com/office/drawing/2014/main" id="{8BF45E44-87AC-AB49-9886-BBCC22CE64C0}"/>
+              </a:ext>
+            </a:extLst>
+          </p:cNvPr>
+          <p:cNvCxnSpPr>
+            <a:cxnSpLocks/>
+            <a:stCxn id="5" idx="0"/>
+            <a:endCxn id="2" idx="2"/>
+          </p:cNvCxnSpPr>
+          <p:nvPr/>
+        </p:nvCxnSpPr>
+        <p:spPr>
+          <a:xfrm flipH="1" flipV="1">
+            <a:off x="2583791" y="1579295"/>
+            <a:ext cx="1408215" cy="943688"/>
+          </a:xfrm>
+          <a:prstGeom prst="line">
+            <a:avLst/>
+          </a:prstGeom>
+        </p:spPr>
+        <p:style>
+          <a:lnRef idx="1">
+            <a:schemeClr val="accent1"/>
+          </a:lnRef>
+          <a:fillRef idx="0">
+            <a:schemeClr val="accent1"/>
+          </a:fillRef>
+          <a:effectRef idx="0">
+            <a:schemeClr val="accent1"/>
+          </a:effectRef>
+          <a:fontRef idx="minor">
+            <a:schemeClr val="tx1"/>
+          </a:fontRef>
+        </p:style>
+      </p:cxnSp>
+      <p:cxnSp>
+        <p:nvCxnSpPr>
+          <p:cNvPr id="24" name="Straight Connector 23">
+            <a:extLst>
+              <a:ext uri="{FF2B5EF4-FFF2-40B4-BE49-F238E27FC236}">
+                <a16:creationId xmlns:a16="http://schemas.microsoft.com/office/drawing/2014/main" id="{A2A23C27-60BF-B146-89B9-619774A342F4}"/>
+              </a:ext>
+            </a:extLst>
+          </p:cNvPr>
+          <p:cNvCxnSpPr>
+            <a:cxnSpLocks/>
+            <a:stCxn id="13" idx="0"/>
+            <a:endCxn id="5" idx="2"/>
+          </p:cNvCxnSpPr>
+          <p:nvPr/>
+        </p:nvCxnSpPr>
+        <p:spPr>
+          <a:xfrm flipH="1" flipV="1">
+            <a:off x="3992006" y="2992883"/>
+            <a:ext cx="30872" cy="1328314"/>
+          </a:xfrm>
+          <a:prstGeom prst="line">
+            <a:avLst/>
+          </a:prstGeom>
+        </p:spPr>
+        <p:style>
+          <a:lnRef idx="1">
+            <a:schemeClr val="accent1"/>
+          </a:lnRef>
+          <a:fillRef idx="0">
+            <a:schemeClr val="accent1"/>
+          </a:fillRef>
+          <a:effectRef idx="0">
+            <a:schemeClr val="accent1"/>
+          </a:effectRef>
+          <a:fontRef idx="minor">
+            <a:schemeClr val="tx1"/>
+          </a:fontRef>
+        </p:style>
+      </p:cxnSp>
+      <p:cxnSp>
+        <p:nvCxnSpPr>
+          <p:cNvPr id="29" name="Straight Connector 28">
+            <a:extLst>
+              <a:ext uri="{FF2B5EF4-FFF2-40B4-BE49-F238E27FC236}">
+                <a16:creationId xmlns:a16="http://schemas.microsoft.com/office/drawing/2014/main" id="{ABCFD251-0AB1-CC44-A97A-74B51B42AF3D}"/>
+              </a:ext>
+            </a:extLst>
+          </p:cNvPr>
+          <p:cNvCxnSpPr>
+            <a:cxnSpLocks/>
+            <a:stCxn id="12" idx="1"/>
+            <a:endCxn id="13" idx="2"/>
+          </p:cNvCxnSpPr>
+          <p:nvPr/>
+        </p:nvCxnSpPr>
+        <p:spPr>
+          <a:xfrm flipH="1" flipV="1">
+            <a:off x="4022878" y="4797026"/>
+            <a:ext cx="1363393" cy="934751"/>
+          </a:xfrm>
+          <a:prstGeom prst="line">
+            <a:avLst/>
+          </a:prstGeom>
+        </p:spPr>
+        <p:style>
+          <a:lnRef idx="1">
+            <a:schemeClr val="accent1"/>
+          </a:lnRef>
+          <a:fillRef idx="0">
+            <a:schemeClr val="accent1"/>
+          </a:fillRef>
+          <a:effectRef idx="0">
+            <a:schemeClr val="accent1"/>
+          </a:effectRef>
+          <a:fontRef idx="minor">
+            <a:schemeClr val="tx1"/>
+          </a:fontRef>
+        </p:style>
+      </p:cxnSp>
+      <p:cxnSp>
+        <p:nvCxnSpPr>
+          <p:cNvPr id="33" name="Straight Connector 32">
+            <a:extLst>
+              <a:ext uri="{FF2B5EF4-FFF2-40B4-BE49-F238E27FC236}">
+                <a16:creationId xmlns:a16="http://schemas.microsoft.com/office/drawing/2014/main" id="{78CD5C4C-44CC-1E46-8558-191D848A8A37}"/>
+              </a:ext>
+            </a:extLst>
+          </p:cNvPr>
+          <p:cNvCxnSpPr>
+            <a:cxnSpLocks/>
+            <a:stCxn id="4" idx="2"/>
+            <a:endCxn id="3" idx="0"/>
+          </p:cNvCxnSpPr>
+          <p:nvPr/>
+        </p:nvCxnSpPr>
+        <p:spPr>
+          <a:xfrm flipH="1">
+            <a:off x="1067006" y="3004797"/>
+            <a:ext cx="8981" cy="1252527"/>
+          </a:xfrm>
+          <a:prstGeom prst="line">
+            <a:avLst/>
+          </a:prstGeom>
+        </p:spPr>
+        <p:style>
+          <a:lnRef idx="1">
+            <a:schemeClr val="accent1"/>
+          </a:lnRef>
+          <a:fillRef idx="0">
+            <a:schemeClr val="accent1"/>
+          </a:fillRef>
+          <a:effectRef idx="0">
+            <a:schemeClr val="accent1"/>
+          </a:effectRef>
+          <a:fontRef idx="minor">
+            <a:schemeClr val="tx1"/>
+          </a:fontRef>
+        </p:style>
+      </p:cxnSp>
+      <p:cxnSp>
+        <p:nvCxnSpPr>
+          <p:cNvPr id="39" name="Straight Connector 38">
+            <a:extLst>
+              <a:ext uri="{FF2B5EF4-FFF2-40B4-BE49-F238E27FC236}">
+                <a16:creationId xmlns:a16="http://schemas.microsoft.com/office/drawing/2014/main" id="{6E85FF54-4FA5-1F41-8467-2D8BA475FCBC}"/>
+              </a:ext>
+            </a:extLst>
+          </p:cNvPr>
+          <p:cNvCxnSpPr>
+            <a:cxnSpLocks/>
+            <a:stCxn id="6" idx="0"/>
+            <a:endCxn id="3" idx="2"/>
+          </p:cNvCxnSpPr>
+          <p:nvPr/>
+        </p:nvCxnSpPr>
+        <p:spPr>
+          <a:xfrm flipV="1">
+            <a:off x="1049722" y="4727224"/>
+            <a:ext cx="17284" cy="551481"/>
+          </a:xfrm>
+          <a:prstGeom prst="line">
+            <a:avLst/>
+          </a:prstGeom>
+        </p:spPr>
+        <p:style>
+          <a:lnRef idx="1">
+            <a:schemeClr val="accent1"/>
+          </a:lnRef>
+          <a:fillRef idx="0">
+            <a:schemeClr val="accent1"/>
+          </a:fillRef>
+          <a:effectRef idx="0">
+            <a:schemeClr val="accent1"/>
+          </a:effectRef>
+          <a:fontRef idx="minor">
+            <a:schemeClr val="tx1"/>
+          </a:fontRef>
+        </p:style>
+      </p:cxnSp>
+      <p:cxnSp>
+        <p:nvCxnSpPr>
+          <p:cNvPr id="43" name="Straight Connector 42">
+            <a:extLst>
+              <a:ext uri="{FF2B5EF4-FFF2-40B4-BE49-F238E27FC236}">
+                <a16:creationId xmlns:a16="http://schemas.microsoft.com/office/drawing/2014/main" id="{AE8BBFAD-0CE2-C94D-B464-56B9D34BD69D}"/>
+              </a:ext>
+            </a:extLst>
+          </p:cNvPr>
+          <p:cNvCxnSpPr>
+            <a:cxnSpLocks/>
+            <a:stCxn id="12" idx="3"/>
+            <a:endCxn id="14" idx="2"/>
+          </p:cNvCxnSpPr>
+          <p:nvPr/>
+        </p:nvCxnSpPr>
+        <p:spPr>
+          <a:xfrm flipV="1">
+            <a:off x="5904685" y="4803514"/>
+            <a:ext cx="1563257" cy="928263"/>
+          </a:xfrm>
+          <a:prstGeom prst="line">
+            <a:avLst/>
+          </a:prstGeom>
+        </p:spPr>
+        <p:style>
+          <a:lnRef idx="1">
+            <a:schemeClr val="accent1"/>
+          </a:lnRef>
+          <a:fillRef idx="0">
+            <a:schemeClr val="accent1"/>
+          </a:fillRef>
+          <a:effectRef idx="0">
+            <a:schemeClr val="accent1"/>
+          </a:effectRef>
+          <a:fontRef idx="minor">
+            <a:schemeClr val="tx1"/>
+          </a:fontRef>
+        </p:style>
+      </p:cxnSp>
+      <p:cxnSp>
+        <p:nvCxnSpPr>
+          <p:cNvPr id="47" name="Straight Connector 46">
+            <a:extLst>
+              <a:ext uri="{FF2B5EF4-FFF2-40B4-BE49-F238E27FC236}">
+                <a16:creationId xmlns:a16="http://schemas.microsoft.com/office/drawing/2014/main" id="{A6FF3BAB-F9DC-684C-A9D6-0166F3A68CA1}"/>
+              </a:ext>
+            </a:extLst>
+          </p:cNvPr>
+          <p:cNvCxnSpPr>
+            <a:cxnSpLocks/>
+            <a:stCxn id="7" idx="3"/>
+            <a:endCxn id="8" idx="1"/>
+          </p:cNvCxnSpPr>
+          <p:nvPr/>
+        </p:nvCxnSpPr>
+        <p:spPr>
+          <a:xfrm>
+            <a:off x="7784219" y="1390085"/>
+            <a:ext cx="915091" cy="608278"/>
+          </a:xfrm>
+          <a:prstGeom prst="line">
+            <a:avLst/>
+          </a:prstGeom>
+        </p:spPr>
+        <p:style>
+          <a:lnRef idx="1">
+            <a:schemeClr val="accent1"/>
+          </a:lnRef>
+          <a:fillRef idx="0">
+            <a:schemeClr val="accent1"/>
+          </a:fillRef>
+          <a:effectRef idx="0">
+            <a:schemeClr val="accent1"/>
+          </a:effectRef>
+          <a:fontRef idx="minor">
+            <a:schemeClr val="tx1"/>
+          </a:fontRef>
+        </p:style>
+      </p:cxnSp>
+      <p:cxnSp>
+        <p:nvCxnSpPr>
+          <p:cNvPr id="51" name="Straight Connector 50">
+            <a:extLst>
+              <a:ext uri="{FF2B5EF4-FFF2-40B4-BE49-F238E27FC236}">
+                <a16:creationId xmlns:a16="http://schemas.microsoft.com/office/drawing/2014/main" id="{313B9E81-6F88-5340-8128-672416FDE01F}"/>
+              </a:ext>
+            </a:extLst>
+          </p:cNvPr>
+          <p:cNvCxnSpPr>
+            <a:cxnSpLocks/>
+            <a:stCxn id="9" idx="0"/>
+            <a:endCxn id="7" idx="2"/>
+          </p:cNvCxnSpPr>
+          <p:nvPr/>
+        </p:nvCxnSpPr>
+        <p:spPr>
+          <a:xfrm flipV="1">
+            <a:off x="7470057" y="1704247"/>
+            <a:ext cx="0" cy="1543914"/>
+          </a:xfrm>
+          <a:prstGeom prst="line">
+            <a:avLst/>
+          </a:prstGeom>
+        </p:spPr>
+        <p:style>
+          <a:lnRef idx="1">
+            <a:schemeClr val="accent1"/>
+          </a:lnRef>
+          <a:fillRef idx="0">
+            <a:schemeClr val="accent1"/>
+          </a:fillRef>
+          <a:effectRef idx="0">
+            <a:schemeClr val="accent1"/>
+          </a:effectRef>
+          <a:fontRef idx="minor">
+            <a:schemeClr val="tx1"/>
+          </a:fontRef>
+        </p:style>
+      </p:cxnSp>
+      <p:cxnSp>
+        <p:nvCxnSpPr>
+          <p:cNvPr id="55" name="Straight Connector 54">
+            <a:extLst>
+              <a:ext uri="{FF2B5EF4-FFF2-40B4-BE49-F238E27FC236}">
+                <a16:creationId xmlns:a16="http://schemas.microsoft.com/office/drawing/2014/main" id="{B7FA2489-48F6-3D4E-AA3D-A1F09D831B7E}"/>
+              </a:ext>
+            </a:extLst>
+          </p:cNvPr>
+          <p:cNvCxnSpPr>
+            <a:cxnSpLocks/>
+            <a:stCxn id="9" idx="3"/>
+            <a:endCxn id="11" idx="1"/>
+          </p:cNvCxnSpPr>
+          <p:nvPr/>
+        </p:nvCxnSpPr>
+        <p:spPr>
+          <a:xfrm>
+            <a:off x="7705007" y="3483111"/>
+            <a:ext cx="2946762" cy="43503"/>
+          </a:xfrm>
+          <a:prstGeom prst="line">
+            <a:avLst/>
+          </a:prstGeom>
+        </p:spPr>
+        <p:style>
+          <a:lnRef idx="1">
+            <a:schemeClr val="accent1"/>
+          </a:lnRef>
+          <a:fillRef idx="0">
+            <a:schemeClr val="accent1"/>
+          </a:fillRef>
+          <a:effectRef idx="0">
+            <a:schemeClr val="accent1"/>
+          </a:effectRef>
+          <a:fontRef idx="minor">
+            <a:schemeClr val="tx1"/>
+          </a:fontRef>
+        </p:style>
+      </p:cxnSp>
+      <p:cxnSp>
+        <p:nvCxnSpPr>
+          <p:cNvPr id="58" name="Straight Connector 57">
+            <a:extLst>
+              <a:ext uri="{FF2B5EF4-FFF2-40B4-BE49-F238E27FC236}">
+                <a16:creationId xmlns:a16="http://schemas.microsoft.com/office/drawing/2014/main" id="{43A1D655-F023-A24A-972E-C591B7163A5A}"/>
+              </a:ext>
+            </a:extLst>
+          </p:cNvPr>
+          <p:cNvCxnSpPr>
+            <a:cxnSpLocks/>
+            <a:stCxn id="14" idx="0"/>
+            <a:endCxn id="9" idx="2"/>
+          </p:cNvCxnSpPr>
+          <p:nvPr/>
+        </p:nvCxnSpPr>
+        <p:spPr>
+          <a:xfrm flipV="1">
+            <a:off x="7467942" y="3718061"/>
+            <a:ext cx="2115" cy="625945"/>
+          </a:xfrm>
+          <a:prstGeom prst="line">
+            <a:avLst/>
+          </a:prstGeom>
+          <a:ln/>
+        </p:spPr>
+        <p:style>
+          <a:lnRef idx="1">
+            <a:schemeClr val="dk1"/>
+          </a:lnRef>
+          <a:fillRef idx="0">
+            <a:schemeClr val="dk1"/>
+          </a:fillRef>
+          <a:effectRef idx="0">
+            <a:schemeClr val="dk1"/>
+          </a:effectRef>
+          <a:fontRef idx="minor">
+            <a:schemeClr val="tx1"/>
+          </a:fontRef>
+        </p:style>
+      </p:cxnSp>
+      <p:sp>
+        <p:nvSpPr>
+          <p:cNvPr id="10" name="TextBox 9">
+            <a:extLst>
+              <a:ext uri="{FF2B5EF4-FFF2-40B4-BE49-F238E27FC236}">
+                <a16:creationId xmlns:a16="http://schemas.microsoft.com/office/drawing/2014/main" id="{6550D5C3-FD6C-4970-9B51-E37B6C583FC7}"/>
+              </a:ext>
+            </a:extLst>
+          </p:cNvPr>
+          <p:cNvSpPr txBox="1"/>
+          <p:nvPr/>
+        </p:nvSpPr>
+        <p:spPr>
+          <a:xfrm>
+            <a:off x="207840" y="299297"/>
+            <a:ext cx="2597449" cy="400110"/>
+          </a:xfrm>
+          <a:prstGeom prst="rect">
+            <a:avLst/>
+          </a:prstGeom>
+          <a:noFill/>
+        </p:spPr>
+        <p:txBody>
+          <a:bodyPr wrap="square" rtlCol="0">
+            <a:spAutoFit/>
+          </a:bodyPr>
+          <a:lstStyle/>
+          <a:p>
+            <a:r>
+              <a:rPr lang="de-DE" sz="2000" b="0" dirty="0" err="1">
+                <a:solidFill>
+                  <a:srgbClr val="00B050"/>
+                </a:solidFill>
+                <a:effectLst/>
+                <a:latin typeface="Consolas" panose="020B0609020204030204" pitchFamily="49" charset="0"/>
+              </a:rPr>
+              <a:t>Microsoft.Network</a:t>
+            </a:r>
+            <a:endParaRPr lang="de-DE" sz="1600" b="0" dirty="0">
+              <a:solidFill>
+                <a:srgbClr val="00B050"/>
+              </a:solidFill>
+              <a:effectLst/>
+              <a:latin typeface="Consolas" panose="020B0609020204030204" pitchFamily="49" charset="0"/>
+            </a:endParaRPr>
+          </a:p>
+        </p:txBody>
+      </p:sp>
+      <p:sp>
+        <p:nvSpPr>
+          <p:cNvPr id="17" name="TextBox 16">
+            <a:extLst>
+              <a:ext uri="{FF2B5EF4-FFF2-40B4-BE49-F238E27FC236}">
+                <a16:creationId xmlns:a16="http://schemas.microsoft.com/office/drawing/2014/main" id="{1E4F1C45-83BD-4DB9-ACCE-B2F109624389}"/>
+              </a:ext>
+            </a:extLst>
+          </p:cNvPr>
+          <p:cNvSpPr txBox="1"/>
+          <p:nvPr/>
+        </p:nvSpPr>
+        <p:spPr>
+          <a:xfrm>
+            <a:off x="311772" y="5835671"/>
+            <a:ext cx="2698214" cy="338554"/>
+          </a:xfrm>
+          <a:prstGeom prst="rect">
+            <a:avLst/>
+          </a:prstGeom>
+          <a:noFill/>
+        </p:spPr>
+        <p:txBody>
+          <a:bodyPr wrap="square" rtlCol="0">
+            <a:spAutoFit/>
+          </a:bodyPr>
+          <a:lstStyle/>
+          <a:p>
+            <a:r>
+              <a:rPr lang="de-DE" sz="1600" dirty="0">
+                <a:solidFill>
+                  <a:srgbClr val="00B050"/>
+                </a:solidFill>
+                <a:latin typeface="Consolas" panose="020B0609020204030204" pitchFamily="49" charset="0"/>
+              </a:rPr>
+              <a:t>...</a:t>
+            </a:r>
+            <a:r>
+              <a:rPr lang="de-DE" sz="1600" b="0" dirty="0">
+                <a:solidFill>
+                  <a:srgbClr val="00B050"/>
+                </a:solidFill>
+                <a:effectLst/>
+                <a:latin typeface="Consolas" panose="020B0609020204030204" pitchFamily="49" charset="0"/>
+              </a:rPr>
+              <a:t>/</a:t>
+            </a:r>
+            <a:r>
+              <a:rPr lang="de-DE" sz="1600" b="0" dirty="0" err="1">
+                <a:solidFill>
+                  <a:srgbClr val="00B050"/>
+                </a:solidFill>
+                <a:effectLst/>
+                <a:latin typeface="Consolas" panose="020B0609020204030204" pitchFamily="49" charset="0"/>
+              </a:rPr>
+              <a:t>publicIPAddresses</a:t>
+            </a:r>
+            <a:endParaRPr lang="de-DE" sz="1600" b="0" dirty="0">
+              <a:solidFill>
+                <a:srgbClr val="00B050"/>
+              </a:solidFill>
+              <a:effectLst/>
+              <a:latin typeface="Consolas" panose="020B0609020204030204" pitchFamily="49" charset="0"/>
+            </a:endParaRPr>
+          </a:p>
+        </p:txBody>
+      </p:sp>
+      <p:sp>
+        <p:nvSpPr>
+          <p:cNvPr id="18" name="TextBox 17">
+            <a:extLst>
+              <a:ext uri="{FF2B5EF4-FFF2-40B4-BE49-F238E27FC236}">
+                <a16:creationId xmlns:a16="http://schemas.microsoft.com/office/drawing/2014/main" id="{C7750839-7E4B-4CE7-B7B6-E5DF7FF0687C}"/>
+              </a:ext>
+            </a:extLst>
+          </p:cNvPr>
+          <p:cNvSpPr txBox="1"/>
+          <p:nvPr/>
+        </p:nvSpPr>
+        <p:spPr>
+          <a:xfrm>
+            <a:off x="288683" y="3749493"/>
+            <a:ext cx="2125051" cy="338554"/>
+          </a:xfrm>
+          <a:prstGeom prst="rect">
+            <a:avLst/>
+          </a:prstGeom>
+          <a:solidFill>
+            <a:schemeClr val="bg1"/>
+          </a:solidFill>
+        </p:spPr>
+        <p:txBody>
+          <a:bodyPr wrap="square" rtlCol="0">
+            <a:spAutoFit/>
+          </a:bodyPr>
+          <a:lstStyle/>
+          <a:p>
+            <a:r>
+              <a:rPr lang="de-DE" sz="1600" dirty="0">
+                <a:solidFill>
+                  <a:srgbClr val="00B050"/>
+                </a:solidFill>
+                <a:latin typeface="Consolas" panose="020B0609020204030204" pitchFamily="49" charset="0"/>
+              </a:rPr>
+              <a:t>...</a:t>
+            </a:r>
+            <a:r>
+              <a:rPr lang="de-DE" sz="1600" b="0" dirty="0">
+                <a:solidFill>
+                  <a:srgbClr val="00B050"/>
+                </a:solidFill>
+                <a:effectLst/>
+                <a:latin typeface="Consolas" panose="020B0609020204030204" pitchFamily="49" charset="0"/>
+              </a:rPr>
+              <a:t>/</a:t>
+            </a:r>
+            <a:r>
+              <a:rPr lang="de-DE" sz="1600" b="0" dirty="0" err="1">
+                <a:solidFill>
+                  <a:srgbClr val="00B050"/>
+                </a:solidFill>
+                <a:effectLst/>
+                <a:latin typeface="Consolas" panose="020B0609020204030204" pitchFamily="49" charset="0"/>
+              </a:rPr>
+              <a:t>bastionHosts</a:t>
+            </a:r>
+            <a:endParaRPr lang="de-DE" sz="1600" b="0" dirty="0">
+              <a:solidFill>
+                <a:srgbClr val="00B050"/>
+              </a:solidFill>
+              <a:effectLst/>
+              <a:latin typeface="Consolas" panose="020B0609020204030204" pitchFamily="49" charset="0"/>
+            </a:endParaRPr>
+          </a:p>
+        </p:txBody>
+      </p:sp>
+      <p:sp>
+        <p:nvSpPr>
+          <p:cNvPr id="20" name="TextBox 19">
+            <a:extLst>
+              <a:ext uri="{FF2B5EF4-FFF2-40B4-BE49-F238E27FC236}">
+                <a16:creationId xmlns:a16="http://schemas.microsoft.com/office/drawing/2014/main" id="{40577469-0FE4-4871-A24E-FB295FF3AAAF}"/>
+              </a:ext>
+            </a:extLst>
+          </p:cNvPr>
+          <p:cNvSpPr txBox="1"/>
+          <p:nvPr/>
+        </p:nvSpPr>
+        <p:spPr>
+          <a:xfrm>
+            <a:off x="2683411" y="3744729"/>
+            <a:ext cx="2747241" cy="338554"/>
+          </a:xfrm>
+          <a:prstGeom prst="rect">
+            <a:avLst/>
+          </a:prstGeom>
+          <a:solidFill>
+            <a:schemeClr val="bg1"/>
+          </a:solidFill>
+        </p:spPr>
+        <p:txBody>
+          <a:bodyPr wrap="square" rtlCol="0">
+            <a:spAutoFit/>
+          </a:bodyPr>
+          <a:lstStyle/>
+          <a:p>
+            <a:r>
+              <a:rPr lang="de-DE" sz="1600" dirty="0">
+                <a:solidFill>
+                  <a:srgbClr val="00B050"/>
+                </a:solidFill>
+                <a:latin typeface="Consolas" panose="020B0609020204030204" pitchFamily="49" charset="0"/>
+              </a:rPr>
+              <a:t>...</a:t>
+            </a:r>
+            <a:r>
+              <a:rPr lang="de-DE" sz="1600" b="0" dirty="0">
+                <a:solidFill>
+                  <a:srgbClr val="00B050"/>
+                </a:solidFill>
+                <a:effectLst/>
+                <a:latin typeface="Consolas" panose="020B0609020204030204" pitchFamily="49" charset="0"/>
+              </a:rPr>
+              <a:t>/</a:t>
+            </a:r>
+            <a:r>
+              <a:rPr lang="de-DE" sz="1600" b="0" dirty="0" err="1">
+                <a:solidFill>
+                  <a:srgbClr val="00B050"/>
+                </a:solidFill>
+                <a:effectLst/>
+                <a:latin typeface="Consolas" panose="020B0609020204030204" pitchFamily="49" charset="0"/>
+              </a:rPr>
+              <a:t>networkInterfaces</a:t>
+            </a:r>
+            <a:endParaRPr lang="de-DE" sz="1600" b="0" dirty="0">
+              <a:solidFill>
+                <a:srgbClr val="00B050"/>
+              </a:solidFill>
+              <a:effectLst/>
+              <a:latin typeface="Consolas" panose="020B0609020204030204" pitchFamily="49" charset="0"/>
+            </a:endParaRPr>
+          </a:p>
+        </p:txBody>
+      </p:sp>
+      <p:sp>
+        <p:nvSpPr>
+          <p:cNvPr id="22" name="TextBox 21">
+            <a:extLst>
+              <a:ext uri="{FF2B5EF4-FFF2-40B4-BE49-F238E27FC236}">
+                <a16:creationId xmlns:a16="http://schemas.microsoft.com/office/drawing/2014/main" id="{A7B0AA72-9FDF-401B-A3D9-78DAE900E874}"/>
+              </a:ext>
+            </a:extLst>
+          </p:cNvPr>
+          <p:cNvSpPr txBox="1"/>
+          <p:nvPr/>
+        </p:nvSpPr>
+        <p:spPr>
+          <a:xfrm>
+            <a:off x="7328307" y="4889694"/>
+            <a:ext cx="1823409" cy="338554"/>
+          </a:xfrm>
+          <a:prstGeom prst="rect">
+            <a:avLst/>
+          </a:prstGeom>
+          <a:noFill/>
+        </p:spPr>
+        <p:txBody>
+          <a:bodyPr wrap="square" rtlCol="0">
+            <a:spAutoFit/>
+          </a:bodyPr>
+          <a:lstStyle/>
+          <a:p>
+            <a:r>
+              <a:rPr lang="de-DE" sz="1600" b="0" dirty="0">
+                <a:solidFill>
+                  <a:srgbClr val="0070C0"/>
+                </a:solidFill>
+                <a:effectLst/>
+                <a:latin typeface="Consolas" panose="020B0609020204030204" pitchFamily="49" charset="0"/>
+              </a:rPr>
+              <a:t>.../</a:t>
+            </a:r>
+            <a:r>
+              <a:rPr lang="de-DE" sz="1600" b="0" dirty="0" err="1">
+                <a:solidFill>
+                  <a:srgbClr val="0070C0"/>
+                </a:solidFill>
+                <a:effectLst/>
+                <a:latin typeface="Consolas" panose="020B0609020204030204" pitchFamily="49" charset="0"/>
+              </a:rPr>
+              <a:t>extensions</a:t>
+            </a:r>
+            <a:endParaRPr lang="de-DE" sz="1600" b="0" dirty="0">
+              <a:solidFill>
+                <a:srgbClr val="0070C0"/>
+              </a:solidFill>
+              <a:effectLst/>
+              <a:latin typeface="Consolas" panose="020B0609020204030204" pitchFamily="49" charset="0"/>
+            </a:endParaRPr>
+          </a:p>
+        </p:txBody>
+      </p:sp>
+      <p:sp>
+        <p:nvSpPr>
+          <p:cNvPr id="23" name="TextBox 22">
+            <a:extLst>
+              <a:ext uri="{FF2B5EF4-FFF2-40B4-BE49-F238E27FC236}">
+                <a16:creationId xmlns:a16="http://schemas.microsoft.com/office/drawing/2014/main" id="{7104ECFB-0FD9-40B1-8913-F0BF63DED483}"/>
+              </a:ext>
+            </a:extLst>
+          </p:cNvPr>
+          <p:cNvSpPr txBox="1"/>
+          <p:nvPr/>
+        </p:nvSpPr>
+        <p:spPr>
+          <a:xfrm>
+            <a:off x="5865529" y="569633"/>
+            <a:ext cx="3159201" cy="400110"/>
+          </a:xfrm>
+          <a:prstGeom prst="rect">
+            <a:avLst/>
+          </a:prstGeom>
+          <a:noFill/>
+        </p:spPr>
+        <p:txBody>
+          <a:bodyPr wrap="square" rtlCol="0">
+            <a:spAutoFit/>
+          </a:bodyPr>
+          <a:lstStyle/>
+          <a:p>
+            <a:r>
+              <a:rPr lang="de-DE" sz="2000" b="0" dirty="0" err="1">
+                <a:solidFill>
+                  <a:srgbClr val="7030A0"/>
+                </a:solidFill>
+                <a:effectLst/>
+                <a:latin typeface="Consolas" panose="020B0609020204030204" pitchFamily="49" charset="0"/>
+              </a:rPr>
+              <a:t>Microsoft.Automation</a:t>
+            </a:r>
+            <a:endParaRPr lang="de-DE" sz="1600" b="0" dirty="0">
+              <a:solidFill>
+                <a:srgbClr val="7030A0"/>
+              </a:solidFill>
+              <a:effectLst/>
+              <a:latin typeface="Consolas" panose="020B0609020204030204" pitchFamily="49" charset="0"/>
+            </a:endParaRPr>
+          </a:p>
+        </p:txBody>
+      </p:sp>
+      <p:sp>
+        <p:nvSpPr>
+          <p:cNvPr id="35" name="TextBox 34">
+            <a:extLst>
+              <a:ext uri="{FF2B5EF4-FFF2-40B4-BE49-F238E27FC236}">
+                <a16:creationId xmlns:a16="http://schemas.microsoft.com/office/drawing/2014/main" id="{D738CF72-991F-4804-84C9-2BEFB3240A2F}"/>
+              </a:ext>
+            </a:extLst>
+          </p:cNvPr>
+          <p:cNvSpPr txBox="1"/>
+          <p:nvPr/>
+        </p:nvSpPr>
+        <p:spPr>
+          <a:xfrm>
+            <a:off x="8581846" y="1391762"/>
+            <a:ext cx="1715094" cy="338554"/>
+          </a:xfrm>
+          <a:prstGeom prst="rect">
+            <a:avLst/>
+          </a:prstGeom>
+          <a:noFill/>
+        </p:spPr>
+        <p:txBody>
+          <a:bodyPr wrap="square">
+            <a:spAutoFit/>
+          </a:bodyPr>
+          <a:lstStyle/>
+          <a:p>
+            <a:r>
+              <a:rPr lang="de-DE" sz="1600" dirty="0">
+                <a:solidFill>
+                  <a:srgbClr val="7030A0"/>
+                </a:solidFill>
+                <a:latin typeface="Consolas" panose="020B0609020204030204" pitchFamily="49" charset="0"/>
+              </a:rPr>
+              <a:t>...</a:t>
+            </a:r>
+            <a:r>
+              <a:rPr lang="de-DE" sz="1600" b="0" dirty="0">
+                <a:solidFill>
+                  <a:srgbClr val="7030A0"/>
+                </a:solidFill>
+                <a:effectLst/>
+                <a:latin typeface="Consolas" panose="020B0609020204030204" pitchFamily="49" charset="0"/>
+              </a:rPr>
+              <a:t>/</a:t>
+            </a:r>
+            <a:r>
+              <a:rPr lang="de-DE" sz="1600" b="0" dirty="0" err="1">
+                <a:solidFill>
+                  <a:srgbClr val="7030A0"/>
+                </a:solidFill>
+                <a:effectLst/>
+                <a:latin typeface="Consolas" panose="020B0609020204030204" pitchFamily="49" charset="0"/>
+              </a:rPr>
+              <a:t>modules</a:t>
+            </a:r>
+            <a:endParaRPr lang="de-DE" sz="1600" b="0" dirty="0">
+              <a:solidFill>
+                <a:srgbClr val="7030A0"/>
+              </a:solidFill>
+              <a:effectLst/>
+              <a:latin typeface="Consolas" panose="020B0609020204030204" pitchFamily="49" charset="0"/>
+            </a:endParaRPr>
+          </a:p>
+        </p:txBody>
+      </p:sp>
+      <p:sp>
+        <p:nvSpPr>
+          <p:cNvPr id="38" name="TextBox 37">
+            <a:extLst>
+              <a:ext uri="{FF2B5EF4-FFF2-40B4-BE49-F238E27FC236}">
+                <a16:creationId xmlns:a16="http://schemas.microsoft.com/office/drawing/2014/main" id="{76BB3CF7-C380-43E3-AD7A-BDCEDEA75983}"/>
+              </a:ext>
+            </a:extLst>
+          </p:cNvPr>
+          <p:cNvSpPr txBox="1"/>
+          <p:nvPr/>
+        </p:nvSpPr>
+        <p:spPr>
+          <a:xfrm>
+            <a:off x="7521366" y="2780080"/>
+            <a:ext cx="2511274" cy="338554"/>
+          </a:xfrm>
+          <a:prstGeom prst="rect">
+            <a:avLst/>
+          </a:prstGeom>
+          <a:noFill/>
+        </p:spPr>
+        <p:txBody>
+          <a:bodyPr wrap="square">
+            <a:spAutoFit/>
+          </a:bodyPr>
+          <a:lstStyle/>
+          <a:p>
+            <a:r>
+              <a:rPr lang="de-DE" sz="1600" dirty="0">
+                <a:solidFill>
+                  <a:srgbClr val="7030A0"/>
+                </a:solidFill>
+                <a:latin typeface="Consolas" panose="020B0609020204030204" pitchFamily="49" charset="0"/>
+              </a:rPr>
+              <a:t>.../</a:t>
+            </a:r>
+            <a:r>
+              <a:rPr lang="de-DE" sz="1600" b="0" dirty="0" err="1">
+                <a:solidFill>
+                  <a:srgbClr val="7030A0"/>
+                </a:solidFill>
+                <a:effectLst/>
+                <a:latin typeface="Consolas" panose="020B0609020204030204" pitchFamily="49" charset="0"/>
+              </a:rPr>
+              <a:t>configurations</a:t>
+            </a:r>
+            <a:endParaRPr lang="de-DE" sz="1600" b="0" dirty="0">
+              <a:solidFill>
+                <a:srgbClr val="7030A0"/>
+              </a:solidFill>
+              <a:effectLst/>
+              <a:latin typeface="Consolas" panose="020B0609020204030204" pitchFamily="49" charset="0"/>
+            </a:endParaRPr>
+          </a:p>
+        </p:txBody>
+      </p:sp>
+      <p:sp>
+        <p:nvSpPr>
+          <p:cNvPr id="40" name="TextBox 39">
+            <a:extLst>
+              <a:ext uri="{FF2B5EF4-FFF2-40B4-BE49-F238E27FC236}">
+                <a16:creationId xmlns:a16="http://schemas.microsoft.com/office/drawing/2014/main" id="{909051F1-6321-491F-9638-4F85C9530E82}"/>
+              </a:ext>
+            </a:extLst>
+          </p:cNvPr>
+          <p:cNvSpPr txBox="1"/>
+          <p:nvPr/>
+        </p:nvSpPr>
+        <p:spPr>
+          <a:xfrm>
+            <a:off x="9416020" y="3822185"/>
+            <a:ext cx="2528698" cy="338554"/>
+          </a:xfrm>
+          <a:prstGeom prst="rect">
+            <a:avLst/>
+          </a:prstGeom>
+          <a:noFill/>
+        </p:spPr>
+        <p:txBody>
+          <a:bodyPr wrap="square">
+            <a:spAutoFit/>
+          </a:bodyPr>
+          <a:lstStyle/>
+          <a:p>
+            <a:r>
+              <a:rPr lang="de-DE" sz="1600" dirty="0">
+                <a:solidFill>
+                  <a:srgbClr val="7030A0"/>
+                </a:solidFill>
+                <a:latin typeface="Consolas" panose="020B0609020204030204" pitchFamily="49" charset="0"/>
+              </a:rPr>
+              <a:t>...</a:t>
+            </a:r>
+            <a:r>
+              <a:rPr lang="de-DE" sz="1600" b="0" dirty="0">
+                <a:solidFill>
+                  <a:srgbClr val="7030A0"/>
+                </a:solidFill>
+                <a:effectLst/>
+                <a:latin typeface="Consolas" panose="020B0609020204030204" pitchFamily="49" charset="0"/>
+              </a:rPr>
+              <a:t>/</a:t>
+            </a:r>
+            <a:r>
+              <a:rPr lang="de-DE" sz="1600" b="0" dirty="0" err="1">
+                <a:solidFill>
+                  <a:srgbClr val="7030A0"/>
+                </a:solidFill>
+                <a:effectLst/>
+                <a:latin typeface="Consolas" panose="020B0609020204030204" pitchFamily="49" charset="0"/>
+              </a:rPr>
+              <a:t>compilationjobs</a:t>
+            </a:r>
+            <a:endParaRPr lang="de-DE" sz="1600" b="0" dirty="0">
+              <a:solidFill>
+                <a:srgbClr val="7030A0"/>
+              </a:solidFill>
+              <a:effectLst/>
+              <a:latin typeface="Consolas" panose="020B0609020204030204" pitchFamily="49" charset="0"/>
+            </a:endParaRPr>
+          </a:p>
+        </p:txBody>
+      </p:sp>
+      <p:sp>
+        <p:nvSpPr>
+          <p:cNvPr id="44" name="TextBox 43">
+            <a:extLst>
+              <a:ext uri="{FF2B5EF4-FFF2-40B4-BE49-F238E27FC236}">
+                <a16:creationId xmlns:a16="http://schemas.microsoft.com/office/drawing/2014/main" id="{1A192757-F919-4FEA-859D-AB86194A5E3F}"/>
+              </a:ext>
+            </a:extLst>
+          </p:cNvPr>
+          <p:cNvSpPr txBox="1"/>
+          <p:nvPr/>
+        </p:nvSpPr>
+        <p:spPr>
+          <a:xfrm>
+            <a:off x="1301956" y="713256"/>
+            <a:ext cx="2687194" cy="400110"/>
+          </a:xfrm>
+          <a:prstGeom prst="rect">
+            <a:avLst/>
+          </a:prstGeom>
+          <a:noFill/>
+        </p:spPr>
+        <p:txBody>
+          <a:bodyPr wrap="square" rtlCol="0">
+            <a:spAutoFit/>
+          </a:bodyPr>
+          <a:lstStyle/>
+          <a:p>
+            <a:r>
+              <a:rPr lang="de-DE" sz="2000" dirty="0">
+                <a:solidFill>
+                  <a:srgbClr val="00B050"/>
+                </a:solidFill>
+                <a:latin typeface="Consolas" panose="020B0609020204030204" pitchFamily="49" charset="0"/>
+              </a:rPr>
+              <a:t>...</a:t>
+            </a:r>
+            <a:r>
+              <a:rPr lang="de-DE" sz="1600" b="0" dirty="0">
+                <a:solidFill>
+                  <a:srgbClr val="00B050"/>
+                </a:solidFill>
+                <a:effectLst/>
+                <a:latin typeface="Consolas" panose="020B0609020204030204" pitchFamily="49" charset="0"/>
+              </a:rPr>
+              <a:t>/</a:t>
+            </a:r>
+            <a:r>
+              <a:rPr lang="de-DE" sz="1600" b="0" dirty="0" err="1">
+                <a:solidFill>
+                  <a:srgbClr val="00B050"/>
+                </a:solidFill>
+                <a:effectLst/>
+                <a:latin typeface="Consolas" panose="020B0609020204030204" pitchFamily="49" charset="0"/>
+              </a:rPr>
+              <a:t>virtualNetworks</a:t>
+            </a:r>
+            <a:endParaRPr lang="de-DE" sz="1600" b="0" dirty="0">
+              <a:solidFill>
+                <a:srgbClr val="00B050"/>
+              </a:solidFill>
+              <a:effectLst/>
+              <a:latin typeface="Consolas" panose="020B0609020204030204" pitchFamily="49" charset="0"/>
+            </a:endParaRPr>
+          </a:p>
+        </p:txBody>
+      </p:sp>
+      <p:sp>
+        <p:nvSpPr>
+          <p:cNvPr id="45" name="TextBox 44">
+            <a:extLst>
+              <a:ext uri="{FF2B5EF4-FFF2-40B4-BE49-F238E27FC236}">
+                <a16:creationId xmlns:a16="http://schemas.microsoft.com/office/drawing/2014/main" id="{A9727682-A24D-4F38-ACB4-A1EB3F168AD2}"/>
+              </a:ext>
+            </a:extLst>
+          </p:cNvPr>
+          <p:cNvSpPr txBox="1"/>
+          <p:nvPr/>
+        </p:nvSpPr>
+        <p:spPr>
+          <a:xfrm>
+            <a:off x="5386270" y="6113873"/>
+            <a:ext cx="2788665" cy="400110"/>
+          </a:xfrm>
+          <a:prstGeom prst="rect">
+            <a:avLst/>
+          </a:prstGeom>
+          <a:noFill/>
+        </p:spPr>
+        <p:txBody>
+          <a:bodyPr wrap="square" rtlCol="0">
+            <a:spAutoFit/>
+          </a:bodyPr>
+          <a:lstStyle/>
+          <a:p>
+            <a:r>
+              <a:rPr lang="de-DE" sz="2000" b="0" dirty="0" err="1">
+                <a:solidFill>
+                  <a:srgbClr val="0070C0"/>
+                </a:solidFill>
+                <a:effectLst/>
+                <a:latin typeface="Consolas" panose="020B0609020204030204" pitchFamily="49" charset="0"/>
+              </a:rPr>
+              <a:t>Microsoft.Compute</a:t>
+            </a:r>
+            <a:endParaRPr lang="de-DE" sz="1600" b="0" dirty="0">
+              <a:solidFill>
+                <a:srgbClr val="0070C0"/>
+              </a:solidFill>
+              <a:effectLst/>
+              <a:latin typeface="Consolas" panose="020B0609020204030204" pitchFamily="49" charset="0"/>
+            </a:endParaRPr>
+          </a:p>
+        </p:txBody>
+      </p:sp>
+      <p:sp>
+        <p:nvSpPr>
+          <p:cNvPr id="46" name="TextBox 45">
+            <a:extLst>
+              <a:ext uri="{FF2B5EF4-FFF2-40B4-BE49-F238E27FC236}">
+                <a16:creationId xmlns:a16="http://schemas.microsoft.com/office/drawing/2014/main" id="{4BE58A24-1B59-44A2-886E-948D5738BEBA}"/>
+              </a:ext>
+            </a:extLst>
+          </p:cNvPr>
+          <p:cNvSpPr txBox="1"/>
+          <p:nvPr/>
+        </p:nvSpPr>
+        <p:spPr>
+          <a:xfrm>
+            <a:off x="7788551" y="6132975"/>
+            <a:ext cx="2443784" cy="369332"/>
+          </a:xfrm>
+          <a:prstGeom prst="rect">
+            <a:avLst/>
+          </a:prstGeom>
+          <a:noFill/>
+        </p:spPr>
+        <p:txBody>
+          <a:bodyPr wrap="square">
+            <a:spAutoFit/>
+          </a:bodyPr>
+          <a:lstStyle/>
+          <a:p>
+            <a:r>
+              <a:rPr lang="de-DE" sz="1800" b="0" dirty="0">
+                <a:solidFill>
+                  <a:srgbClr val="0070C0"/>
+                </a:solidFill>
+                <a:effectLst/>
+                <a:latin typeface="Consolas" panose="020B0609020204030204" pitchFamily="49" charset="0"/>
+              </a:rPr>
+              <a:t>/</a:t>
+            </a:r>
+            <a:r>
+              <a:rPr lang="de-DE" sz="1600" b="0" dirty="0" err="1">
+                <a:solidFill>
+                  <a:srgbClr val="0070C0"/>
+                </a:solidFill>
+                <a:effectLst/>
+                <a:latin typeface="Consolas" panose="020B0609020204030204" pitchFamily="49" charset="0"/>
+              </a:rPr>
+              <a:t>virtualMachines</a:t>
+            </a:r>
+            <a:endParaRPr lang="de-DE" sz="1600" dirty="0"/>
+          </a:p>
+        </p:txBody>
+      </p:sp>
+      <p:sp>
+        <p:nvSpPr>
+          <p:cNvPr id="48" name="TextBox 47">
+            <a:extLst>
+              <a:ext uri="{FF2B5EF4-FFF2-40B4-BE49-F238E27FC236}">
+                <a16:creationId xmlns:a16="http://schemas.microsoft.com/office/drawing/2014/main" id="{5F9D8FB5-63CF-4976-BFEB-5ACF780C6D2A}"/>
+              </a:ext>
+            </a:extLst>
+          </p:cNvPr>
+          <p:cNvSpPr txBox="1"/>
+          <p:nvPr/>
+        </p:nvSpPr>
+        <p:spPr>
+          <a:xfrm>
+            <a:off x="9592721" y="6169546"/>
+            <a:ext cx="485775" cy="338554"/>
+          </a:xfrm>
+          <a:prstGeom prst="rect">
+            <a:avLst/>
+          </a:prstGeom>
+          <a:noFill/>
+        </p:spPr>
+        <p:txBody>
+          <a:bodyPr wrap="square">
+            <a:spAutoFit/>
+          </a:bodyPr>
+          <a:lstStyle/>
+          <a:p>
+            <a:r>
+              <a:rPr lang="de-DE" sz="1600" b="0" dirty="0">
+                <a:solidFill>
+                  <a:srgbClr val="0070C0"/>
+                </a:solidFill>
+                <a:effectLst/>
+                <a:latin typeface="Consolas" panose="020B0609020204030204" pitchFamily="49" charset="0"/>
+              </a:rPr>
+              <a:t>/</a:t>
+            </a:r>
+            <a:endParaRPr lang="de-DE" sz="1600" dirty="0"/>
+          </a:p>
+        </p:txBody>
+      </p:sp>
+      <p:sp>
+        <p:nvSpPr>
+          <p:cNvPr id="52" name="TextBox 51">
+            <a:extLst>
+              <a:ext uri="{FF2B5EF4-FFF2-40B4-BE49-F238E27FC236}">
+                <a16:creationId xmlns:a16="http://schemas.microsoft.com/office/drawing/2014/main" id="{1CFFD859-F1F7-462E-9182-6764BFB41FA1}"/>
+              </a:ext>
+            </a:extLst>
+          </p:cNvPr>
+          <p:cNvSpPr txBox="1"/>
+          <p:nvPr/>
+        </p:nvSpPr>
+        <p:spPr>
+          <a:xfrm>
+            <a:off x="8671106" y="620488"/>
+            <a:ext cx="2724853" cy="338554"/>
+          </a:xfrm>
+          <a:prstGeom prst="rect">
+            <a:avLst/>
+          </a:prstGeom>
+          <a:noFill/>
+        </p:spPr>
+        <p:txBody>
+          <a:bodyPr wrap="square">
+            <a:spAutoFit/>
+          </a:bodyPr>
+          <a:lstStyle/>
+          <a:p>
+            <a:r>
+              <a:rPr lang="de-DE" sz="1600" b="0" dirty="0">
+                <a:solidFill>
+                  <a:srgbClr val="7030A0"/>
+                </a:solidFill>
+                <a:effectLst/>
+                <a:latin typeface="Consolas" panose="020B0609020204030204" pitchFamily="49" charset="0"/>
+              </a:rPr>
+              <a:t>/</a:t>
+            </a:r>
+            <a:r>
+              <a:rPr lang="de-DE" sz="1600" b="0" dirty="0" err="1">
+                <a:solidFill>
+                  <a:srgbClr val="7030A0"/>
+                </a:solidFill>
+                <a:effectLst/>
+                <a:latin typeface="Consolas" panose="020B0609020204030204" pitchFamily="49" charset="0"/>
+              </a:rPr>
+              <a:t>automationAccounts</a:t>
+            </a:r>
+            <a:endParaRPr lang="de-DE" sz="1600" dirty="0"/>
+          </a:p>
+        </p:txBody>
+      </p:sp>
+      <p:sp>
+        <p:nvSpPr>
+          <p:cNvPr id="53" name="TextBox 52">
+            <a:extLst>
+              <a:ext uri="{FF2B5EF4-FFF2-40B4-BE49-F238E27FC236}">
+                <a16:creationId xmlns:a16="http://schemas.microsoft.com/office/drawing/2014/main" id="{A1A10C11-5DB1-424B-9887-F5E358A0A56B}"/>
+              </a:ext>
+            </a:extLst>
+          </p:cNvPr>
+          <p:cNvSpPr txBox="1"/>
+          <p:nvPr/>
+        </p:nvSpPr>
+        <p:spPr>
+          <a:xfrm>
+            <a:off x="10785199" y="629039"/>
+            <a:ext cx="287661" cy="338554"/>
+          </a:xfrm>
+          <a:prstGeom prst="rect">
+            <a:avLst/>
+          </a:prstGeom>
+          <a:noFill/>
+        </p:spPr>
+        <p:txBody>
+          <a:bodyPr wrap="square">
+            <a:spAutoFit/>
+          </a:bodyPr>
+          <a:lstStyle/>
+          <a:p>
+            <a:r>
+              <a:rPr lang="de-DE" sz="1600" b="0" dirty="0">
+                <a:solidFill>
+                  <a:srgbClr val="7030A0"/>
+                </a:solidFill>
+                <a:effectLst/>
+                <a:latin typeface="Consolas" panose="020B0609020204030204" pitchFamily="49" charset="0"/>
+              </a:rPr>
+              <a:t>/</a:t>
+            </a:r>
+            <a:endParaRPr lang="de-DE" sz="1600" dirty="0"/>
+          </a:p>
+        </p:txBody>
+      </p:sp>
+      <p:sp>
+        <p:nvSpPr>
+          <p:cNvPr id="54" name="TextBox 53">
+            <a:extLst>
+              <a:ext uri="{FF2B5EF4-FFF2-40B4-BE49-F238E27FC236}">
+                <a16:creationId xmlns:a16="http://schemas.microsoft.com/office/drawing/2014/main" id="{DE95DD5D-D9AC-4E6B-BFAC-7420AC94C2C0}"/>
+              </a:ext>
+            </a:extLst>
+          </p:cNvPr>
+          <p:cNvSpPr txBox="1"/>
+          <p:nvPr/>
+        </p:nvSpPr>
+        <p:spPr>
+          <a:xfrm>
+            <a:off x="2618801" y="322292"/>
+            <a:ext cx="259091" cy="369332"/>
+          </a:xfrm>
+          <a:prstGeom prst="rect">
+            <a:avLst/>
+          </a:prstGeom>
+          <a:noFill/>
+        </p:spPr>
+        <p:txBody>
+          <a:bodyPr wrap="square">
+            <a:spAutoFit/>
+          </a:bodyPr>
+          <a:lstStyle/>
+          <a:p>
+            <a:r>
+              <a:rPr lang="de-DE" sz="1800" b="0" dirty="0">
+                <a:solidFill>
+                  <a:srgbClr val="00B050"/>
+                </a:solidFill>
+                <a:effectLst/>
+                <a:latin typeface="Consolas" panose="020B0609020204030204" pitchFamily="49" charset="0"/>
+              </a:rPr>
+              <a:t>/</a:t>
+            </a:r>
+            <a:endParaRPr lang="de-DE" dirty="0"/>
+          </a:p>
+        </p:txBody>
+      </p:sp>
+      <p:sp>
+        <p:nvSpPr>
+          <p:cNvPr id="15" name="TextBox 14">
+            <a:extLst>
+              <a:ext uri="{FF2B5EF4-FFF2-40B4-BE49-F238E27FC236}">
+                <a16:creationId xmlns:a16="http://schemas.microsoft.com/office/drawing/2014/main" id="{2D54054C-C237-4D8E-8C24-F68BCC2E7CA5}"/>
+              </a:ext>
+            </a:extLst>
+          </p:cNvPr>
+          <p:cNvSpPr txBox="1"/>
+          <p:nvPr/>
+        </p:nvSpPr>
+        <p:spPr>
+          <a:xfrm>
+            <a:off x="934538" y="2083280"/>
+            <a:ext cx="3491499" cy="338554"/>
+          </a:xfrm>
+          <a:prstGeom prst="rect">
+            <a:avLst/>
+          </a:prstGeom>
+          <a:solidFill>
+            <a:schemeClr val="bg1"/>
+          </a:solidFill>
+        </p:spPr>
+        <p:txBody>
+          <a:bodyPr wrap="square" rtlCol="0">
+            <a:spAutoFit/>
+          </a:bodyPr>
+          <a:lstStyle/>
+          <a:p>
+            <a:r>
+              <a:rPr lang="de-DE" sz="1600" dirty="0">
+                <a:solidFill>
+                  <a:srgbClr val="00B050"/>
+                </a:solidFill>
+                <a:latin typeface="Consolas" panose="020B0609020204030204" pitchFamily="49" charset="0"/>
+              </a:rPr>
+              <a:t>...</a:t>
+            </a:r>
+            <a:r>
+              <a:rPr lang="de-DE" sz="1600" b="0" dirty="0">
+                <a:solidFill>
+                  <a:srgbClr val="00B050"/>
+                </a:solidFill>
+                <a:effectLst/>
+                <a:latin typeface="Consolas" panose="020B0609020204030204" pitchFamily="49" charset="0"/>
+              </a:rPr>
+              <a:t>/</a:t>
+            </a:r>
+            <a:r>
+              <a:rPr lang="de-DE" sz="1600" b="0" dirty="0" err="1">
+                <a:solidFill>
+                  <a:srgbClr val="00B050"/>
+                </a:solidFill>
+                <a:effectLst/>
+                <a:latin typeface="Consolas" panose="020B0609020204030204" pitchFamily="49" charset="0"/>
+              </a:rPr>
+              <a:t>virtualNetworks</a:t>
+            </a:r>
+            <a:r>
+              <a:rPr lang="de-DE" sz="1600" b="0" dirty="0">
+                <a:solidFill>
+                  <a:srgbClr val="00B050"/>
+                </a:solidFill>
+                <a:effectLst/>
+                <a:latin typeface="Consolas" panose="020B0609020204030204" pitchFamily="49" charset="0"/>
+              </a:rPr>
+              <a:t>/</a:t>
+            </a:r>
+            <a:r>
+              <a:rPr lang="de-DE" sz="1600" b="0" dirty="0" err="1">
+                <a:solidFill>
+                  <a:srgbClr val="00B050"/>
+                </a:solidFill>
+                <a:effectLst/>
+                <a:latin typeface="Consolas" panose="020B0609020204030204" pitchFamily="49" charset="0"/>
+              </a:rPr>
+              <a:t>subnets</a:t>
+            </a:r>
+            <a:endParaRPr lang="de-DE" sz="1600" b="0" dirty="0">
+              <a:solidFill>
+                <a:srgbClr val="00B050"/>
+              </a:solidFill>
+              <a:effectLst/>
+              <a:latin typeface="Consolas" panose="020B0609020204030204" pitchFamily="49" charset="0"/>
+            </a:endParaRPr>
+          </a:p>
+        </p:txBody>
+      </p:sp>
+    </p:spTree>
+    <p:extLst>
+      <p:ext uri="{BB962C8B-B14F-4D97-AF65-F5344CB8AC3E}">
+        <p14:creationId xmlns:p14="http://schemas.microsoft.com/office/powerpoint/2010/main" val="2467526424"/>
+      </p:ext>
+    </p:extLst>
+  </p:cSld>
+  <p:clrMapOvr>
+    <a:masterClrMapping/>
+  </p:clrMapOvr>
+</p:sld>
+</file>
+
 <file path=ppt/theme/theme1.xml><?xml version="1.0" encoding="utf-8"?>
 <a:theme xmlns:a="http://schemas.openxmlformats.org/drawingml/2006/main" name="Office Theme">
   <a:themeElements>

--- a/ppt/Scenario_Hybrid.pptx
+++ b/ppt/Scenario_Hybrid.pptx
@@ -11,6 +11,11 @@
     <p:sldId id="265" r:id="rId5"/>
     <p:sldId id="266" r:id="rId6"/>
     <p:sldId id="267" r:id="rId7"/>
+    <p:sldId id="270" r:id="rId8"/>
+    <p:sldId id="272" r:id="rId9"/>
+    <p:sldId id="271" r:id="rId10"/>
+    <p:sldId id="274" r:id="rId11"/>
+    <p:sldId id="273" r:id="rId12"/>
   </p:sldIdLst>
   <p:sldSz cx="12192000" cy="6858000"/>
   <p:notesSz cx="6858000" cy="9144000"/>
@@ -265,7 +270,7 @@
           <a:lstStyle/>
           <a:p>
             <a:fld id="{9885A07B-F703-CD4C-AB32-7C3C9E108285}" type="datetimeFigureOut">
-              <a:t>26.12.2020</a:t>
+              <a:t>18.05.2021</a:t>
             </a:fld>
             <a:endParaRPr lang="de-DE"/>
           </a:p>
@@ -463,7 +468,7 @@
           <a:lstStyle/>
           <a:p>
             <a:fld id="{9885A07B-F703-CD4C-AB32-7C3C9E108285}" type="datetimeFigureOut">
-              <a:t>26.12.2020</a:t>
+              <a:t>18.05.2021</a:t>
             </a:fld>
             <a:endParaRPr lang="de-DE"/>
           </a:p>
@@ -671,7 +676,7 @@
           <a:lstStyle/>
           <a:p>
             <a:fld id="{9885A07B-F703-CD4C-AB32-7C3C9E108285}" type="datetimeFigureOut">
-              <a:t>26.12.2020</a:t>
+              <a:t>18.05.2021</a:t>
             </a:fld>
             <a:endParaRPr lang="de-DE"/>
           </a:p>
@@ -869,7 +874,7 @@
           <a:lstStyle/>
           <a:p>
             <a:fld id="{9885A07B-F703-CD4C-AB32-7C3C9E108285}" type="datetimeFigureOut">
-              <a:t>26.12.2020</a:t>
+              <a:t>18.05.2021</a:t>
             </a:fld>
             <a:endParaRPr lang="de-DE"/>
           </a:p>
@@ -1143,7 +1148,7 @@
           <a:lstStyle/>
           <a:p>
             <a:fld id="{9885A07B-F703-CD4C-AB32-7C3C9E108285}" type="datetimeFigureOut">
-              <a:t>26.12.2020</a:t>
+              <a:t>18.05.2021</a:t>
             </a:fld>
             <a:endParaRPr lang="de-DE"/>
           </a:p>
@@ -1409,7 +1414,7 @@
           <a:lstStyle/>
           <a:p>
             <a:fld id="{9885A07B-F703-CD4C-AB32-7C3C9E108285}" type="datetimeFigureOut">
-              <a:t>26.12.2020</a:t>
+              <a:t>18.05.2021</a:t>
             </a:fld>
             <a:endParaRPr lang="de-DE"/>
           </a:p>
@@ -1822,7 +1827,7 @@
           <a:lstStyle/>
           <a:p>
             <a:fld id="{9885A07B-F703-CD4C-AB32-7C3C9E108285}" type="datetimeFigureOut">
-              <a:t>26.12.2020</a:t>
+              <a:t>18.05.2021</a:t>
             </a:fld>
             <a:endParaRPr lang="de-DE"/>
           </a:p>
@@ -1962,7 +1967,7 @@
           <a:lstStyle/>
           <a:p>
             <a:fld id="{9885A07B-F703-CD4C-AB32-7C3C9E108285}" type="datetimeFigureOut">
-              <a:t>26.12.2020</a:t>
+              <a:t>18.05.2021</a:t>
             </a:fld>
             <a:endParaRPr lang="de-DE"/>
           </a:p>
@@ -2073,7 +2078,7 @@
           <a:lstStyle/>
           <a:p>
             <a:fld id="{9885A07B-F703-CD4C-AB32-7C3C9E108285}" type="datetimeFigureOut">
-              <a:t>26.12.2020</a:t>
+              <a:t>18.05.2021</a:t>
             </a:fld>
             <a:endParaRPr lang="de-DE"/>
           </a:p>
@@ -2384,7 +2389,7 @@
           <a:lstStyle/>
           <a:p>
             <a:fld id="{9885A07B-F703-CD4C-AB32-7C3C9E108285}" type="datetimeFigureOut">
-              <a:t>26.12.2020</a:t>
+              <a:t>18.05.2021</a:t>
             </a:fld>
             <a:endParaRPr lang="de-DE"/>
           </a:p>
@@ -2671,7 +2676,7 @@
           <a:lstStyle/>
           <a:p>
             <a:fld id="{9885A07B-F703-CD4C-AB32-7C3C9E108285}" type="datetimeFigureOut">
-              <a:t>26.12.2020</a:t>
+              <a:t>18.05.2021</a:t>
             </a:fld>
             <a:endParaRPr lang="de-DE"/>
           </a:p>
@@ -2912,7 +2917,7 @@
           </a:lstStyle>
           <a:p>
             <a:fld id="{9885A07B-F703-CD4C-AB32-7C3C9E108285}" type="datetimeFigureOut">
-              <a:t>26.12.2020</a:t>
+              <a:t>18.05.2021</a:t>
             </a:fld>
             <a:endParaRPr lang="de-DE"/>
           </a:p>
@@ -4285,6 +4290,2691 @@
 </p:sld>
 </file>
 
+<file path=ppt/slides/slide10.xml><?xml version="1.0" encoding="utf-8"?>
+<p:sld xmlns:a="http://schemas.openxmlformats.org/drawingml/2006/main" xmlns:r="http://schemas.openxmlformats.org/officeDocument/2006/relationships" xmlns:p="http://schemas.openxmlformats.org/presentationml/2006/main">
+  <p:cSld>
+    <p:spTree>
+      <p:nvGrpSpPr>
+        <p:cNvPr id="1" name=""/>
+        <p:cNvGrpSpPr/>
+        <p:nvPr/>
+      </p:nvGrpSpPr>
+      <p:grpSpPr>
+        <a:xfrm>
+          <a:off x="0" y="0"/>
+          <a:ext cx="0" cy="0"/>
+          <a:chOff x="0" y="0"/>
+          <a:chExt cx="0" cy="0"/>
+        </a:xfrm>
+      </p:grpSpPr>
+      <p:pic>
+        <p:nvPicPr>
+          <p:cNvPr id="2" name="Graphic 1">
+            <a:extLst>
+              <a:ext uri="{FF2B5EF4-FFF2-40B4-BE49-F238E27FC236}">
+                <a16:creationId xmlns:a16="http://schemas.microsoft.com/office/drawing/2014/main" id="{C2505F20-3047-441E-BB49-80B1AD432C8E}"/>
+              </a:ext>
+            </a:extLst>
+          </p:cNvPr>
+          <p:cNvPicPr>
+            <a:picLocks noChangeAspect="1"/>
+          </p:cNvPicPr>
+          <p:nvPr/>
+        </p:nvPicPr>
+        <p:blipFill>
+          <a:blip r:embed="rId2">
+            <a:extLst>
+              <a:ext uri="{28A0092B-C50C-407E-A947-70E740481C1C}">
+                <a14:useLocalDpi xmlns:a14="http://schemas.microsoft.com/office/drawing/2010/main" val="0"/>
+              </a:ext>
+              <a:ext uri="{96DAC541-7B7A-43D3-8B79-37D633B846F1}">
+                <asvg:svgBlip xmlns:asvg="http://schemas.microsoft.com/office/drawing/2016/SVG/main" r:embed="rId3"/>
+              </a:ext>
+            </a:extLst>
+          </a:blip>
+          <a:stretch>
+            <a:fillRect/>
+          </a:stretch>
+        </p:blipFill>
+        <p:spPr>
+          <a:xfrm>
+            <a:off x="4906617" y="2161995"/>
+            <a:ext cx="539090" cy="539090"/>
+          </a:xfrm>
+          <a:prstGeom prst="rect">
+            <a:avLst/>
+          </a:prstGeom>
+        </p:spPr>
+      </p:pic>
+      <p:pic>
+        <p:nvPicPr>
+          <p:cNvPr id="3" name="Graphic 2">
+            <a:extLst>
+              <a:ext uri="{FF2B5EF4-FFF2-40B4-BE49-F238E27FC236}">
+                <a16:creationId xmlns:a16="http://schemas.microsoft.com/office/drawing/2014/main" id="{C68BF8F9-1AD5-4333-A4D6-341031D661D0}"/>
+              </a:ext>
+            </a:extLst>
+          </p:cNvPr>
+          <p:cNvPicPr>
+            <a:picLocks noChangeAspect="1"/>
+          </p:cNvPicPr>
+          <p:nvPr/>
+        </p:nvPicPr>
+        <p:blipFill>
+          <a:blip r:embed="rId2">
+            <a:extLst>
+              <a:ext uri="{28A0092B-C50C-407E-A947-70E740481C1C}">
+                <a14:useLocalDpi xmlns:a14="http://schemas.microsoft.com/office/drawing/2010/main" val="0"/>
+              </a:ext>
+              <a:ext uri="{96DAC541-7B7A-43D3-8B79-37D633B846F1}">
+                <asvg:svgBlip xmlns:asvg="http://schemas.microsoft.com/office/drawing/2016/SVG/main" r:embed="rId3"/>
+              </a:ext>
+            </a:extLst>
+          </a:blip>
+          <a:stretch>
+            <a:fillRect/>
+          </a:stretch>
+        </p:blipFill>
+        <p:spPr>
+          <a:xfrm>
+            <a:off x="2293733" y="2161995"/>
+            <a:ext cx="539090" cy="539090"/>
+          </a:xfrm>
+          <a:prstGeom prst="rect">
+            <a:avLst/>
+          </a:prstGeom>
+        </p:spPr>
+      </p:pic>
+      <p:pic>
+        <p:nvPicPr>
+          <p:cNvPr id="4" name="Graphic 3">
+            <a:extLst>
+              <a:ext uri="{FF2B5EF4-FFF2-40B4-BE49-F238E27FC236}">
+                <a16:creationId xmlns:a16="http://schemas.microsoft.com/office/drawing/2014/main" id="{99FA2CCE-25CA-4BCC-950F-66EC41CCB7E6}"/>
+              </a:ext>
+            </a:extLst>
+          </p:cNvPr>
+          <p:cNvPicPr>
+            <a:picLocks noChangeAspect="1"/>
+          </p:cNvPicPr>
+          <p:nvPr/>
+        </p:nvPicPr>
+        <p:blipFill>
+          <a:blip r:embed="rId2">
+            <a:extLst>
+              <a:ext uri="{28A0092B-C50C-407E-A947-70E740481C1C}">
+                <a14:useLocalDpi xmlns:a14="http://schemas.microsoft.com/office/drawing/2010/main" val="0"/>
+              </a:ext>
+              <a:ext uri="{96DAC541-7B7A-43D3-8B79-37D633B846F1}">
+                <asvg:svgBlip xmlns:asvg="http://schemas.microsoft.com/office/drawing/2016/SVG/main" r:embed="rId3"/>
+              </a:ext>
+            </a:extLst>
+          </a:blip>
+          <a:stretch>
+            <a:fillRect/>
+          </a:stretch>
+        </p:blipFill>
+        <p:spPr>
+          <a:xfrm>
+            <a:off x="7571082" y="2161995"/>
+            <a:ext cx="539090" cy="539090"/>
+          </a:xfrm>
+          <a:prstGeom prst="rect">
+            <a:avLst/>
+          </a:prstGeom>
+        </p:spPr>
+      </p:pic>
+      <p:pic>
+        <p:nvPicPr>
+          <p:cNvPr id="5" name="Graphic 4">
+            <a:extLst>
+              <a:ext uri="{FF2B5EF4-FFF2-40B4-BE49-F238E27FC236}">
+                <a16:creationId xmlns:a16="http://schemas.microsoft.com/office/drawing/2014/main" id="{C493085D-EB05-4547-9B8C-BFFFC35AAB61}"/>
+              </a:ext>
+            </a:extLst>
+          </p:cNvPr>
+          <p:cNvPicPr>
+            <a:picLocks noChangeAspect="1"/>
+          </p:cNvPicPr>
+          <p:nvPr/>
+        </p:nvPicPr>
+        <p:blipFill>
+          <a:blip r:embed="rId4">
+            <a:extLst>
+              <a:ext uri="{28A0092B-C50C-407E-A947-70E740481C1C}">
+                <a14:useLocalDpi xmlns:a14="http://schemas.microsoft.com/office/drawing/2010/main" val="0"/>
+              </a:ext>
+              <a:ext uri="{96DAC541-7B7A-43D3-8B79-37D633B846F1}">
+                <asvg:svgBlip xmlns:asvg="http://schemas.microsoft.com/office/drawing/2016/SVG/main" r:embed="rId5"/>
+              </a:ext>
+            </a:extLst>
+          </a:blip>
+          <a:stretch>
+            <a:fillRect/>
+          </a:stretch>
+        </p:blipFill>
+        <p:spPr>
+          <a:xfrm>
+            <a:off x="2336781" y="3001723"/>
+            <a:ext cx="469900" cy="469900"/>
+          </a:xfrm>
+          <a:prstGeom prst="rect">
+            <a:avLst/>
+          </a:prstGeom>
+        </p:spPr>
+      </p:pic>
+      <p:pic>
+        <p:nvPicPr>
+          <p:cNvPr id="7" name="Graphic 6">
+            <a:extLst>
+              <a:ext uri="{FF2B5EF4-FFF2-40B4-BE49-F238E27FC236}">
+                <a16:creationId xmlns:a16="http://schemas.microsoft.com/office/drawing/2014/main" id="{2258BA33-10DA-409B-B553-2DBD90F1BCCC}"/>
+              </a:ext>
+            </a:extLst>
+          </p:cNvPr>
+          <p:cNvPicPr>
+            <a:picLocks noChangeAspect="1"/>
+          </p:cNvPicPr>
+          <p:nvPr/>
+        </p:nvPicPr>
+        <p:blipFill>
+          <a:blip r:embed="rId4">
+            <a:extLst>
+              <a:ext uri="{28A0092B-C50C-407E-A947-70E740481C1C}">
+                <a14:useLocalDpi xmlns:a14="http://schemas.microsoft.com/office/drawing/2010/main" val="0"/>
+              </a:ext>
+              <a:ext uri="{96DAC541-7B7A-43D3-8B79-37D633B846F1}">
+                <asvg:svgBlip xmlns:asvg="http://schemas.microsoft.com/office/drawing/2016/SVG/main" r:embed="rId5"/>
+              </a:ext>
+            </a:extLst>
+          </a:blip>
+          <a:stretch>
+            <a:fillRect/>
+          </a:stretch>
+        </p:blipFill>
+        <p:spPr>
+          <a:xfrm>
+            <a:off x="7610429" y="3026323"/>
+            <a:ext cx="469900" cy="469900"/>
+          </a:xfrm>
+          <a:prstGeom prst="rect">
+            <a:avLst/>
+          </a:prstGeom>
+        </p:spPr>
+      </p:pic>
+      <p:pic>
+        <p:nvPicPr>
+          <p:cNvPr id="8" name="Graphic 7">
+            <a:extLst>
+              <a:ext uri="{FF2B5EF4-FFF2-40B4-BE49-F238E27FC236}">
+                <a16:creationId xmlns:a16="http://schemas.microsoft.com/office/drawing/2014/main" id="{938AD901-1D1B-437B-90A9-F306776E8088}"/>
+              </a:ext>
+            </a:extLst>
+          </p:cNvPr>
+          <p:cNvPicPr>
+            <a:picLocks noChangeAspect="1"/>
+          </p:cNvPicPr>
+          <p:nvPr/>
+        </p:nvPicPr>
+        <p:blipFill>
+          <a:blip r:embed="rId4">
+            <a:extLst>
+              <a:ext uri="{28A0092B-C50C-407E-A947-70E740481C1C}">
+                <a14:useLocalDpi xmlns:a14="http://schemas.microsoft.com/office/drawing/2010/main" val="0"/>
+              </a:ext>
+              <a:ext uri="{96DAC541-7B7A-43D3-8B79-37D633B846F1}">
+                <asvg:svgBlip xmlns:asvg="http://schemas.microsoft.com/office/drawing/2016/SVG/main" r:embed="rId5"/>
+              </a:ext>
+            </a:extLst>
+          </a:blip>
+          <a:stretch>
+            <a:fillRect/>
+          </a:stretch>
+        </p:blipFill>
+        <p:spPr>
+          <a:xfrm>
+            <a:off x="4951550" y="3028664"/>
+            <a:ext cx="469900" cy="469900"/>
+          </a:xfrm>
+          <a:prstGeom prst="rect">
+            <a:avLst/>
+          </a:prstGeom>
+        </p:spPr>
+      </p:pic>
+      <p:pic>
+        <p:nvPicPr>
+          <p:cNvPr id="9" name="Graphic 8">
+            <a:extLst>
+              <a:ext uri="{FF2B5EF4-FFF2-40B4-BE49-F238E27FC236}">
+                <a16:creationId xmlns:a16="http://schemas.microsoft.com/office/drawing/2014/main" id="{37667A7E-247A-4149-967C-46B41ADFB9C7}"/>
+              </a:ext>
+            </a:extLst>
+          </p:cNvPr>
+          <p:cNvPicPr>
+            <a:picLocks noChangeAspect="1"/>
+          </p:cNvPicPr>
+          <p:nvPr/>
+        </p:nvPicPr>
+        <p:blipFill>
+          <a:blip r:embed="rId4">
+            <a:extLst>
+              <a:ext uri="{28A0092B-C50C-407E-A947-70E740481C1C}">
+                <a14:useLocalDpi xmlns:a14="http://schemas.microsoft.com/office/drawing/2010/main" val="0"/>
+              </a:ext>
+              <a:ext uri="{96DAC541-7B7A-43D3-8B79-37D633B846F1}">
+                <asvg:svgBlip xmlns:asvg="http://schemas.microsoft.com/office/drawing/2016/SVG/main" r:embed="rId5"/>
+              </a:ext>
+            </a:extLst>
+          </a:blip>
+          <a:stretch>
+            <a:fillRect/>
+          </a:stretch>
+        </p:blipFill>
+        <p:spPr>
+          <a:xfrm>
+            <a:off x="5868879" y="3004797"/>
+            <a:ext cx="469900" cy="469900"/>
+          </a:xfrm>
+          <a:prstGeom prst="rect">
+            <a:avLst/>
+          </a:prstGeom>
+        </p:spPr>
+      </p:pic>
+      <p:pic>
+        <p:nvPicPr>
+          <p:cNvPr id="10" name="Graphic 9">
+            <a:extLst>
+              <a:ext uri="{FF2B5EF4-FFF2-40B4-BE49-F238E27FC236}">
+                <a16:creationId xmlns:a16="http://schemas.microsoft.com/office/drawing/2014/main" id="{5561251D-F372-438B-BD86-F023AFF42C42}"/>
+              </a:ext>
+            </a:extLst>
+          </p:cNvPr>
+          <p:cNvPicPr>
+            <a:picLocks noChangeAspect="1"/>
+          </p:cNvPicPr>
+          <p:nvPr/>
+        </p:nvPicPr>
+        <p:blipFill>
+          <a:blip r:embed="rId4">
+            <a:extLst>
+              <a:ext uri="{28A0092B-C50C-407E-A947-70E740481C1C}">
+                <a14:useLocalDpi xmlns:a14="http://schemas.microsoft.com/office/drawing/2010/main" val="0"/>
+              </a:ext>
+              <a:ext uri="{96DAC541-7B7A-43D3-8B79-37D633B846F1}">
+                <asvg:svgBlip xmlns:asvg="http://schemas.microsoft.com/office/drawing/2016/SVG/main" r:embed="rId5"/>
+              </a:ext>
+            </a:extLst>
+          </a:blip>
+          <a:stretch>
+            <a:fillRect/>
+          </a:stretch>
+        </p:blipFill>
+        <p:spPr>
+          <a:xfrm>
+            <a:off x="4130053" y="3022014"/>
+            <a:ext cx="469900" cy="469900"/>
+          </a:xfrm>
+          <a:prstGeom prst="rect">
+            <a:avLst/>
+          </a:prstGeom>
+        </p:spPr>
+      </p:pic>
+      <p:sp>
+        <p:nvSpPr>
+          <p:cNvPr id="11" name="TextBox 10">
+            <a:extLst>
+              <a:ext uri="{FF2B5EF4-FFF2-40B4-BE49-F238E27FC236}">
+                <a16:creationId xmlns:a16="http://schemas.microsoft.com/office/drawing/2014/main" id="{29E929EF-FA9F-479B-8000-778B1CFBF773}"/>
+              </a:ext>
+            </a:extLst>
+          </p:cNvPr>
+          <p:cNvSpPr txBox="1"/>
+          <p:nvPr/>
+        </p:nvSpPr>
+        <p:spPr>
+          <a:xfrm>
+            <a:off x="4577556" y="1249895"/>
+            <a:ext cx="1197212" cy="369332"/>
+          </a:xfrm>
+          <a:prstGeom prst="rect">
+            <a:avLst/>
+          </a:prstGeom>
+          <a:noFill/>
+        </p:spPr>
+        <p:txBody>
+          <a:bodyPr wrap="square" rtlCol="0">
+            <a:spAutoFit/>
+          </a:bodyPr>
+          <a:lstStyle/>
+          <a:p>
+            <a:pPr algn="ctr"/>
+            <a:r>
+              <a:rPr lang="en-US" dirty="0"/>
+              <a:t>Hub</a:t>
+            </a:r>
+            <a:endParaRPr lang="de-DE" dirty="0"/>
+          </a:p>
+        </p:txBody>
+      </p:sp>
+      <p:sp>
+        <p:nvSpPr>
+          <p:cNvPr id="12" name="TextBox 11">
+            <a:extLst>
+              <a:ext uri="{FF2B5EF4-FFF2-40B4-BE49-F238E27FC236}">
+                <a16:creationId xmlns:a16="http://schemas.microsoft.com/office/drawing/2014/main" id="{EF755AA2-1395-4CA8-A2FC-D59A32CDAEE7}"/>
+              </a:ext>
+            </a:extLst>
+          </p:cNvPr>
+          <p:cNvSpPr txBox="1"/>
+          <p:nvPr/>
+        </p:nvSpPr>
+        <p:spPr>
+          <a:xfrm>
+            <a:off x="1999267" y="1319787"/>
+            <a:ext cx="1197212" cy="369332"/>
+          </a:xfrm>
+          <a:prstGeom prst="rect">
+            <a:avLst/>
+          </a:prstGeom>
+          <a:noFill/>
+        </p:spPr>
+        <p:txBody>
+          <a:bodyPr wrap="square" rtlCol="0">
+            <a:spAutoFit/>
+          </a:bodyPr>
+          <a:lstStyle/>
+          <a:p>
+            <a:pPr algn="ctr"/>
+            <a:r>
+              <a:rPr lang="en-US" dirty="0"/>
+              <a:t>Spoke 1</a:t>
+            </a:r>
+            <a:endParaRPr lang="de-DE" dirty="0"/>
+          </a:p>
+        </p:txBody>
+      </p:sp>
+      <p:sp>
+        <p:nvSpPr>
+          <p:cNvPr id="13" name="TextBox 12">
+            <a:extLst>
+              <a:ext uri="{FF2B5EF4-FFF2-40B4-BE49-F238E27FC236}">
+                <a16:creationId xmlns:a16="http://schemas.microsoft.com/office/drawing/2014/main" id="{431F29EB-7805-4371-9BBE-92DBF9D7D0C4}"/>
+              </a:ext>
+            </a:extLst>
+          </p:cNvPr>
+          <p:cNvSpPr txBox="1"/>
+          <p:nvPr/>
+        </p:nvSpPr>
+        <p:spPr>
+          <a:xfrm>
+            <a:off x="7242021" y="1312047"/>
+            <a:ext cx="1197212" cy="369332"/>
+          </a:xfrm>
+          <a:prstGeom prst="rect">
+            <a:avLst/>
+          </a:prstGeom>
+          <a:noFill/>
+        </p:spPr>
+        <p:txBody>
+          <a:bodyPr wrap="square" rtlCol="0">
+            <a:spAutoFit/>
+          </a:bodyPr>
+          <a:lstStyle/>
+          <a:p>
+            <a:pPr algn="ctr"/>
+            <a:r>
+              <a:rPr lang="en-US" dirty="0"/>
+              <a:t>Spoke 2</a:t>
+            </a:r>
+            <a:endParaRPr lang="de-DE" dirty="0"/>
+          </a:p>
+        </p:txBody>
+      </p:sp>
+      <p:pic>
+        <p:nvPicPr>
+          <p:cNvPr id="14" name="Graphic 13">
+            <a:extLst>
+              <a:ext uri="{FF2B5EF4-FFF2-40B4-BE49-F238E27FC236}">
+                <a16:creationId xmlns:a16="http://schemas.microsoft.com/office/drawing/2014/main" id="{26E79F13-CA08-4CC0-9849-22C23B767420}"/>
+              </a:ext>
+            </a:extLst>
+          </p:cNvPr>
+          <p:cNvPicPr>
+            <a:picLocks noChangeAspect="1"/>
+          </p:cNvPicPr>
+          <p:nvPr/>
+        </p:nvPicPr>
+        <p:blipFill>
+          <a:blip r:embed="rId6">
+            <a:extLst>
+              <a:ext uri="{28A0092B-C50C-407E-A947-70E740481C1C}">
+                <a14:useLocalDpi xmlns:a14="http://schemas.microsoft.com/office/drawing/2010/main" val="0"/>
+              </a:ext>
+              <a:ext uri="{96DAC541-7B7A-43D3-8B79-37D633B846F1}">
+                <asvg:svgBlip xmlns:asvg="http://schemas.microsoft.com/office/drawing/2016/SVG/main" r:embed="rId7"/>
+              </a:ext>
+            </a:extLst>
+          </a:blip>
+          <a:stretch>
+            <a:fillRect/>
+          </a:stretch>
+        </p:blipFill>
+        <p:spPr>
+          <a:xfrm>
+            <a:off x="4936339" y="3956765"/>
+            <a:ext cx="518414" cy="518414"/>
+          </a:xfrm>
+          <a:prstGeom prst="rect">
+            <a:avLst/>
+          </a:prstGeom>
+        </p:spPr>
+      </p:pic>
+      <p:pic>
+        <p:nvPicPr>
+          <p:cNvPr id="15" name="Graphic 14">
+            <a:extLst>
+              <a:ext uri="{FF2B5EF4-FFF2-40B4-BE49-F238E27FC236}">
+                <a16:creationId xmlns:a16="http://schemas.microsoft.com/office/drawing/2014/main" id="{3B661DDF-6D65-4C56-9B9B-F9319F39ABF4}"/>
+              </a:ext>
+            </a:extLst>
+          </p:cNvPr>
+          <p:cNvPicPr>
+            <a:picLocks noChangeAspect="1"/>
+          </p:cNvPicPr>
+          <p:nvPr/>
+        </p:nvPicPr>
+        <p:blipFill>
+          <a:blip r:embed="rId6">
+            <a:extLst>
+              <a:ext uri="{28A0092B-C50C-407E-A947-70E740481C1C}">
+                <a14:useLocalDpi xmlns:a14="http://schemas.microsoft.com/office/drawing/2010/main" val="0"/>
+              </a:ext>
+              <a:ext uri="{96DAC541-7B7A-43D3-8B79-37D633B846F1}">
+                <asvg:svgBlip xmlns:asvg="http://schemas.microsoft.com/office/drawing/2016/SVG/main" r:embed="rId7"/>
+              </a:ext>
+            </a:extLst>
+          </a:blip>
+          <a:stretch>
+            <a:fillRect/>
+          </a:stretch>
+        </p:blipFill>
+        <p:spPr>
+          <a:xfrm>
+            <a:off x="2328167" y="3956765"/>
+            <a:ext cx="518414" cy="518414"/>
+          </a:xfrm>
+          <a:prstGeom prst="rect">
+            <a:avLst/>
+          </a:prstGeom>
+        </p:spPr>
+      </p:pic>
+      <p:pic>
+        <p:nvPicPr>
+          <p:cNvPr id="16" name="Graphic 15">
+            <a:extLst>
+              <a:ext uri="{FF2B5EF4-FFF2-40B4-BE49-F238E27FC236}">
+                <a16:creationId xmlns:a16="http://schemas.microsoft.com/office/drawing/2014/main" id="{1159E9CE-9CFC-4B34-8E22-C786FD205F53}"/>
+              </a:ext>
+            </a:extLst>
+          </p:cNvPr>
+          <p:cNvPicPr>
+            <a:picLocks noChangeAspect="1"/>
+          </p:cNvPicPr>
+          <p:nvPr/>
+        </p:nvPicPr>
+        <p:blipFill>
+          <a:blip r:embed="rId6">
+            <a:extLst>
+              <a:ext uri="{28A0092B-C50C-407E-A947-70E740481C1C}">
+                <a14:useLocalDpi xmlns:a14="http://schemas.microsoft.com/office/drawing/2010/main" val="0"/>
+              </a:ext>
+              <a:ext uri="{96DAC541-7B7A-43D3-8B79-37D633B846F1}">
+                <asvg:svgBlip xmlns:asvg="http://schemas.microsoft.com/office/drawing/2016/SVG/main" r:embed="rId7"/>
+              </a:ext>
+            </a:extLst>
+          </a:blip>
+          <a:stretch>
+            <a:fillRect/>
+          </a:stretch>
+        </p:blipFill>
+        <p:spPr>
+          <a:xfrm>
+            <a:off x="7586172" y="3899361"/>
+            <a:ext cx="518414" cy="518414"/>
+          </a:xfrm>
+          <a:prstGeom prst="rect">
+            <a:avLst/>
+          </a:prstGeom>
+        </p:spPr>
+      </p:pic>
+      <p:sp>
+        <p:nvSpPr>
+          <p:cNvPr id="18" name="TextBox 17">
+            <a:extLst>
+              <a:ext uri="{FF2B5EF4-FFF2-40B4-BE49-F238E27FC236}">
+                <a16:creationId xmlns:a16="http://schemas.microsoft.com/office/drawing/2014/main" id="{86EDA0CE-2A82-440E-89B0-A3B450D8AB39}"/>
+              </a:ext>
+            </a:extLst>
+          </p:cNvPr>
+          <p:cNvSpPr txBox="1"/>
+          <p:nvPr/>
+        </p:nvSpPr>
+        <p:spPr>
+          <a:xfrm>
+            <a:off x="2217480" y="4545711"/>
+            <a:ext cx="809299" cy="369332"/>
+          </a:xfrm>
+          <a:prstGeom prst="rect">
+            <a:avLst/>
+          </a:prstGeom>
+          <a:noFill/>
+        </p:spPr>
+        <p:txBody>
+          <a:bodyPr wrap="square" rtlCol="0">
+            <a:spAutoFit/>
+          </a:bodyPr>
+          <a:lstStyle/>
+          <a:p>
+            <a:pPr algn="ctr"/>
+            <a:r>
+              <a:rPr lang="en-US" dirty="0"/>
+              <a:t>DC1</a:t>
+            </a:r>
+            <a:endParaRPr lang="de-DE" dirty="0"/>
+          </a:p>
+        </p:txBody>
+      </p:sp>
+      <p:sp>
+        <p:nvSpPr>
+          <p:cNvPr id="19" name="TextBox 18">
+            <a:extLst>
+              <a:ext uri="{FF2B5EF4-FFF2-40B4-BE49-F238E27FC236}">
+                <a16:creationId xmlns:a16="http://schemas.microsoft.com/office/drawing/2014/main" id="{1E7FAE8B-0330-4D90-BF8E-7D72AF7C0B7B}"/>
+              </a:ext>
+            </a:extLst>
+          </p:cNvPr>
+          <p:cNvSpPr txBox="1"/>
+          <p:nvPr/>
+        </p:nvSpPr>
+        <p:spPr>
+          <a:xfrm>
+            <a:off x="4785554" y="4545711"/>
+            <a:ext cx="809299" cy="369332"/>
+          </a:xfrm>
+          <a:prstGeom prst="rect">
+            <a:avLst/>
+          </a:prstGeom>
+          <a:noFill/>
+        </p:spPr>
+        <p:txBody>
+          <a:bodyPr wrap="square" rtlCol="0">
+            <a:spAutoFit/>
+          </a:bodyPr>
+          <a:lstStyle/>
+          <a:p>
+            <a:pPr algn="ctr"/>
+            <a:r>
+              <a:rPr lang="en-US" dirty="0"/>
+              <a:t>NVA</a:t>
+            </a:r>
+            <a:endParaRPr lang="de-DE" dirty="0"/>
+          </a:p>
+        </p:txBody>
+      </p:sp>
+      <p:sp>
+        <p:nvSpPr>
+          <p:cNvPr id="20" name="TextBox 19">
+            <a:extLst>
+              <a:ext uri="{FF2B5EF4-FFF2-40B4-BE49-F238E27FC236}">
+                <a16:creationId xmlns:a16="http://schemas.microsoft.com/office/drawing/2014/main" id="{A6B3856E-C6B2-408A-A024-E1173160024F}"/>
+              </a:ext>
+            </a:extLst>
+          </p:cNvPr>
+          <p:cNvSpPr txBox="1"/>
+          <p:nvPr/>
+        </p:nvSpPr>
+        <p:spPr>
+          <a:xfrm>
+            <a:off x="7494829" y="4489285"/>
+            <a:ext cx="809299" cy="369332"/>
+          </a:xfrm>
+          <a:prstGeom prst="rect">
+            <a:avLst/>
+          </a:prstGeom>
+          <a:noFill/>
+        </p:spPr>
+        <p:txBody>
+          <a:bodyPr wrap="square" rtlCol="0">
+            <a:spAutoFit/>
+          </a:bodyPr>
+          <a:lstStyle/>
+          <a:p>
+            <a:pPr algn="ctr"/>
+            <a:r>
+              <a:rPr lang="en-US" dirty="0"/>
+              <a:t>VM2</a:t>
+            </a:r>
+            <a:endParaRPr lang="de-DE" dirty="0"/>
+          </a:p>
+        </p:txBody>
+      </p:sp>
+      <p:cxnSp>
+        <p:nvCxnSpPr>
+          <p:cNvPr id="21" name="Straight Connector 20">
+            <a:extLst>
+              <a:ext uri="{FF2B5EF4-FFF2-40B4-BE49-F238E27FC236}">
+                <a16:creationId xmlns:a16="http://schemas.microsoft.com/office/drawing/2014/main" id="{DBDFCA41-B4F7-4CEA-9B2A-3BB83ECBD9BF}"/>
+              </a:ext>
+            </a:extLst>
+          </p:cNvPr>
+          <p:cNvCxnSpPr>
+            <a:cxnSpLocks/>
+            <a:stCxn id="5" idx="2"/>
+            <a:endCxn id="15" idx="0"/>
+          </p:cNvCxnSpPr>
+          <p:nvPr/>
+        </p:nvCxnSpPr>
+        <p:spPr>
+          <a:xfrm>
+            <a:off x="2571731" y="3471623"/>
+            <a:ext cx="15643" cy="485142"/>
+          </a:xfrm>
+          <a:prstGeom prst="line">
+            <a:avLst/>
+          </a:prstGeom>
+        </p:spPr>
+        <p:style>
+          <a:lnRef idx="1">
+            <a:schemeClr val="accent1"/>
+          </a:lnRef>
+          <a:fillRef idx="0">
+            <a:schemeClr val="accent1"/>
+          </a:fillRef>
+          <a:effectRef idx="0">
+            <a:schemeClr val="accent1"/>
+          </a:effectRef>
+          <a:fontRef idx="minor">
+            <a:schemeClr val="tx1"/>
+          </a:fontRef>
+        </p:style>
+      </p:cxnSp>
+      <p:cxnSp>
+        <p:nvCxnSpPr>
+          <p:cNvPr id="24" name="Straight Connector 23">
+            <a:extLst>
+              <a:ext uri="{FF2B5EF4-FFF2-40B4-BE49-F238E27FC236}">
+                <a16:creationId xmlns:a16="http://schemas.microsoft.com/office/drawing/2014/main" id="{3335737D-FBB8-4D37-AFA1-FFE8FF45E03D}"/>
+              </a:ext>
+            </a:extLst>
+          </p:cNvPr>
+          <p:cNvCxnSpPr>
+            <a:cxnSpLocks/>
+            <a:stCxn id="8" idx="2"/>
+            <a:endCxn id="14" idx="0"/>
+          </p:cNvCxnSpPr>
+          <p:nvPr/>
+        </p:nvCxnSpPr>
+        <p:spPr>
+          <a:xfrm>
+            <a:off x="5186500" y="3498564"/>
+            <a:ext cx="9046" cy="458201"/>
+          </a:xfrm>
+          <a:prstGeom prst="line">
+            <a:avLst/>
+          </a:prstGeom>
+        </p:spPr>
+        <p:style>
+          <a:lnRef idx="1">
+            <a:schemeClr val="accent1"/>
+          </a:lnRef>
+          <a:fillRef idx="0">
+            <a:schemeClr val="accent1"/>
+          </a:fillRef>
+          <a:effectRef idx="0">
+            <a:schemeClr val="accent1"/>
+          </a:effectRef>
+          <a:fontRef idx="minor">
+            <a:schemeClr val="tx1"/>
+          </a:fontRef>
+        </p:style>
+      </p:cxnSp>
+      <p:cxnSp>
+        <p:nvCxnSpPr>
+          <p:cNvPr id="29" name="Straight Connector 28">
+            <a:extLst>
+              <a:ext uri="{FF2B5EF4-FFF2-40B4-BE49-F238E27FC236}">
+                <a16:creationId xmlns:a16="http://schemas.microsoft.com/office/drawing/2014/main" id="{DFDF0B39-3A10-49F4-8F4C-F87C2FDAFF2C}"/>
+              </a:ext>
+            </a:extLst>
+          </p:cNvPr>
+          <p:cNvCxnSpPr>
+            <a:cxnSpLocks/>
+            <a:stCxn id="7" idx="2"/>
+            <a:endCxn id="16" idx="0"/>
+          </p:cNvCxnSpPr>
+          <p:nvPr/>
+        </p:nvCxnSpPr>
+        <p:spPr>
+          <a:xfrm>
+            <a:off x="7845379" y="3496223"/>
+            <a:ext cx="0" cy="403138"/>
+          </a:xfrm>
+          <a:prstGeom prst="line">
+            <a:avLst/>
+          </a:prstGeom>
+        </p:spPr>
+        <p:style>
+          <a:lnRef idx="1">
+            <a:schemeClr val="accent1"/>
+          </a:lnRef>
+          <a:fillRef idx="0">
+            <a:schemeClr val="accent1"/>
+          </a:fillRef>
+          <a:effectRef idx="0">
+            <a:schemeClr val="accent1"/>
+          </a:effectRef>
+          <a:fontRef idx="minor">
+            <a:schemeClr val="tx1"/>
+          </a:fontRef>
+        </p:style>
+      </p:cxnSp>
+      <p:cxnSp>
+        <p:nvCxnSpPr>
+          <p:cNvPr id="32" name="Straight Connector 31">
+            <a:extLst>
+              <a:ext uri="{FF2B5EF4-FFF2-40B4-BE49-F238E27FC236}">
+                <a16:creationId xmlns:a16="http://schemas.microsoft.com/office/drawing/2014/main" id="{45AEB04B-F538-42C6-A21A-23DF5697CD94}"/>
+              </a:ext>
+            </a:extLst>
+          </p:cNvPr>
+          <p:cNvCxnSpPr>
+            <a:cxnSpLocks/>
+            <a:stCxn id="3" idx="3"/>
+            <a:endCxn id="2" idx="1"/>
+          </p:cNvCxnSpPr>
+          <p:nvPr/>
+        </p:nvCxnSpPr>
+        <p:spPr>
+          <a:xfrm>
+            <a:off x="2832823" y="2431540"/>
+            <a:ext cx="2073794" cy="0"/>
+          </a:xfrm>
+          <a:prstGeom prst="line">
+            <a:avLst/>
+          </a:prstGeom>
+        </p:spPr>
+        <p:style>
+          <a:lnRef idx="1">
+            <a:schemeClr val="accent1"/>
+          </a:lnRef>
+          <a:fillRef idx="0">
+            <a:schemeClr val="accent1"/>
+          </a:fillRef>
+          <a:effectRef idx="0">
+            <a:schemeClr val="accent1"/>
+          </a:effectRef>
+          <a:fontRef idx="minor">
+            <a:schemeClr val="tx1"/>
+          </a:fontRef>
+        </p:style>
+      </p:cxnSp>
+      <p:cxnSp>
+        <p:nvCxnSpPr>
+          <p:cNvPr id="34" name="Straight Connector 33">
+            <a:extLst>
+              <a:ext uri="{FF2B5EF4-FFF2-40B4-BE49-F238E27FC236}">
+                <a16:creationId xmlns:a16="http://schemas.microsoft.com/office/drawing/2014/main" id="{49846563-2550-4CD9-8888-8635A1ED56B8}"/>
+              </a:ext>
+            </a:extLst>
+          </p:cNvPr>
+          <p:cNvCxnSpPr>
+            <a:cxnSpLocks/>
+            <a:stCxn id="2" idx="3"/>
+            <a:endCxn id="4" idx="1"/>
+          </p:cNvCxnSpPr>
+          <p:nvPr/>
+        </p:nvCxnSpPr>
+        <p:spPr>
+          <a:xfrm>
+            <a:off x="5445707" y="2431540"/>
+            <a:ext cx="2125375" cy="0"/>
+          </a:xfrm>
+          <a:prstGeom prst="line">
+            <a:avLst/>
+          </a:prstGeom>
+        </p:spPr>
+        <p:style>
+          <a:lnRef idx="1">
+            <a:schemeClr val="accent1"/>
+          </a:lnRef>
+          <a:fillRef idx="0">
+            <a:schemeClr val="accent1"/>
+          </a:fillRef>
+          <a:effectRef idx="0">
+            <a:schemeClr val="accent1"/>
+          </a:effectRef>
+          <a:fontRef idx="minor">
+            <a:schemeClr val="tx1"/>
+          </a:fontRef>
+        </p:style>
+      </p:cxnSp>
+      <p:sp>
+        <p:nvSpPr>
+          <p:cNvPr id="50" name="TextBox 49">
+            <a:extLst>
+              <a:ext uri="{FF2B5EF4-FFF2-40B4-BE49-F238E27FC236}">
+                <a16:creationId xmlns:a16="http://schemas.microsoft.com/office/drawing/2014/main" id="{D2148355-3611-4070-AF41-C4690EB2F67A}"/>
+              </a:ext>
+            </a:extLst>
+          </p:cNvPr>
+          <p:cNvSpPr txBox="1"/>
+          <p:nvPr/>
+        </p:nvSpPr>
+        <p:spPr>
+          <a:xfrm>
+            <a:off x="3410284" y="2114125"/>
+            <a:ext cx="838211" cy="307777"/>
+          </a:xfrm>
+          <a:prstGeom prst="rect">
+            <a:avLst/>
+          </a:prstGeom>
+          <a:noFill/>
+        </p:spPr>
+        <p:txBody>
+          <a:bodyPr wrap="square" rtlCol="0">
+            <a:spAutoFit/>
+          </a:bodyPr>
+          <a:lstStyle/>
+          <a:p>
+            <a:pPr algn="ctr"/>
+            <a:r>
+              <a:rPr lang="en-US" sz="1400" dirty="0">
+                <a:solidFill>
+                  <a:schemeClr val="accent1"/>
+                </a:solidFill>
+              </a:rPr>
+              <a:t>Peering</a:t>
+            </a:r>
+            <a:endParaRPr lang="de-DE" sz="1400" dirty="0">
+              <a:solidFill>
+                <a:schemeClr val="accent1"/>
+              </a:solidFill>
+            </a:endParaRPr>
+          </a:p>
+        </p:txBody>
+      </p:sp>
+      <p:sp>
+        <p:nvSpPr>
+          <p:cNvPr id="52" name="TextBox 51">
+            <a:extLst>
+              <a:ext uri="{FF2B5EF4-FFF2-40B4-BE49-F238E27FC236}">
+                <a16:creationId xmlns:a16="http://schemas.microsoft.com/office/drawing/2014/main" id="{B1D09140-26B0-4C7C-8B36-33AE1172B4F8}"/>
+              </a:ext>
+            </a:extLst>
+          </p:cNvPr>
+          <p:cNvSpPr txBox="1"/>
+          <p:nvPr/>
+        </p:nvSpPr>
+        <p:spPr>
+          <a:xfrm>
+            <a:off x="6184355" y="2114124"/>
+            <a:ext cx="838211" cy="307777"/>
+          </a:xfrm>
+          <a:prstGeom prst="rect">
+            <a:avLst/>
+          </a:prstGeom>
+          <a:noFill/>
+        </p:spPr>
+        <p:txBody>
+          <a:bodyPr wrap="square" rtlCol="0">
+            <a:spAutoFit/>
+          </a:bodyPr>
+          <a:lstStyle/>
+          <a:p>
+            <a:pPr algn="ctr"/>
+            <a:r>
+              <a:rPr lang="en-US" sz="1400" dirty="0">
+                <a:solidFill>
+                  <a:schemeClr val="accent1"/>
+                </a:solidFill>
+              </a:rPr>
+              <a:t>Peering</a:t>
+            </a:r>
+            <a:endParaRPr lang="de-DE" sz="1400" dirty="0">
+              <a:solidFill>
+                <a:schemeClr val="accent1"/>
+              </a:solidFill>
+            </a:endParaRPr>
+          </a:p>
+        </p:txBody>
+      </p:sp>
+      <p:cxnSp>
+        <p:nvCxnSpPr>
+          <p:cNvPr id="53" name="Straight Connector 52">
+            <a:extLst>
+              <a:ext uri="{FF2B5EF4-FFF2-40B4-BE49-F238E27FC236}">
+                <a16:creationId xmlns:a16="http://schemas.microsoft.com/office/drawing/2014/main" id="{AC1F0943-1E68-4DA0-877B-64B02C288C82}"/>
+              </a:ext>
+            </a:extLst>
+          </p:cNvPr>
+          <p:cNvCxnSpPr>
+            <a:cxnSpLocks/>
+            <a:stCxn id="3" idx="2"/>
+            <a:endCxn id="5" idx="0"/>
+          </p:cNvCxnSpPr>
+          <p:nvPr/>
+        </p:nvCxnSpPr>
+        <p:spPr>
+          <a:xfrm>
+            <a:off x="2563278" y="2701085"/>
+            <a:ext cx="8453" cy="300638"/>
+          </a:xfrm>
+          <a:prstGeom prst="line">
+            <a:avLst/>
+          </a:prstGeom>
+        </p:spPr>
+        <p:style>
+          <a:lnRef idx="1">
+            <a:schemeClr val="accent1"/>
+          </a:lnRef>
+          <a:fillRef idx="0">
+            <a:schemeClr val="accent1"/>
+          </a:fillRef>
+          <a:effectRef idx="0">
+            <a:schemeClr val="accent1"/>
+          </a:effectRef>
+          <a:fontRef idx="minor">
+            <a:schemeClr val="tx1"/>
+          </a:fontRef>
+        </p:style>
+      </p:cxnSp>
+      <p:cxnSp>
+        <p:nvCxnSpPr>
+          <p:cNvPr id="58" name="Straight Connector 57">
+            <a:extLst>
+              <a:ext uri="{FF2B5EF4-FFF2-40B4-BE49-F238E27FC236}">
+                <a16:creationId xmlns:a16="http://schemas.microsoft.com/office/drawing/2014/main" id="{29533E29-219C-4D5D-ABDF-14921F16ABAC}"/>
+              </a:ext>
+            </a:extLst>
+          </p:cNvPr>
+          <p:cNvCxnSpPr>
+            <a:cxnSpLocks/>
+            <a:stCxn id="4" idx="2"/>
+            <a:endCxn id="7" idx="0"/>
+          </p:cNvCxnSpPr>
+          <p:nvPr/>
+        </p:nvCxnSpPr>
+        <p:spPr>
+          <a:xfrm>
+            <a:off x="7840627" y="2701085"/>
+            <a:ext cx="4752" cy="325238"/>
+          </a:xfrm>
+          <a:prstGeom prst="line">
+            <a:avLst/>
+          </a:prstGeom>
+        </p:spPr>
+        <p:style>
+          <a:lnRef idx="1">
+            <a:schemeClr val="accent1"/>
+          </a:lnRef>
+          <a:fillRef idx="0">
+            <a:schemeClr val="accent1"/>
+          </a:fillRef>
+          <a:effectRef idx="0">
+            <a:schemeClr val="accent1"/>
+          </a:effectRef>
+          <a:fontRef idx="minor">
+            <a:schemeClr val="tx1"/>
+          </a:fontRef>
+        </p:style>
+      </p:cxnSp>
+      <p:cxnSp>
+        <p:nvCxnSpPr>
+          <p:cNvPr id="64" name="Straight Connector 63">
+            <a:extLst>
+              <a:ext uri="{FF2B5EF4-FFF2-40B4-BE49-F238E27FC236}">
+                <a16:creationId xmlns:a16="http://schemas.microsoft.com/office/drawing/2014/main" id="{570BB633-D6C8-4814-B2AE-941DE5C0496F}"/>
+              </a:ext>
+            </a:extLst>
+          </p:cNvPr>
+          <p:cNvCxnSpPr>
+            <a:cxnSpLocks/>
+            <a:stCxn id="2" idx="2"/>
+            <a:endCxn id="8" idx="0"/>
+          </p:cNvCxnSpPr>
+          <p:nvPr/>
+        </p:nvCxnSpPr>
+        <p:spPr>
+          <a:xfrm>
+            <a:off x="5176162" y="2701085"/>
+            <a:ext cx="10338" cy="327579"/>
+          </a:xfrm>
+          <a:prstGeom prst="line">
+            <a:avLst/>
+          </a:prstGeom>
+        </p:spPr>
+        <p:style>
+          <a:lnRef idx="1">
+            <a:schemeClr val="accent1"/>
+          </a:lnRef>
+          <a:fillRef idx="0">
+            <a:schemeClr val="accent1"/>
+          </a:fillRef>
+          <a:effectRef idx="0">
+            <a:schemeClr val="accent1"/>
+          </a:effectRef>
+          <a:fontRef idx="minor">
+            <a:schemeClr val="tx1"/>
+          </a:fontRef>
+        </p:style>
+      </p:cxnSp>
+      <p:cxnSp>
+        <p:nvCxnSpPr>
+          <p:cNvPr id="70" name="Straight Connector 69">
+            <a:extLst>
+              <a:ext uri="{FF2B5EF4-FFF2-40B4-BE49-F238E27FC236}">
+                <a16:creationId xmlns:a16="http://schemas.microsoft.com/office/drawing/2014/main" id="{9B45E834-36B5-40E0-948C-050F14995100}"/>
+              </a:ext>
+            </a:extLst>
+          </p:cNvPr>
+          <p:cNvCxnSpPr>
+            <a:cxnSpLocks/>
+            <a:stCxn id="2" idx="2"/>
+            <a:endCxn id="10" idx="0"/>
+          </p:cNvCxnSpPr>
+          <p:nvPr/>
+        </p:nvCxnSpPr>
+        <p:spPr>
+          <a:xfrm flipH="1">
+            <a:off x="4365003" y="2701085"/>
+            <a:ext cx="811159" cy="320929"/>
+          </a:xfrm>
+          <a:prstGeom prst="line">
+            <a:avLst/>
+          </a:prstGeom>
+        </p:spPr>
+        <p:style>
+          <a:lnRef idx="1">
+            <a:schemeClr val="accent1"/>
+          </a:lnRef>
+          <a:fillRef idx="0">
+            <a:schemeClr val="accent1"/>
+          </a:fillRef>
+          <a:effectRef idx="0">
+            <a:schemeClr val="accent1"/>
+          </a:effectRef>
+          <a:fontRef idx="minor">
+            <a:schemeClr val="tx1"/>
+          </a:fontRef>
+        </p:style>
+      </p:cxnSp>
+      <p:cxnSp>
+        <p:nvCxnSpPr>
+          <p:cNvPr id="73" name="Straight Connector 72">
+            <a:extLst>
+              <a:ext uri="{FF2B5EF4-FFF2-40B4-BE49-F238E27FC236}">
+                <a16:creationId xmlns:a16="http://schemas.microsoft.com/office/drawing/2014/main" id="{E26BA6A6-4480-42CD-AB7F-5336567584CD}"/>
+              </a:ext>
+            </a:extLst>
+          </p:cNvPr>
+          <p:cNvCxnSpPr>
+            <a:cxnSpLocks/>
+            <a:stCxn id="2" idx="2"/>
+            <a:endCxn id="9" idx="0"/>
+          </p:cNvCxnSpPr>
+          <p:nvPr/>
+        </p:nvCxnSpPr>
+        <p:spPr>
+          <a:xfrm>
+            <a:off x="5176162" y="2701085"/>
+            <a:ext cx="927667" cy="303712"/>
+          </a:xfrm>
+          <a:prstGeom prst="line">
+            <a:avLst/>
+          </a:prstGeom>
+        </p:spPr>
+        <p:style>
+          <a:lnRef idx="1">
+            <a:schemeClr val="accent1"/>
+          </a:lnRef>
+          <a:fillRef idx="0">
+            <a:schemeClr val="accent1"/>
+          </a:fillRef>
+          <a:effectRef idx="0">
+            <a:schemeClr val="accent1"/>
+          </a:effectRef>
+          <a:fontRef idx="minor">
+            <a:schemeClr val="tx1"/>
+          </a:fontRef>
+        </p:style>
+      </p:cxnSp>
+      <p:sp>
+        <p:nvSpPr>
+          <p:cNvPr id="39" name="TextBox 38">
+            <a:extLst>
+              <a:ext uri="{FF2B5EF4-FFF2-40B4-BE49-F238E27FC236}">
+                <a16:creationId xmlns:a16="http://schemas.microsoft.com/office/drawing/2014/main" id="{32EBFF28-ABBD-4909-B3DA-F5A015FD219C}"/>
+              </a:ext>
+            </a:extLst>
+          </p:cNvPr>
+          <p:cNvSpPr txBox="1"/>
+          <p:nvPr/>
+        </p:nvSpPr>
+        <p:spPr>
+          <a:xfrm>
+            <a:off x="2158628" y="5131583"/>
+            <a:ext cx="1037851" cy="369332"/>
+          </a:xfrm>
+          <a:prstGeom prst="rect">
+            <a:avLst/>
+          </a:prstGeom>
+          <a:noFill/>
+        </p:spPr>
+        <p:txBody>
+          <a:bodyPr wrap="square" rtlCol="0">
+            <a:spAutoFit/>
+          </a:bodyPr>
+          <a:lstStyle/>
+          <a:p>
+            <a:pPr algn="ctr"/>
+            <a:r>
+              <a:rPr lang="en-US" dirty="0"/>
+              <a:t>10.1.0.4</a:t>
+            </a:r>
+            <a:endParaRPr lang="de-DE" dirty="0"/>
+          </a:p>
+        </p:txBody>
+      </p:sp>
+      <p:sp>
+        <p:nvSpPr>
+          <p:cNvPr id="40" name="TextBox 39">
+            <a:extLst>
+              <a:ext uri="{FF2B5EF4-FFF2-40B4-BE49-F238E27FC236}">
+                <a16:creationId xmlns:a16="http://schemas.microsoft.com/office/drawing/2014/main" id="{6CE24A00-9444-42BF-B96E-6D1EDEE42216}"/>
+              </a:ext>
+            </a:extLst>
+          </p:cNvPr>
+          <p:cNvSpPr txBox="1"/>
+          <p:nvPr/>
+        </p:nvSpPr>
+        <p:spPr>
+          <a:xfrm>
+            <a:off x="4676620" y="5057815"/>
+            <a:ext cx="1037851" cy="369332"/>
+          </a:xfrm>
+          <a:prstGeom prst="rect">
+            <a:avLst/>
+          </a:prstGeom>
+          <a:noFill/>
+        </p:spPr>
+        <p:txBody>
+          <a:bodyPr wrap="square" rtlCol="0">
+            <a:spAutoFit/>
+          </a:bodyPr>
+          <a:lstStyle/>
+          <a:p>
+            <a:pPr algn="ctr"/>
+            <a:r>
+              <a:rPr lang="en-US" dirty="0"/>
+              <a:t>10.0.0.4</a:t>
+            </a:r>
+            <a:endParaRPr lang="de-DE" dirty="0"/>
+          </a:p>
+        </p:txBody>
+      </p:sp>
+      <p:sp>
+        <p:nvSpPr>
+          <p:cNvPr id="41" name="TextBox 40">
+            <a:extLst>
+              <a:ext uri="{FF2B5EF4-FFF2-40B4-BE49-F238E27FC236}">
+                <a16:creationId xmlns:a16="http://schemas.microsoft.com/office/drawing/2014/main" id="{5C13ECE4-AB78-46BF-A220-B4BC4C71D201}"/>
+              </a:ext>
+            </a:extLst>
+          </p:cNvPr>
+          <p:cNvSpPr txBox="1"/>
+          <p:nvPr/>
+        </p:nvSpPr>
+        <p:spPr>
+          <a:xfrm>
+            <a:off x="7380552" y="5054781"/>
+            <a:ext cx="1037851" cy="369332"/>
+          </a:xfrm>
+          <a:prstGeom prst="rect">
+            <a:avLst/>
+          </a:prstGeom>
+          <a:noFill/>
+        </p:spPr>
+        <p:txBody>
+          <a:bodyPr wrap="square" rtlCol="0">
+            <a:spAutoFit/>
+          </a:bodyPr>
+          <a:lstStyle/>
+          <a:p>
+            <a:pPr algn="ctr"/>
+            <a:r>
+              <a:rPr lang="en-US" dirty="0"/>
+              <a:t>10.2.0.4</a:t>
+            </a:r>
+            <a:endParaRPr lang="de-DE" dirty="0"/>
+          </a:p>
+        </p:txBody>
+      </p:sp>
+    </p:spTree>
+    <p:extLst>
+      <p:ext uri="{BB962C8B-B14F-4D97-AF65-F5344CB8AC3E}">
+        <p14:creationId xmlns:p14="http://schemas.microsoft.com/office/powerpoint/2010/main" val="3069906447"/>
+      </p:ext>
+    </p:extLst>
+  </p:cSld>
+  <p:clrMapOvr>
+    <a:masterClrMapping/>
+  </p:clrMapOvr>
+</p:sld>
+</file>
+
+<file path=ppt/slides/slide11.xml><?xml version="1.0" encoding="utf-8"?>
+<p:sld xmlns:a="http://schemas.openxmlformats.org/drawingml/2006/main" xmlns:r="http://schemas.openxmlformats.org/officeDocument/2006/relationships" xmlns:p="http://schemas.openxmlformats.org/presentationml/2006/main">
+  <p:cSld>
+    <p:spTree>
+      <p:nvGrpSpPr>
+        <p:cNvPr id="1" name=""/>
+        <p:cNvGrpSpPr/>
+        <p:nvPr/>
+      </p:nvGrpSpPr>
+      <p:grpSpPr>
+        <a:xfrm>
+          <a:off x="0" y="0"/>
+          <a:ext cx="0" cy="0"/>
+          <a:chOff x="0" y="0"/>
+          <a:chExt cx="0" cy="0"/>
+        </a:xfrm>
+      </p:grpSpPr>
+      <p:pic>
+        <p:nvPicPr>
+          <p:cNvPr id="2" name="Graphic 1">
+            <a:extLst>
+              <a:ext uri="{FF2B5EF4-FFF2-40B4-BE49-F238E27FC236}">
+                <a16:creationId xmlns:a16="http://schemas.microsoft.com/office/drawing/2014/main" id="{C2505F20-3047-441E-BB49-80B1AD432C8E}"/>
+              </a:ext>
+            </a:extLst>
+          </p:cNvPr>
+          <p:cNvPicPr>
+            <a:picLocks noChangeAspect="1"/>
+          </p:cNvPicPr>
+          <p:nvPr/>
+        </p:nvPicPr>
+        <p:blipFill>
+          <a:blip r:embed="rId2">
+            <a:extLst>
+              <a:ext uri="{28A0092B-C50C-407E-A947-70E740481C1C}">
+                <a14:useLocalDpi xmlns:a14="http://schemas.microsoft.com/office/drawing/2010/main" val="0"/>
+              </a:ext>
+              <a:ext uri="{96DAC541-7B7A-43D3-8B79-37D633B846F1}">
+                <asvg:svgBlip xmlns:asvg="http://schemas.microsoft.com/office/drawing/2016/SVG/main" r:embed="rId3"/>
+              </a:ext>
+            </a:extLst>
+          </a:blip>
+          <a:stretch>
+            <a:fillRect/>
+          </a:stretch>
+        </p:blipFill>
+        <p:spPr>
+          <a:xfrm>
+            <a:off x="4906617" y="2161995"/>
+            <a:ext cx="539090" cy="539090"/>
+          </a:xfrm>
+          <a:prstGeom prst="rect">
+            <a:avLst/>
+          </a:prstGeom>
+        </p:spPr>
+      </p:pic>
+      <p:pic>
+        <p:nvPicPr>
+          <p:cNvPr id="3" name="Graphic 2">
+            <a:extLst>
+              <a:ext uri="{FF2B5EF4-FFF2-40B4-BE49-F238E27FC236}">
+                <a16:creationId xmlns:a16="http://schemas.microsoft.com/office/drawing/2014/main" id="{C68BF8F9-1AD5-4333-A4D6-341031D661D0}"/>
+              </a:ext>
+            </a:extLst>
+          </p:cNvPr>
+          <p:cNvPicPr>
+            <a:picLocks noChangeAspect="1"/>
+          </p:cNvPicPr>
+          <p:nvPr/>
+        </p:nvPicPr>
+        <p:blipFill>
+          <a:blip r:embed="rId2">
+            <a:extLst>
+              <a:ext uri="{28A0092B-C50C-407E-A947-70E740481C1C}">
+                <a14:useLocalDpi xmlns:a14="http://schemas.microsoft.com/office/drawing/2010/main" val="0"/>
+              </a:ext>
+              <a:ext uri="{96DAC541-7B7A-43D3-8B79-37D633B846F1}">
+                <asvg:svgBlip xmlns:asvg="http://schemas.microsoft.com/office/drawing/2016/SVG/main" r:embed="rId3"/>
+              </a:ext>
+            </a:extLst>
+          </a:blip>
+          <a:stretch>
+            <a:fillRect/>
+          </a:stretch>
+        </p:blipFill>
+        <p:spPr>
+          <a:xfrm>
+            <a:off x="2293733" y="2161995"/>
+            <a:ext cx="539090" cy="539090"/>
+          </a:xfrm>
+          <a:prstGeom prst="rect">
+            <a:avLst/>
+          </a:prstGeom>
+        </p:spPr>
+      </p:pic>
+      <p:pic>
+        <p:nvPicPr>
+          <p:cNvPr id="4" name="Graphic 3">
+            <a:extLst>
+              <a:ext uri="{FF2B5EF4-FFF2-40B4-BE49-F238E27FC236}">
+                <a16:creationId xmlns:a16="http://schemas.microsoft.com/office/drawing/2014/main" id="{99FA2CCE-25CA-4BCC-950F-66EC41CCB7E6}"/>
+              </a:ext>
+            </a:extLst>
+          </p:cNvPr>
+          <p:cNvPicPr>
+            <a:picLocks noChangeAspect="1"/>
+          </p:cNvPicPr>
+          <p:nvPr/>
+        </p:nvPicPr>
+        <p:blipFill>
+          <a:blip r:embed="rId2">
+            <a:extLst>
+              <a:ext uri="{28A0092B-C50C-407E-A947-70E740481C1C}">
+                <a14:useLocalDpi xmlns:a14="http://schemas.microsoft.com/office/drawing/2010/main" val="0"/>
+              </a:ext>
+              <a:ext uri="{96DAC541-7B7A-43D3-8B79-37D633B846F1}">
+                <asvg:svgBlip xmlns:asvg="http://schemas.microsoft.com/office/drawing/2016/SVG/main" r:embed="rId3"/>
+              </a:ext>
+            </a:extLst>
+          </a:blip>
+          <a:stretch>
+            <a:fillRect/>
+          </a:stretch>
+        </p:blipFill>
+        <p:spPr>
+          <a:xfrm>
+            <a:off x="7571082" y="2161995"/>
+            <a:ext cx="539090" cy="539090"/>
+          </a:xfrm>
+          <a:prstGeom prst="rect">
+            <a:avLst/>
+          </a:prstGeom>
+        </p:spPr>
+      </p:pic>
+      <p:pic>
+        <p:nvPicPr>
+          <p:cNvPr id="5" name="Graphic 4">
+            <a:extLst>
+              <a:ext uri="{FF2B5EF4-FFF2-40B4-BE49-F238E27FC236}">
+                <a16:creationId xmlns:a16="http://schemas.microsoft.com/office/drawing/2014/main" id="{C493085D-EB05-4547-9B8C-BFFFC35AAB61}"/>
+              </a:ext>
+            </a:extLst>
+          </p:cNvPr>
+          <p:cNvPicPr>
+            <a:picLocks noChangeAspect="1"/>
+          </p:cNvPicPr>
+          <p:nvPr/>
+        </p:nvPicPr>
+        <p:blipFill>
+          <a:blip r:embed="rId4">
+            <a:extLst>
+              <a:ext uri="{28A0092B-C50C-407E-A947-70E740481C1C}">
+                <a14:useLocalDpi xmlns:a14="http://schemas.microsoft.com/office/drawing/2010/main" val="0"/>
+              </a:ext>
+              <a:ext uri="{96DAC541-7B7A-43D3-8B79-37D633B846F1}">
+                <asvg:svgBlip xmlns:asvg="http://schemas.microsoft.com/office/drawing/2016/SVG/main" r:embed="rId5"/>
+              </a:ext>
+            </a:extLst>
+          </a:blip>
+          <a:stretch>
+            <a:fillRect/>
+          </a:stretch>
+        </p:blipFill>
+        <p:spPr>
+          <a:xfrm>
+            <a:off x="2336781" y="3001723"/>
+            <a:ext cx="469900" cy="469900"/>
+          </a:xfrm>
+          <a:prstGeom prst="rect">
+            <a:avLst/>
+          </a:prstGeom>
+        </p:spPr>
+      </p:pic>
+      <p:pic>
+        <p:nvPicPr>
+          <p:cNvPr id="7" name="Graphic 6">
+            <a:extLst>
+              <a:ext uri="{FF2B5EF4-FFF2-40B4-BE49-F238E27FC236}">
+                <a16:creationId xmlns:a16="http://schemas.microsoft.com/office/drawing/2014/main" id="{2258BA33-10DA-409B-B553-2DBD90F1BCCC}"/>
+              </a:ext>
+            </a:extLst>
+          </p:cNvPr>
+          <p:cNvPicPr>
+            <a:picLocks noChangeAspect="1"/>
+          </p:cNvPicPr>
+          <p:nvPr/>
+        </p:nvPicPr>
+        <p:blipFill>
+          <a:blip r:embed="rId4">
+            <a:extLst>
+              <a:ext uri="{28A0092B-C50C-407E-A947-70E740481C1C}">
+                <a14:useLocalDpi xmlns:a14="http://schemas.microsoft.com/office/drawing/2010/main" val="0"/>
+              </a:ext>
+              <a:ext uri="{96DAC541-7B7A-43D3-8B79-37D633B846F1}">
+                <asvg:svgBlip xmlns:asvg="http://schemas.microsoft.com/office/drawing/2016/SVG/main" r:embed="rId5"/>
+              </a:ext>
+            </a:extLst>
+          </a:blip>
+          <a:stretch>
+            <a:fillRect/>
+          </a:stretch>
+        </p:blipFill>
+        <p:spPr>
+          <a:xfrm>
+            <a:off x="7610429" y="3026323"/>
+            <a:ext cx="469900" cy="469900"/>
+          </a:xfrm>
+          <a:prstGeom prst="rect">
+            <a:avLst/>
+          </a:prstGeom>
+        </p:spPr>
+      </p:pic>
+      <p:pic>
+        <p:nvPicPr>
+          <p:cNvPr id="8" name="Graphic 7">
+            <a:extLst>
+              <a:ext uri="{FF2B5EF4-FFF2-40B4-BE49-F238E27FC236}">
+                <a16:creationId xmlns:a16="http://schemas.microsoft.com/office/drawing/2014/main" id="{938AD901-1D1B-437B-90A9-F306776E8088}"/>
+              </a:ext>
+            </a:extLst>
+          </p:cNvPr>
+          <p:cNvPicPr>
+            <a:picLocks noChangeAspect="1"/>
+          </p:cNvPicPr>
+          <p:nvPr/>
+        </p:nvPicPr>
+        <p:blipFill>
+          <a:blip r:embed="rId4">
+            <a:extLst>
+              <a:ext uri="{28A0092B-C50C-407E-A947-70E740481C1C}">
+                <a14:useLocalDpi xmlns:a14="http://schemas.microsoft.com/office/drawing/2010/main" val="0"/>
+              </a:ext>
+              <a:ext uri="{96DAC541-7B7A-43D3-8B79-37D633B846F1}">
+                <asvg:svgBlip xmlns:asvg="http://schemas.microsoft.com/office/drawing/2016/SVG/main" r:embed="rId5"/>
+              </a:ext>
+            </a:extLst>
+          </a:blip>
+          <a:stretch>
+            <a:fillRect/>
+          </a:stretch>
+        </p:blipFill>
+        <p:spPr>
+          <a:xfrm>
+            <a:off x="4951550" y="3028664"/>
+            <a:ext cx="469900" cy="469900"/>
+          </a:xfrm>
+          <a:prstGeom prst="rect">
+            <a:avLst/>
+          </a:prstGeom>
+        </p:spPr>
+      </p:pic>
+      <p:pic>
+        <p:nvPicPr>
+          <p:cNvPr id="9" name="Graphic 8">
+            <a:extLst>
+              <a:ext uri="{FF2B5EF4-FFF2-40B4-BE49-F238E27FC236}">
+                <a16:creationId xmlns:a16="http://schemas.microsoft.com/office/drawing/2014/main" id="{37667A7E-247A-4149-967C-46B41ADFB9C7}"/>
+              </a:ext>
+            </a:extLst>
+          </p:cNvPr>
+          <p:cNvPicPr>
+            <a:picLocks noChangeAspect="1"/>
+          </p:cNvPicPr>
+          <p:nvPr/>
+        </p:nvPicPr>
+        <p:blipFill>
+          <a:blip r:embed="rId4">
+            <a:extLst>
+              <a:ext uri="{28A0092B-C50C-407E-A947-70E740481C1C}">
+                <a14:useLocalDpi xmlns:a14="http://schemas.microsoft.com/office/drawing/2010/main" val="0"/>
+              </a:ext>
+              <a:ext uri="{96DAC541-7B7A-43D3-8B79-37D633B846F1}">
+                <asvg:svgBlip xmlns:asvg="http://schemas.microsoft.com/office/drawing/2016/SVG/main" r:embed="rId5"/>
+              </a:ext>
+            </a:extLst>
+          </a:blip>
+          <a:stretch>
+            <a:fillRect/>
+          </a:stretch>
+        </p:blipFill>
+        <p:spPr>
+          <a:xfrm>
+            <a:off x="5868879" y="3004797"/>
+            <a:ext cx="469900" cy="469900"/>
+          </a:xfrm>
+          <a:prstGeom prst="rect">
+            <a:avLst/>
+          </a:prstGeom>
+        </p:spPr>
+      </p:pic>
+      <p:pic>
+        <p:nvPicPr>
+          <p:cNvPr id="10" name="Graphic 9">
+            <a:extLst>
+              <a:ext uri="{FF2B5EF4-FFF2-40B4-BE49-F238E27FC236}">
+                <a16:creationId xmlns:a16="http://schemas.microsoft.com/office/drawing/2014/main" id="{5561251D-F372-438B-BD86-F023AFF42C42}"/>
+              </a:ext>
+            </a:extLst>
+          </p:cNvPr>
+          <p:cNvPicPr>
+            <a:picLocks noChangeAspect="1"/>
+          </p:cNvPicPr>
+          <p:nvPr/>
+        </p:nvPicPr>
+        <p:blipFill>
+          <a:blip r:embed="rId4">
+            <a:extLst>
+              <a:ext uri="{28A0092B-C50C-407E-A947-70E740481C1C}">
+                <a14:useLocalDpi xmlns:a14="http://schemas.microsoft.com/office/drawing/2010/main" val="0"/>
+              </a:ext>
+              <a:ext uri="{96DAC541-7B7A-43D3-8B79-37D633B846F1}">
+                <asvg:svgBlip xmlns:asvg="http://schemas.microsoft.com/office/drawing/2016/SVG/main" r:embed="rId5"/>
+              </a:ext>
+            </a:extLst>
+          </a:blip>
+          <a:stretch>
+            <a:fillRect/>
+          </a:stretch>
+        </p:blipFill>
+        <p:spPr>
+          <a:xfrm>
+            <a:off x="4130053" y="3012587"/>
+            <a:ext cx="469900" cy="469900"/>
+          </a:xfrm>
+          <a:prstGeom prst="rect">
+            <a:avLst/>
+          </a:prstGeom>
+        </p:spPr>
+      </p:pic>
+      <p:sp>
+        <p:nvSpPr>
+          <p:cNvPr id="11" name="TextBox 10">
+            <a:extLst>
+              <a:ext uri="{FF2B5EF4-FFF2-40B4-BE49-F238E27FC236}">
+                <a16:creationId xmlns:a16="http://schemas.microsoft.com/office/drawing/2014/main" id="{29E929EF-FA9F-479B-8000-778B1CFBF773}"/>
+              </a:ext>
+            </a:extLst>
+          </p:cNvPr>
+          <p:cNvSpPr txBox="1"/>
+          <p:nvPr/>
+        </p:nvSpPr>
+        <p:spPr>
+          <a:xfrm>
+            <a:off x="4577556" y="1249895"/>
+            <a:ext cx="1197212" cy="369332"/>
+          </a:xfrm>
+          <a:prstGeom prst="rect">
+            <a:avLst/>
+          </a:prstGeom>
+          <a:noFill/>
+        </p:spPr>
+        <p:txBody>
+          <a:bodyPr wrap="square" rtlCol="0">
+            <a:spAutoFit/>
+          </a:bodyPr>
+          <a:lstStyle/>
+          <a:p>
+            <a:pPr algn="ctr"/>
+            <a:r>
+              <a:rPr lang="en-US" dirty="0"/>
+              <a:t>Hub</a:t>
+            </a:r>
+            <a:endParaRPr lang="de-DE" dirty="0"/>
+          </a:p>
+        </p:txBody>
+      </p:sp>
+      <p:sp>
+        <p:nvSpPr>
+          <p:cNvPr id="12" name="TextBox 11">
+            <a:extLst>
+              <a:ext uri="{FF2B5EF4-FFF2-40B4-BE49-F238E27FC236}">
+                <a16:creationId xmlns:a16="http://schemas.microsoft.com/office/drawing/2014/main" id="{EF755AA2-1395-4CA8-A2FC-D59A32CDAEE7}"/>
+              </a:ext>
+            </a:extLst>
+          </p:cNvPr>
+          <p:cNvSpPr txBox="1"/>
+          <p:nvPr/>
+        </p:nvSpPr>
+        <p:spPr>
+          <a:xfrm>
+            <a:off x="1999267" y="1319787"/>
+            <a:ext cx="1197212" cy="369332"/>
+          </a:xfrm>
+          <a:prstGeom prst="rect">
+            <a:avLst/>
+          </a:prstGeom>
+          <a:noFill/>
+        </p:spPr>
+        <p:txBody>
+          <a:bodyPr wrap="square" rtlCol="0">
+            <a:spAutoFit/>
+          </a:bodyPr>
+          <a:lstStyle/>
+          <a:p>
+            <a:pPr algn="ctr"/>
+            <a:r>
+              <a:rPr lang="en-US" dirty="0"/>
+              <a:t>Spoke 1</a:t>
+            </a:r>
+            <a:endParaRPr lang="de-DE" dirty="0"/>
+          </a:p>
+        </p:txBody>
+      </p:sp>
+      <p:sp>
+        <p:nvSpPr>
+          <p:cNvPr id="13" name="TextBox 12">
+            <a:extLst>
+              <a:ext uri="{FF2B5EF4-FFF2-40B4-BE49-F238E27FC236}">
+                <a16:creationId xmlns:a16="http://schemas.microsoft.com/office/drawing/2014/main" id="{431F29EB-7805-4371-9BBE-92DBF9D7D0C4}"/>
+              </a:ext>
+            </a:extLst>
+          </p:cNvPr>
+          <p:cNvSpPr txBox="1"/>
+          <p:nvPr/>
+        </p:nvSpPr>
+        <p:spPr>
+          <a:xfrm>
+            <a:off x="7242021" y="1312047"/>
+            <a:ext cx="1197212" cy="369332"/>
+          </a:xfrm>
+          <a:prstGeom prst="rect">
+            <a:avLst/>
+          </a:prstGeom>
+          <a:noFill/>
+        </p:spPr>
+        <p:txBody>
+          <a:bodyPr wrap="square" rtlCol="0">
+            <a:spAutoFit/>
+          </a:bodyPr>
+          <a:lstStyle/>
+          <a:p>
+            <a:pPr algn="ctr"/>
+            <a:r>
+              <a:rPr lang="en-US" dirty="0"/>
+              <a:t>Spoke 2</a:t>
+            </a:r>
+            <a:endParaRPr lang="de-DE" dirty="0"/>
+          </a:p>
+        </p:txBody>
+      </p:sp>
+      <p:pic>
+        <p:nvPicPr>
+          <p:cNvPr id="14" name="Graphic 13">
+            <a:extLst>
+              <a:ext uri="{FF2B5EF4-FFF2-40B4-BE49-F238E27FC236}">
+                <a16:creationId xmlns:a16="http://schemas.microsoft.com/office/drawing/2014/main" id="{26E79F13-CA08-4CC0-9849-22C23B767420}"/>
+              </a:ext>
+            </a:extLst>
+          </p:cNvPr>
+          <p:cNvPicPr>
+            <a:picLocks noChangeAspect="1"/>
+          </p:cNvPicPr>
+          <p:nvPr/>
+        </p:nvPicPr>
+        <p:blipFill>
+          <a:blip r:embed="rId6">
+            <a:extLst>
+              <a:ext uri="{28A0092B-C50C-407E-A947-70E740481C1C}">
+                <a14:useLocalDpi xmlns:a14="http://schemas.microsoft.com/office/drawing/2010/main" val="0"/>
+              </a:ext>
+              <a:ext uri="{96DAC541-7B7A-43D3-8B79-37D633B846F1}">
+                <asvg:svgBlip xmlns:asvg="http://schemas.microsoft.com/office/drawing/2016/SVG/main" r:embed="rId7"/>
+              </a:ext>
+            </a:extLst>
+          </a:blip>
+          <a:stretch>
+            <a:fillRect/>
+          </a:stretch>
+        </p:blipFill>
+        <p:spPr>
+          <a:xfrm>
+            <a:off x="4936339" y="3956765"/>
+            <a:ext cx="518414" cy="518414"/>
+          </a:xfrm>
+          <a:prstGeom prst="rect">
+            <a:avLst/>
+          </a:prstGeom>
+        </p:spPr>
+      </p:pic>
+      <p:pic>
+        <p:nvPicPr>
+          <p:cNvPr id="15" name="Graphic 14">
+            <a:extLst>
+              <a:ext uri="{FF2B5EF4-FFF2-40B4-BE49-F238E27FC236}">
+                <a16:creationId xmlns:a16="http://schemas.microsoft.com/office/drawing/2014/main" id="{3B661DDF-6D65-4C56-9B9B-F9319F39ABF4}"/>
+              </a:ext>
+            </a:extLst>
+          </p:cNvPr>
+          <p:cNvPicPr>
+            <a:picLocks noChangeAspect="1"/>
+          </p:cNvPicPr>
+          <p:nvPr/>
+        </p:nvPicPr>
+        <p:blipFill>
+          <a:blip r:embed="rId6">
+            <a:extLst>
+              <a:ext uri="{28A0092B-C50C-407E-A947-70E740481C1C}">
+                <a14:useLocalDpi xmlns:a14="http://schemas.microsoft.com/office/drawing/2010/main" val="0"/>
+              </a:ext>
+              <a:ext uri="{96DAC541-7B7A-43D3-8B79-37D633B846F1}">
+                <asvg:svgBlip xmlns:asvg="http://schemas.microsoft.com/office/drawing/2016/SVG/main" r:embed="rId7"/>
+              </a:ext>
+            </a:extLst>
+          </a:blip>
+          <a:stretch>
+            <a:fillRect/>
+          </a:stretch>
+        </p:blipFill>
+        <p:spPr>
+          <a:xfrm>
+            <a:off x="2328167" y="3956765"/>
+            <a:ext cx="518414" cy="518414"/>
+          </a:xfrm>
+          <a:prstGeom prst="rect">
+            <a:avLst/>
+          </a:prstGeom>
+        </p:spPr>
+      </p:pic>
+      <p:pic>
+        <p:nvPicPr>
+          <p:cNvPr id="16" name="Graphic 15">
+            <a:extLst>
+              <a:ext uri="{FF2B5EF4-FFF2-40B4-BE49-F238E27FC236}">
+                <a16:creationId xmlns:a16="http://schemas.microsoft.com/office/drawing/2014/main" id="{1159E9CE-9CFC-4B34-8E22-C786FD205F53}"/>
+              </a:ext>
+            </a:extLst>
+          </p:cNvPr>
+          <p:cNvPicPr>
+            <a:picLocks noChangeAspect="1"/>
+          </p:cNvPicPr>
+          <p:nvPr/>
+        </p:nvPicPr>
+        <p:blipFill>
+          <a:blip r:embed="rId6">
+            <a:extLst>
+              <a:ext uri="{28A0092B-C50C-407E-A947-70E740481C1C}">
+                <a14:useLocalDpi xmlns:a14="http://schemas.microsoft.com/office/drawing/2010/main" val="0"/>
+              </a:ext>
+              <a:ext uri="{96DAC541-7B7A-43D3-8B79-37D633B846F1}">
+                <asvg:svgBlip xmlns:asvg="http://schemas.microsoft.com/office/drawing/2016/SVG/main" r:embed="rId7"/>
+              </a:ext>
+            </a:extLst>
+          </a:blip>
+          <a:stretch>
+            <a:fillRect/>
+          </a:stretch>
+        </p:blipFill>
+        <p:spPr>
+          <a:xfrm>
+            <a:off x="7586172" y="3899361"/>
+            <a:ext cx="518414" cy="518414"/>
+          </a:xfrm>
+          <a:prstGeom prst="rect">
+            <a:avLst/>
+          </a:prstGeom>
+        </p:spPr>
+      </p:pic>
+      <p:sp>
+        <p:nvSpPr>
+          <p:cNvPr id="18" name="TextBox 17">
+            <a:extLst>
+              <a:ext uri="{FF2B5EF4-FFF2-40B4-BE49-F238E27FC236}">
+                <a16:creationId xmlns:a16="http://schemas.microsoft.com/office/drawing/2014/main" id="{86EDA0CE-2A82-440E-89B0-A3B450D8AB39}"/>
+              </a:ext>
+            </a:extLst>
+          </p:cNvPr>
+          <p:cNvSpPr txBox="1"/>
+          <p:nvPr/>
+        </p:nvSpPr>
+        <p:spPr>
+          <a:xfrm>
+            <a:off x="2217480" y="4545711"/>
+            <a:ext cx="809299" cy="369332"/>
+          </a:xfrm>
+          <a:prstGeom prst="rect">
+            <a:avLst/>
+          </a:prstGeom>
+          <a:noFill/>
+        </p:spPr>
+        <p:txBody>
+          <a:bodyPr wrap="square" rtlCol="0">
+            <a:spAutoFit/>
+          </a:bodyPr>
+          <a:lstStyle/>
+          <a:p>
+            <a:pPr algn="ctr"/>
+            <a:r>
+              <a:rPr lang="en-US" dirty="0"/>
+              <a:t>DC1</a:t>
+            </a:r>
+            <a:endParaRPr lang="de-DE" dirty="0"/>
+          </a:p>
+        </p:txBody>
+      </p:sp>
+      <p:sp>
+        <p:nvSpPr>
+          <p:cNvPr id="19" name="TextBox 18">
+            <a:extLst>
+              <a:ext uri="{FF2B5EF4-FFF2-40B4-BE49-F238E27FC236}">
+                <a16:creationId xmlns:a16="http://schemas.microsoft.com/office/drawing/2014/main" id="{1E7FAE8B-0330-4D90-BF8E-7D72AF7C0B7B}"/>
+              </a:ext>
+            </a:extLst>
+          </p:cNvPr>
+          <p:cNvSpPr txBox="1"/>
+          <p:nvPr/>
+        </p:nvSpPr>
+        <p:spPr>
+          <a:xfrm>
+            <a:off x="4785554" y="4545711"/>
+            <a:ext cx="809299" cy="369332"/>
+          </a:xfrm>
+          <a:prstGeom prst="rect">
+            <a:avLst/>
+          </a:prstGeom>
+          <a:noFill/>
+        </p:spPr>
+        <p:txBody>
+          <a:bodyPr wrap="square" rtlCol="0">
+            <a:spAutoFit/>
+          </a:bodyPr>
+          <a:lstStyle/>
+          <a:p>
+            <a:pPr algn="ctr"/>
+            <a:r>
+              <a:rPr lang="en-US" dirty="0"/>
+              <a:t>NVA</a:t>
+            </a:r>
+            <a:endParaRPr lang="de-DE" dirty="0"/>
+          </a:p>
+        </p:txBody>
+      </p:sp>
+      <p:sp>
+        <p:nvSpPr>
+          <p:cNvPr id="20" name="TextBox 19">
+            <a:extLst>
+              <a:ext uri="{FF2B5EF4-FFF2-40B4-BE49-F238E27FC236}">
+                <a16:creationId xmlns:a16="http://schemas.microsoft.com/office/drawing/2014/main" id="{A6B3856E-C6B2-408A-A024-E1173160024F}"/>
+              </a:ext>
+            </a:extLst>
+          </p:cNvPr>
+          <p:cNvSpPr txBox="1"/>
+          <p:nvPr/>
+        </p:nvSpPr>
+        <p:spPr>
+          <a:xfrm>
+            <a:off x="7494829" y="4489285"/>
+            <a:ext cx="809299" cy="369332"/>
+          </a:xfrm>
+          <a:prstGeom prst="rect">
+            <a:avLst/>
+          </a:prstGeom>
+          <a:noFill/>
+        </p:spPr>
+        <p:txBody>
+          <a:bodyPr wrap="square" rtlCol="0">
+            <a:spAutoFit/>
+          </a:bodyPr>
+          <a:lstStyle/>
+          <a:p>
+            <a:pPr algn="ctr"/>
+            <a:r>
+              <a:rPr lang="en-US" dirty="0"/>
+              <a:t>VM2</a:t>
+            </a:r>
+            <a:endParaRPr lang="de-DE" dirty="0"/>
+          </a:p>
+        </p:txBody>
+      </p:sp>
+      <p:cxnSp>
+        <p:nvCxnSpPr>
+          <p:cNvPr id="21" name="Straight Connector 20">
+            <a:extLst>
+              <a:ext uri="{FF2B5EF4-FFF2-40B4-BE49-F238E27FC236}">
+                <a16:creationId xmlns:a16="http://schemas.microsoft.com/office/drawing/2014/main" id="{DBDFCA41-B4F7-4CEA-9B2A-3BB83ECBD9BF}"/>
+              </a:ext>
+            </a:extLst>
+          </p:cNvPr>
+          <p:cNvCxnSpPr>
+            <a:cxnSpLocks/>
+            <a:stCxn id="5" idx="2"/>
+            <a:endCxn id="15" idx="0"/>
+          </p:cNvCxnSpPr>
+          <p:nvPr/>
+        </p:nvCxnSpPr>
+        <p:spPr>
+          <a:xfrm>
+            <a:off x="2571731" y="3471623"/>
+            <a:ext cx="15643" cy="485142"/>
+          </a:xfrm>
+          <a:prstGeom prst="line">
+            <a:avLst/>
+          </a:prstGeom>
+        </p:spPr>
+        <p:style>
+          <a:lnRef idx="1">
+            <a:schemeClr val="accent1"/>
+          </a:lnRef>
+          <a:fillRef idx="0">
+            <a:schemeClr val="accent1"/>
+          </a:fillRef>
+          <a:effectRef idx="0">
+            <a:schemeClr val="accent1"/>
+          </a:effectRef>
+          <a:fontRef idx="minor">
+            <a:schemeClr val="tx1"/>
+          </a:fontRef>
+        </p:style>
+      </p:cxnSp>
+      <p:cxnSp>
+        <p:nvCxnSpPr>
+          <p:cNvPr id="24" name="Straight Connector 23">
+            <a:extLst>
+              <a:ext uri="{FF2B5EF4-FFF2-40B4-BE49-F238E27FC236}">
+                <a16:creationId xmlns:a16="http://schemas.microsoft.com/office/drawing/2014/main" id="{3335737D-FBB8-4D37-AFA1-FFE8FF45E03D}"/>
+              </a:ext>
+            </a:extLst>
+          </p:cNvPr>
+          <p:cNvCxnSpPr>
+            <a:cxnSpLocks/>
+            <a:stCxn id="8" idx="2"/>
+            <a:endCxn id="14" idx="0"/>
+          </p:cNvCxnSpPr>
+          <p:nvPr/>
+        </p:nvCxnSpPr>
+        <p:spPr>
+          <a:xfrm>
+            <a:off x="5186500" y="3498564"/>
+            <a:ext cx="9046" cy="458201"/>
+          </a:xfrm>
+          <a:prstGeom prst="line">
+            <a:avLst/>
+          </a:prstGeom>
+        </p:spPr>
+        <p:style>
+          <a:lnRef idx="1">
+            <a:schemeClr val="accent1"/>
+          </a:lnRef>
+          <a:fillRef idx="0">
+            <a:schemeClr val="accent1"/>
+          </a:fillRef>
+          <a:effectRef idx="0">
+            <a:schemeClr val="accent1"/>
+          </a:effectRef>
+          <a:fontRef idx="minor">
+            <a:schemeClr val="tx1"/>
+          </a:fontRef>
+        </p:style>
+      </p:cxnSp>
+      <p:cxnSp>
+        <p:nvCxnSpPr>
+          <p:cNvPr id="29" name="Straight Connector 28">
+            <a:extLst>
+              <a:ext uri="{FF2B5EF4-FFF2-40B4-BE49-F238E27FC236}">
+                <a16:creationId xmlns:a16="http://schemas.microsoft.com/office/drawing/2014/main" id="{DFDF0B39-3A10-49F4-8F4C-F87C2FDAFF2C}"/>
+              </a:ext>
+            </a:extLst>
+          </p:cNvPr>
+          <p:cNvCxnSpPr>
+            <a:cxnSpLocks/>
+            <a:stCxn id="7" idx="2"/>
+            <a:endCxn id="16" idx="0"/>
+          </p:cNvCxnSpPr>
+          <p:nvPr/>
+        </p:nvCxnSpPr>
+        <p:spPr>
+          <a:xfrm>
+            <a:off x="7845379" y="3496223"/>
+            <a:ext cx="0" cy="403138"/>
+          </a:xfrm>
+          <a:prstGeom prst="line">
+            <a:avLst/>
+          </a:prstGeom>
+        </p:spPr>
+        <p:style>
+          <a:lnRef idx="1">
+            <a:schemeClr val="accent1"/>
+          </a:lnRef>
+          <a:fillRef idx="0">
+            <a:schemeClr val="accent1"/>
+          </a:fillRef>
+          <a:effectRef idx="0">
+            <a:schemeClr val="accent1"/>
+          </a:effectRef>
+          <a:fontRef idx="minor">
+            <a:schemeClr val="tx1"/>
+          </a:fontRef>
+        </p:style>
+      </p:cxnSp>
+      <p:pic>
+        <p:nvPicPr>
+          <p:cNvPr id="23" name="Graphic 22">
+            <a:extLst>
+              <a:ext uri="{FF2B5EF4-FFF2-40B4-BE49-F238E27FC236}">
+                <a16:creationId xmlns:a16="http://schemas.microsoft.com/office/drawing/2014/main" id="{01051944-ECA2-4BAC-8E84-868CF1A8AA40}"/>
+              </a:ext>
+            </a:extLst>
+          </p:cNvPr>
+          <p:cNvPicPr>
+            <a:picLocks noChangeAspect="1"/>
+          </p:cNvPicPr>
+          <p:nvPr/>
+        </p:nvPicPr>
+        <p:blipFill>
+          <a:blip r:embed="rId8">
+            <a:extLst>
+              <a:ext uri="{28A0092B-C50C-407E-A947-70E740481C1C}">
+                <a14:useLocalDpi xmlns:a14="http://schemas.microsoft.com/office/drawing/2010/main" val="0"/>
+              </a:ext>
+              <a:ext uri="{96DAC541-7B7A-43D3-8B79-37D633B846F1}">
+                <asvg:svgBlip xmlns:asvg="http://schemas.microsoft.com/office/drawing/2016/SVG/main" r:embed="rId9"/>
+              </a:ext>
+            </a:extLst>
+          </a:blip>
+          <a:stretch>
+            <a:fillRect/>
+          </a:stretch>
+        </p:blipFill>
+        <p:spPr>
+          <a:xfrm>
+            <a:off x="4131913" y="5254849"/>
+            <a:ext cx="469900" cy="469900"/>
+          </a:xfrm>
+          <a:prstGeom prst="rect">
+            <a:avLst/>
+          </a:prstGeom>
+        </p:spPr>
+      </p:pic>
+      <p:sp>
+        <p:nvSpPr>
+          <p:cNvPr id="25" name="TextBox 24">
+            <a:extLst>
+              <a:ext uri="{FF2B5EF4-FFF2-40B4-BE49-F238E27FC236}">
+                <a16:creationId xmlns:a16="http://schemas.microsoft.com/office/drawing/2014/main" id="{5C16049A-EF9B-48FE-844C-464FECAD374D}"/>
+              </a:ext>
+            </a:extLst>
+          </p:cNvPr>
+          <p:cNvSpPr txBox="1"/>
+          <p:nvPr/>
+        </p:nvSpPr>
+        <p:spPr>
+          <a:xfrm>
+            <a:off x="3684379" y="5761380"/>
+            <a:ext cx="1364968" cy="369332"/>
+          </a:xfrm>
+          <a:prstGeom prst="rect">
+            <a:avLst/>
+          </a:prstGeom>
+          <a:noFill/>
+        </p:spPr>
+        <p:txBody>
+          <a:bodyPr wrap="square" rtlCol="0">
+            <a:spAutoFit/>
+          </a:bodyPr>
+          <a:lstStyle/>
+          <a:p>
+            <a:pPr algn="ctr"/>
+            <a:r>
+              <a:rPr lang="en-US" dirty="0"/>
+              <a:t>Bastion Host</a:t>
+            </a:r>
+            <a:endParaRPr lang="de-DE" dirty="0"/>
+          </a:p>
+        </p:txBody>
+      </p:sp>
+      <p:cxnSp>
+        <p:nvCxnSpPr>
+          <p:cNvPr id="26" name="Straight Connector 25">
+            <a:extLst>
+              <a:ext uri="{FF2B5EF4-FFF2-40B4-BE49-F238E27FC236}">
+                <a16:creationId xmlns:a16="http://schemas.microsoft.com/office/drawing/2014/main" id="{3B50CFA8-2131-4158-AF32-51AFC022000F}"/>
+              </a:ext>
+            </a:extLst>
+          </p:cNvPr>
+          <p:cNvCxnSpPr>
+            <a:cxnSpLocks/>
+            <a:stCxn id="10" idx="2"/>
+            <a:endCxn id="23" idx="0"/>
+          </p:cNvCxnSpPr>
+          <p:nvPr/>
+        </p:nvCxnSpPr>
+        <p:spPr>
+          <a:xfrm>
+            <a:off x="4365003" y="3482487"/>
+            <a:ext cx="1860" cy="1772362"/>
+          </a:xfrm>
+          <a:prstGeom prst="line">
+            <a:avLst/>
+          </a:prstGeom>
+        </p:spPr>
+        <p:style>
+          <a:lnRef idx="1">
+            <a:schemeClr val="accent1"/>
+          </a:lnRef>
+          <a:fillRef idx="0">
+            <a:schemeClr val="accent1"/>
+          </a:fillRef>
+          <a:effectRef idx="0">
+            <a:schemeClr val="accent1"/>
+          </a:effectRef>
+          <a:fontRef idx="minor">
+            <a:schemeClr val="tx1"/>
+          </a:fontRef>
+        </p:style>
+      </p:cxnSp>
+      <p:cxnSp>
+        <p:nvCxnSpPr>
+          <p:cNvPr id="32" name="Straight Connector 31">
+            <a:extLst>
+              <a:ext uri="{FF2B5EF4-FFF2-40B4-BE49-F238E27FC236}">
+                <a16:creationId xmlns:a16="http://schemas.microsoft.com/office/drawing/2014/main" id="{45AEB04B-F538-42C6-A21A-23DF5697CD94}"/>
+              </a:ext>
+            </a:extLst>
+          </p:cNvPr>
+          <p:cNvCxnSpPr>
+            <a:cxnSpLocks/>
+            <a:stCxn id="3" idx="3"/>
+            <a:endCxn id="2" idx="1"/>
+          </p:cNvCxnSpPr>
+          <p:nvPr/>
+        </p:nvCxnSpPr>
+        <p:spPr>
+          <a:xfrm>
+            <a:off x="2832823" y="2431540"/>
+            <a:ext cx="2073794" cy="0"/>
+          </a:xfrm>
+          <a:prstGeom prst="line">
+            <a:avLst/>
+          </a:prstGeom>
+        </p:spPr>
+        <p:style>
+          <a:lnRef idx="1">
+            <a:schemeClr val="accent1"/>
+          </a:lnRef>
+          <a:fillRef idx="0">
+            <a:schemeClr val="accent1"/>
+          </a:fillRef>
+          <a:effectRef idx="0">
+            <a:schemeClr val="accent1"/>
+          </a:effectRef>
+          <a:fontRef idx="minor">
+            <a:schemeClr val="tx1"/>
+          </a:fontRef>
+        </p:style>
+      </p:cxnSp>
+      <p:cxnSp>
+        <p:nvCxnSpPr>
+          <p:cNvPr id="34" name="Straight Connector 33">
+            <a:extLst>
+              <a:ext uri="{FF2B5EF4-FFF2-40B4-BE49-F238E27FC236}">
+                <a16:creationId xmlns:a16="http://schemas.microsoft.com/office/drawing/2014/main" id="{49846563-2550-4CD9-8888-8635A1ED56B8}"/>
+              </a:ext>
+            </a:extLst>
+          </p:cNvPr>
+          <p:cNvCxnSpPr>
+            <a:cxnSpLocks/>
+            <a:stCxn id="2" idx="3"/>
+            <a:endCxn id="4" idx="1"/>
+          </p:cNvCxnSpPr>
+          <p:nvPr/>
+        </p:nvCxnSpPr>
+        <p:spPr>
+          <a:xfrm>
+            <a:off x="5445707" y="2431540"/>
+            <a:ext cx="2125375" cy="0"/>
+          </a:xfrm>
+          <a:prstGeom prst="line">
+            <a:avLst/>
+          </a:prstGeom>
+        </p:spPr>
+        <p:style>
+          <a:lnRef idx="1">
+            <a:schemeClr val="accent1"/>
+          </a:lnRef>
+          <a:fillRef idx="0">
+            <a:schemeClr val="accent1"/>
+          </a:fillRef>
+          <a:effectRef idx="0">
+            <a:schemeClr val="accent1"/>
+          </a:effectRef>
+          <a:fontRef idx="minor">
+            <a:schemeClr val="tx1"/>
+          </a:fontRef>
+        </p:style>
+      </p:cxnSp>
+      <p:pic>
+        <p:nvPicPr>
+          <p:cNvPr id="37" name="Graphic 36">
+            <a:extLst>
+              <a:ext uri="{FF2B5EF4-FFF2-40B4-BE49-F238E27FC236}">
+                <a16:creationId xmlns:a16="http://schemas.microsoft.com/office/drawing/2014/main" id="{308950AF-0F0E-4CD6-8A35-450DA0E1812A}"/>
+              </a:ext>
+            </a:extLst>
+          </p:cNvPr>
+          <p:cNvPicPr>
+            <a:picLocks noChangeAspect="1"/>
+          </p:cNvPicPr>
+          <p:nvPr/>
+        </p:nvPicPr>
+        <p:blipFill>
+          <a:blip r:embed="rId10">
+            <a:extLst>
+              <a:ext uri="{28A0092B-C50C-407E-A947-70E740481C1C}">
+                <a14:useLocalDpi xmlns:a14="http://schemas.microsoft.com/office/drawing/2010/main" val="0"/>
+              </a:ext>
+              <a:ext uri="{96DAC541-7B7A-43D3-8B79-37D633B846F1}">
+                <asvg:svgBlip xmlns:asvg="http://schemas.microsoft.com/office/drawing/2016/SVG/main" r:embed="rId11"/>
+              </a:ext>
+            </a:extLst>
+          </a:blip>
+          <a:stretch>
+            <a:fillRect/>
+          </a:stretch>
+        </p:blipFill>
+        <p:spPr>
+          <a:xfrm>
+            <a:off x="5868879" y="5217058"/>
+            <a:ext cx="487029" cy="487029"/>
+          </a:xfrm>
+          <a:prstGeom prst="rect">
+            <a:avLst/>
+          </a:prstGeom>
+        </p:spPr>
+      </p:pic>
+      <p:cxnSp>
+        <p:nvCxnSpPr>
+          <p:cNvPr id="46" name="Straight Connector 45">
+            <a:extLst>
+              <a:ext uri="{FF2B5EF4-FFF2-40B4-BE49-F238E27FC236}">
+                <a16:creationId xmlns:a16="http://schemas.microsoft.com/office/drawing/2014/main" id="{12FB1A12-DA8B-4C71-A986-3951CED40DB7}"/>
+              </a:ext>
+            </a:extLst>
+          </p:cNvPr>
+          <p:cNvCxnSpPr>
+            <a:cxnSpLocks/>
+            <a:stCxn id="9" idx="2"/>
+            <a:endCxn id="37" idx="0"/>
+          </p:cNvCxnSpPr>
+          <p:nvPr/>
+        </p:nvCxnSpPr>
+        <p:spPr>
+          <a:xfrm>
+            <a:off x="6103829" y="3474697"/>
+            <a:ext cx="8565" cy="1742361"/>
+          </a:xfrm>
+          <a:prstGeom prst="line">
+            <a:avLst/>
+          </a:prstGeom>
+        </p:spPr>
+        <p:style>
+          <a:lnRef idx="1">
+            <a:schemeClr val="accent1"/>
+          </a:lnRef>
+          <a:fillRef idx="0">
+            <a:schemeClr val="accent1"/>
+          </a:fillRef>
+          <a:effectRef idx="0">
+            <a:schemeClr val="accent1"/>
+          </a:effectRef>
+          <a:fontRef idx="minor">
+            <a:schemeClr val="tx1"/>
+          </a:fontRef>
+        </p:style>
+      </p:cxnSp>
+      <p:sp>
+        <p:nvSpPr>
+          <p:cNvPr id="49" name="TextBox 48">
+            <a:extLst>
+              <a:ext uri="{FF2B5EF4-FFF2-40B4-BE49-F238E27FC236}">
+                <a16:creationId xmlns:a16="http://schemas.microsoft.com/office/drawing/2014/main" id="{80E9B7D0-CDE6-4410-A790-43AB16906CBE}"/>
+              </a:ext>
+            </a:extLst>
+          </p:cNvPr>
+          <p:cNvSpPr txBox="1"/>
+          <p:nvPr/>
+        </p:nvSpPr>
+        <p:spPr>
+          <a:xfrm>
+            <a:off x="5429909" y="5773056"/>
+            <a:ext cx="1364968" cy="646331"/>
+          </a:xfrm>
+          <a:prstGeom prst="rect">
+            <a:avLst/>
+          </a:prstGeom>
+          <a:noFill/>
+        </p:spPr>
+        <p:txBody>
+          <a:bodyPr wrap="square" rtlCol="0">
+            <a:spAutoFit/>
+          </a:bodyPr>
+          <a:lstStyle/>
+          <a:p>
+            <a:pPr algn="ctr"/>
+            <a:r>
+              <a:rPr lang="en-US" dirty="0"/>
+              <a:t>Virtual Gateway</a:t>
+            </a:r>
+            <a:endParaRPr lang="de-DE" dirty="0"/>
+          </a:p>
+        </p:txBody>
+      </p:sp>
+      <p:sp>
+        <p:nvSpPr>
+          <p:cNvPr id="50" name="TextBox 49">
+            <a:extLst>
+              <a:ext uri="{FF2B5EF4-FFF2-40B4-BE49-F238E27FC236}">
+                <a16:creationId xmlns:a16="http://schemas.microsoft.com/office/drawing/2014/main" id="{D2148355-3611-4070-AF41-C4690EB2F67A}"/>
+              </a:ext>
+            </a:extLst>
+          </p:cNvPr>
+          <p:cNvSpPr txBox="1"/>
+          <p:nvPr/>
+        </p:nvSpPr>
+        <p:spPr>
+          <a:xfrm>
+            <a:off x="3424824" y="2449913"/>
+            <a:ext cx="838211" cy="307777"/>
+          </a:xfrm>
+          <a:prstGeom prst="rect">
+            <a:avLst/>
+          </a:prstGeom>
+          <a:noFill/>
+        </p:spPr>
+        <p:txBody>
+          <a:bodyPr wrap="square" rtlCol="0">
+            <a:spAutoFit/>
+          </a:bodyPr>
+          <a:lstStyle/>
+          <a:p>
+            <a:pPr algn="ctr"/>
+            <a:r>
+              <a:rPr lang="en-US" sz="1400" dirty="0">
+                <a:solidFill>
+                  <a:srgbClr val="0070C0"/>
+                </a:solidFill>
+              </a:rPr>
+              <a:t>Peering</a:t>
+            </a:r>
+            <a:endParaRPr lang="de-DE" sz="1400" dirty="0">
+              <a:solidFill>
+                <a:srgbClr val="0070C0"/>
+              </a:solidFill>
+            </a:endParaRPr>
+          </a:p>
+        </p:txBody>
+      </p:sp>
+      <p:sp>
+        <p:nvSpPr>
+          <p:cNvPr id="52" name="TextBox 51">
+            <a:extLst>
+              <a:ext uri="{FF2B5EF4-FFF2-40B4-BE49-F238E27FC236}">
+                <a16:creationId xmlns:a16="http://schemas.microsoft.com/office/drawing/2014/main" id="{B1D09140-26B0-4C7C-8B36-33AE1172B4F8}"/>
+              </a:ext>
+            </a:extLst>
+          </p:cNvPr>
+          <p:cNvSpPr txBox="1"/>
+          <p:nvPr/>
+        </p:nvSpPr>
+        <p:spPr>
+          <a:xfrm>
+            <a:off x="6204255" y="2421902"/>
+            <a:ext cx="838211" cy="307777"/>
+          </a:xfrm>
+          <a:prstGeom prst="rect">
+            <a:avLst/>
+          </a:prstGeom>
+          <a:noFill/>
+        </p:spPr>
+        <p:txBody>
+          <a:bodyPr wrap="square" rtlCol="0">
+            <a:spAutoFit/>
+          </a:bodyPr>
+          <a:lstStyle/>
+          <a:p>
+            <a:pPr algn="ctr"/>
+            <a:r>
+              <a:rPr lang="en-US" sz="1400" dirty="0">
+                <a:solidFill>
+                  <a:srgbClr val="0070C0"/>
+                </a:solidFill>
+              </a:rPr>
+              <a:t>Peering</a:t>
+            </a:r>
+            <a:endParaRPr lang="de-DE" sz="1400" dirty="0">
+              <a:solidFill>
+                <a:srgbClr val="0070C0"/>
+              </a:solidFill>
+            </a:endParaRPr>
+          </a:p>
+        </p:txBody>
+      </p:sp>
+      <p:cxnSp>
+        <p:nvCxnSpPr>
+          <p:cNvPr id="53" name="Straight Connector 52">
+            <a:extLst>
+              <a:ext uri="{FF2B5EF4-FFF2-40B4-BE49-F238E27FC236}">
+                <a16:creationId xmlns:a16="http://schemas.microsoft.com/office/drawing/2014/main" id="{AC1F0943-1E68-4DA0-877B-64B02C288C82}"/>
+              </a:ext>
+            </a:extLst>
+          </p:cNvPr>
+          <p:cNvCxnSpPr>
+            <a:cxnSpLocks/>
+            <a:stCxn id="3" idx="2"/>
+            <a:endCxn id="5" idx="0"/>
+          </p:cNvCxnSpPr>
+          <p:nvPr/>
+        </p:nvCxnSpPr>
+        <p:spPr>
+          <a:xfrm>
+            <a:off x="2563278" y="2701085"/>
+            <a:ext cx="8453" cy="300638"/>
+          </a:xfrm>
+          <a:prstGeom prst="line">
+            <a:avLst/>
+          </a:prstGeom>
+        </p:spPr>
+        <p:style>
+          <a:lnRef idx="1">
+            <a:schemeClr val="accent1"/>
+          </a:lnRef>
+          <a:fillRef idx="0">
+            <a:schemeClr val="accent1"/>
+          </a:fillRef>
+          <a:effectRef idx="0">
+            <a:schemeClr val="accent1"/>
+          </a:effectRef>
+          <a:fontRef idx="minor">
+            <a:schemeClr val="tx1"/>
+          </a:fontRef>
+        </p:style>
+      </p:cxnSp>
+      <p:cxnSp>
+        <p:nvCxnSpPr>
+          <p:cNvPr id="58" name="Straight Connector 57">
+            <a:extLst>
+              <a:ext uri="{FF2B5EF4-FFF2-40B4-BE49-F238E27FC236}">
+                <a16:creationId xmlns:a16="http://schemas.microsoft.com/office/drawing/2014/main" id="{29533E29-219C-4D5D-ABDF-14921F16ABAC}"/>
+              </a:ext>
+            </a:extLst>
+          </p:cNvPr>
+          <p:cNvCxnSpPr>
+            <a:cxnSpLocks/>
+            <a:stCxn id="4" idx="2"/>
+            <a:endCxn id="7" idx="0"/>
+          </p:cNvCxnSpPr>
+          <p:nvPr/>
+        </p:nvCxnSpPr>
+        <p:spPr>
+          <a:xfrm>
+            <a:off x="7840627" y="2701085"/>
+            <a:ext cx="4752" cy="325238"/>
+          </a:xfrm>
+          <a:prstGeom prst="line">
+            <a:avLst/>
+          </a:prstGeom>
+        </p:spPr>
+        <p:style>
+          <a:lnRef idx="1">
+            <a:schemeClr val="accent1"/>
+          </a:lnRef>
+          <a:fillRef idx="0">
+            <a:schemeClr val="accent1"/>
+          </a:fillRef>
+          <a:effectRef idx="0">
+            <a:schemeClr val="accent1"/>
+          </a:effectRef>
+          <a:fontRef idx="minor">
+            <a:schemeClr val="tx1"/>
+          </a:fontRef>
+        </p:style>
+      </p:cxnSp>
+      <p:cxnSp>
+        <p:nvCxnSpPr>
+          <p:cNvPr id="64" name="Straight Connector 63">
+            <a:extLst>
+              <a:ext uri="{FF2B5EF4-FFF2-40B4-BE49-F238E27FC236}">
+                <a16:creationId xmlns:a16="http://schemas.microsoft.com/office/drawing/2014/main" id="{570BB633-D6C8-4814-B2AE-941DE5C0496F}"/>
+              </a:ext>
+            </a:extLst>
+          </p:cNvPr>
+          <p:cNvCxnSpPr>
+            <a:cxnSpLocks/>
+            <a:stCxn id="2" idx="2"/>
+            <a:endCxn id="8" idx="0"/>
+          </p:cNvCxnSpPr>
+          <p:nvPr/>
+        </p:nvCxnSpPr>
+        <p:spPr>
+          <a:xfrm>
+            <a:off x="5176162" y="2701085"/>
+            <a:ext cx="10338" cy="327579"/>
+          </a:xfrm>
+          <a:prstGeom prst="line">
+            <a:avLst/>
+          </a:prstGeom>
+        </p:spPr>
+        <p:style>
+          <a:lnRef idx="1">
+            <a:schemeClr val="accent1"/>
+          </a:lnRef>
+          <a:fillRef idx="0">
+            <a:schemeClr val="accent1"/>
+          </a:fillRef>
+          <a:effectRef idx="0">
+            <a:schemeClr val="accent1"/>
+          </a:effectRef>
+          <a:fontRef idx="minor">
+            <a:schemeClr val="tx1"/>
+          </a:fontRef>
+        </p:style>
+      </p:cxnSp>
+      <p:cxnSp>
+        <p:nvCxnSpPr>
+          <p:cNvPr id="70" name="Straight Connector 69">
+            <a:extLst>
+              <a:ext uri="{FF2B5EF4-FFF2-40B4-BE49-F238E27FC236}">
+                <a16:creationId xmlns:a16="http://schemas.microsoft.com/office/drawing/2014/main" id="{9B45E834-36B5-40E0-948C-050F14995100}"/>
+              </a:ext>
+            </a:extLst>
+          </p:cNvPr>
+          <p:cNvCxnSpPr>
+            <a:cxnSpLocks/>
+            <a:stCxn id="2" idx="2"/>
+            <a:endCxn id="10" idx="0"/>
+          </p:cNvCxnSpPr>
+          <p:nvPr/>
+        </p:nvCxnSpPr>
+        <p:spPr>
+          <a:xfrm flipH="1">
+            <a:off x="4365003" y="2701085"/>
+            <a:ext cx="811159" cy="311502"/>
+          </a:xfrm>
+          <a:prstGeom prst="line">
+            <a:avLst/>
+          </a:prstGeom>
+        </p:spPr>
+        <p:style>
+          <a:lnRef idx="1">
+            <a:schemeClr val="accent1"/>
+          </a:lnRef>
+          <a:fillRef idx="0">
+            <a:schemeClr val="accent1"/>
+          </a:fillRef>
+          <a:effectRef idx="0">
+            <a:schemeClr val="accent1"/>
+          </a:effectRef>
+          <a:fontRef idx="minor">
+            <a:schemeClr val="tx1"/>
+          </a:fontRef>
+        </p:style>
+      </p:cxnSp>
+      <p:cxnSp>
+        <p:nvCxnSpPr>
+          <p:cNvPr id="73" name="Straight Connector 72">
+            <a:extLst>
+              <a:ext uri="{FF2B5EF4-FFF2-40B4-BE49-F238E27FC236}">
+                <a16:creationId xmlns:a16="http://schemas.microsoft.com/office/drawing/2014/main" id="{E26BA6A6-4480-42CD-AB7F-5336567584CD}"/>
+              </a:ext>
+            </a:extLst>
+          </p:cNvPr>
+          <p:cNvCxnSpPr>
+            <a:cxnSpLocks/>
+            <a:stCxn id="2" idx="2"/>
+            <a:endCxn id="9" idx="0"/>
+          </p:cNvCxnSpPr>
+          <p:nvPr/>
+        </p:nvCxnSpPr>
+        <p:spPr>
+          <a:xfrm>
+            <a:off x="5176162" y="2701085"/>
+            <a:ext cx="927667" cy="303712"/>
+          </a:xfrm>
+          <a:prstGeom prst="line">
+            <a:avLst/>
+          </a:prstGeom>
+        </p:spPr>
+        <p:style>
+          <a:lnRef idx="1">
+            <a:schemeClr val="accent1"/>
+          </a:lnRef>
+          <a:fillRef idx="0">
+            <a:schemeClr val="accent1"/>
+          </a:fillRef>
+          <a:effectRef idx="0">
+            <a:schemeClr val="accent1"/>
+          </a:effectRef>
+          <a:fontRef idx="minor">
+            <a:schemeClr val="tx1"/>
+          </a:fontRef>
+        </p:style>
+      </p:cxnSp>
+    </p:spTree>
+    <p:extLst>
+      <p:ext uri="{BB962C8B-B14F-4D97-AF65-F5344CB8AC3E}">
+        <p14:creationId xmlns:p14="http://schemas.microsoft.com/office/powerpoint/2010/main" val="3511280690"/>
+      </p:ext>
+    </p:extLst>
+  </p:cSld>
+  <p:clrMapOvr>
+    <a:masterClrMapping/>
+  </p:clrMapOvr>
+</p:sld>
+</file>
+
 <file path=ppt/slides/slide2.xml><?xml version="1.0" encoding="utf-8"?>
 <p:sld xmlns:a="http://schemas.openxmlformats.org/drawingml/2006/main" xmlns:r="http://schemas.openxmlformats.org/officeDocument/2006/relationships" xmlns:p="http://schemas.openxmlformats.org/presentationml/2006/main">
   <p:cSld>
@@ -8002,6 +10692,2684 @@
     <p:extLst>
       <p:ext uri="{BB962C8B-B14F-4D97-AF65-F5344CB8AC3E}">
         <p14:creationId xmlns:p14="http://schemas.microsoft.com/office/powerpoint/2010/main" val="2467526424"/>
+      </p:ext>
+    </p:extLst>
+  </p:cSld>
+  <p:clrMapOvr>
+    <a:masterClrMapping/>
+  </p:clrMapOvr>
+</p:sld>
+</file>
+
+<file path=ppt/slides/slide7.xml><?xml version="1.0" encoding="utf-8"?>
+<p:sld xmlns:a="http://schemas.openxmlformats.org/drawingml/2006/main" xmlns:r="http://schemas.openxmlformats.org/officeDocument/2006/relationships" xmlns:p="http://schemas.openxmlformats.org/presentationml/2006/main">
+  <p:cSld>
+    <p:spTree>
+      <p:nvGrpSpPr>
+        <p:cNvPr id="1" name=""/>
+        <p:cNvGrpSpPr/>
+        <p:nvPr/>
+      </p:nvGrpSpPr>
+      <p:grpSpPr>
+        <a:xfrm>
+          <a:off x="0" y="0"/>
+          <a:ext cx="0" cy="0"/>
+          <a:chOff x="0" y="0"/>
+          <a:chExt cx="0" cy="0"/>
+        </a:xfrm>
+      </p:grpSpPr>
+      <p:pic>
+        <p:nvPicPr>
+          <p:cNvPr id="2" name="Graphic 1">
+            <a:extLst>
+              <a:ext uri="{FF2B5EF4-FFF2-40B4-BE49-F238E27FC236}">
+                <a16:creationId xmlns:a16="http://schemas.microsoft.com/office/drawing/2014/main" id="{C2505F20-3047-441E-BB49-80B1AD432C8E}"/>
+              </a:ext>
+            </a:extLst>
+          </p:cNvPr>
+          <p:cNvPicPr>
+            <a:picLocks noChangeAspect="1"/>
+          </p:cNvPicPr>
+          <p:nvPr/>
+        </p:nvPicPr>
+        <p:blipFill>
+          <a:blip r:embed="rId2">
+            <a:extLst>
+              <a:ext uri="{28A0092B-C50C-407E-A947-70E740481C1C}">
+                <a14:useLocalDpi xmlns:a14="http://schemas.microsoft.com/office/drawing/2010/main" val="0"/>
+              </a:ext>
+              <a:ext uri="{96DAC541-7B7A-43D3-8B79-37D633B846F1}">
+                <asvg:svgBlip xmlns:asvg="http://schemas.microsoft.com/office/drawing/2016/SVG/main" r:embed="rId3"/>
+              </a:ext>
+            </a:extLst>
+          </a:blip>
+          <a:stretch>
+            <a:fillRect/>
+          </a:stretch>
+        </p:blipFill>
+        <p:spPr>
+          <a:xfrm>
+            <a:off x="4906617" y="2161995"/>
+            <a:ext cx="539090" cy="539090"/>
+          </a:xfrm>
+          <a:prstGeom prst="rect">
+            <a:avLst/>
+          </a:prstGeom>
+        </p:spPr>
+      </p:pic>
+      <p:pic>
+        <p:nvPicPr>
+          <p:cNvPr id="3" name="Graphic 2">
+            <a:extLst>
+              <a:ext uri="{FF2B5EF4-FFF2-40B4-BE49-F238E27FC236}">
+                <a16:creationId xmlns:a16="http://schemas.microsoft.com/office/drawing/2014/main" id="{C68BF8F9-1AD5-4333-A4D6-341031D661D0}"/>
+              </a:ext>
+            </a:extLst>
+          </p:cNvPr>
+          <p:cNvPicPr>
+            <a:picLocks noChangeAspect="1"/>
+          </p:cNvPicPr>
+          <p:nvPr/>
+        </p:nvPicPr>
+        <p:blipFill>
+          <a:blip r:embed="rId2">
+            <a:extLst>
+              <a:ext uri="{28A0092B-C50C-407E-A947-70E740481C1C}">
+                <a14:useLocalDpi xmlns:a14="http://schemas.microsoft.com/office/drawing/2010/main" val="0"/>
+              </a:ext>
+              <a:ext uri="{96DAC541-7B7A-43D3-8B79-37D633B846F1}">
+                <asvg:svgBlip xmlns:asvg="http://schemas.microsoft.com/office/drawing/2016/SVG/main" r:embed="rId3"/>
+              </a:ext>
+            </a:extLst>
+          </a:blip>
+          <a:stretch>
+            <a:fillRect/>
+          </a:stretch>
+        </p:blipFill>
+        <p:spPr>
+          <a:xfrm>
+            <a:off x="2293733" y="2161995"/>
+            <a:ext cx="539090" cy="539090"/>
+          </a:xfrm>
+          <a:prstGeom prst="rect">
+            <a:avLst/>
+          </a:prstGeom>
+        </p:spPr>
+      </p:pic>
+      <p:pic>
+        <p:nvPicPr>
+          <p:cNvPr id="4" name="Graphic 3">
+            <a:extLst>
+              <a:ext uri="{FF2B5EF4-FFF2-40B4-BE49-F238E27FC236}">
+                <a16:creationId xmlns:a16="http://schemas.microsoft.com/office/drawing/2014/main" id="{99FA2CCE-25CA-4BCC-950F-66EC41CCB7E6}"/>
+              </a:ext>
+            </a:extLst>
+          </p:cNvPr>
+          <p:cNvPicPr>
+            <a:picLocks noChangeAspect="1"/>
+          </p:cNvPicPr>
+          <p:nvPr/>
+        </p:nvPicPr>
+        <p:blipFill>
+          <a:blip r:embed="rId2">
+            <a:extLst>
+              <a:ext uri="{28A0092B-C50C-407E-A947-70E740481C1C}">
+                <a14:useLocalDpi xmlns:a14="http://schemas.microsoft.com/office/drawing/2010/main" val="0"/>
+              </a:ext>
+              <a:ext uri="{96DAC541-7B7A-43D3-8B79-37D633B846F1}">
+                <asvg:svgBlip xmlns:asvg="http://schemas.microsoft.com/office/drawing/2016/SVG/main" r:embed="rId3"/>
+              </a:ext>
+            </a:extLst>
+          </a:blip>
+          <a:stretch>
+            <a:fillRect/>
+          </a:stretch>
+        </p:blipFill>
+        <p:spPr>
+          <a:xfrm>
+            <a:off x="7571082" y="2161995"/>
+            <a:ext cx="539090" cy="539090"/>
+          </a:xfrm>
+          <a:prstGeom prst="rect">
+            <a:avLst/>
+          </a:prstGeom>
+        </p:spPr>
+      </p:pic>
+      <p:pic>
+        <p:nvPicPr>
+          <p:cNvPr id="5" name="Graphic 4">
+            <a:extLst>
+              <a:ext uri="{FF2B5EF4-FFF2-40B4-BE49-F238E27FC236}">
+                <a16:creationId xmlns:a16="http://schemas.microsoft.com/office/drawing/2014/main" id="{C493085D-EB05-4547-9B8C-BFFFC35AAB61}"/>
+              </a:ext>
+            </a:extLst>
+          </p:cNvPr>
+          <p:cNvPicPr>
+            <a:picLocks noChangeAspect="1"/>
+          </p:cNvPicPr>
+          <p:nvPr/>
+        </p:nvPicPr>
+        <p:blipFill>
+          <a:blip r:embed="rId4">
+            <a:extLst>
+              <a:ext uri="{28A0092B-C50C-407E-A947-70E740481C1C}">
+                <a14:useLocalDpi xmlns:a14="http://schemas.microsoft.com/office/drawing/2010/main" val="0"/>
+              </a:ext>
+              <a:ext uri="{96DAC541-7B7A-43D3-8B79-37D633B846F1}">
+                <asvg:svgBlip xmlns:asvg="http://schemas.microsoft.com/office/drawing/2016/SVG/main" r:embed="rId5"/>
+              </a:ext>
+            </a:extLst>
+          </a:blip>
+          <a:stretch>
+            <a:fillRect/>
+          </a:stretch>
+        </p:blipFill>
+        <p:spPr>
+          <a:xfrm>
+            <a:off x="2336781" y="3001723"/>
+            <a:ext cx="469900" cy="469900"/>
+          </a:xfrm>
+          <a:prstGeom prst="rect">
+            <a:avLst/>
+          </a:prstGeom>
+        </p:spPr>
+      </p:pic>
+      <p:pic>
+        <p:nvPicPr>
+          <p:cNvPr id="7" name="Graphic 6">
+            <a:extLst>
+              <a:ext uri="{FF2B5EF4-FFF2-40B4-BE49-F238E27FC236}">
+                <a16:creationId xmlns:a16="http://schemas.microsoft.com/office/drawing/2014/main" id="{2258BA33-10DA-409B-B553-2DBD90F1BCCC}"/>
+              </a:ext>
+            </a:extLst>
+          </p:cNvPr>
+          <p:cNvPicPr>
+            <a:picLocks noChangeAspect="1"/>
+          </p:cNvPicPr>
+          <p:nvPr/>
+        </p:nvPicPr>
+        <p:blipFill>
+          <a:blip r:embed="rId4">
+            <a:extLst>
+              <a:ext uri="{28A0092B-C50C-407E-A947-70E740481C1C}">
+                <a14:useLocalDpi xmlns:a14="http://schemas.microsoft.com/office/drawing/2010/main" val="0"/>
+              </a:ext>
+              <a:ext uri="{96DAC541-7B7A-43D3-8B79-37D633B846F1}">
+                <asvg:svgBlip xmlns:asvg="http://schemas.microsoft.com/office/drawing/2016/SVG/main" r:embed="rId5"/>
+              </a:ext>
+            </a:extLst>
+          </a:blip>
+          <a:stretch>
+            <a:fillRect/>
+          </a:stretch>
+        </p:blipFill>
+        <p:spPr>
+          <a:xfrm>
+            <a:off x="7610429" y="3026323"/>
+            <a:ext cx="469900" cy="469900"/>
+          </a:xfrm>
+          <a:prstGeom prst="rect">
+            <a:avLst/>
+          </a:prstGeom>
+        </p:spPr>
+      </p:pic>
+      <p:pic>
+        <p:nvPicPr>
+          <p:cNvPr id="8" name="Graphic 7">
+            <a:extLst>
+              <a:ext uri="{FF2B5EF4-FFF2-40B4-BE49-F238E27FC236}">
+                <a16:creationId xmlns:a16="http://schemas.microsoft.com/office/drawing/2014/main" id="{938AD901-1D1B-437B-90A9-F306776E8088}"/>
+              </a:ext>
+            </a:extLst>
+          </p:cNvPr>
+          <p:cNvPicPr>
+            <a:picLocks noChangeAspect="1"/>
+          </p:cNvPicPr>
+          <p:nvPr/>
+        </p:nvPicPr>
+        <p:blipFill>
+          <a:blip r:embed="rId4">
+            <a:extLst>
+              <a:ext uri="{28A0092B-C50C-407E-A947-70E740481C1C}">
+                <a14:useLocalDpi xmlns:a14="http://schemas.microsoft.com/office/drawing/2010/main" val="0"/>
+              </a:ext>
+              <a:ext uri="{96DAC541-7B7A-43D3-8B79-37D633B846F1}">
+                <asvg:svgBlip xmlns:asvg="http://schemas.microsoft.com/office/drawing/2016/SVG/main" r:embed="rId5"/>
+              </a:ext>
+            </a:extLst>
+          </a:blip>
+          <a:stretch>
+            <a:fillRect/>
+          </a:stretch>
+        </p:blipFill>
+        <p:spPr>
+          <a:xfrm>
+            <a:off x="4951550" y="3028664"/>
+            <a:ext cx="469900" cy="469900"/>
+          </a:xfrm>
+          <a:prstGeom prst="rect">
+            <a:avLst/>
+          </a:prstGeom>
+        </p:spPr>
+      </p:pic>
+      <p:pic>
+        <p:nvPicPr>
+          <p:cNvPr id="9" name="Graphic 8">
+            <a:extLst>
+              <a:ext uri="{FF2B5EF4-FFF2-40B4-BE49-F238E27FC236}">
+                <a16:creationId xmlns:a16="http://schemas.microsoft.com/office/drawing/2014/main" id="{37667A7E-247A-4149-967C-46B41ADFB9C7}"/>
+              </a:ext>
+            </a:extLst>
+          </p:cNvPr>
+          <p:cNvPicPr>
+            <a:picLocks noChangeAspect="1"/>
+          </p:cNvPicPr>
+          <p:nvPr/>
+        </p:nvPicPr>
+        <p:blipFill>
+          <a:blip r:embed="rId4">
+            <a:extLst>
+              <a:ext uri="{28A0092B-C50C-407E-A947-70E740481C1C}">
+                <a14:useLocalDpi xmlns:a14="http://schemas.microsoft.com/office/drawing/2010/main" val="0"/>
+              </a:ext>
+              <a:ext uri="{96DAC541-7B7A-43D3-8B79-37D633B846F1}">
+                <asvg:svgBlip xmlns:asvg="http://schemas.microsoft.com/office/drawing/2016/SVG/main" r:embed="rId5"/>
+              </a:ext>
+            </a:extLst>
+          </a:blip>
+          <a:stretch>
+            <a:fillRect/>
+          </a:stretch>
+        </p:blipFill>
+        <p:spPr>
+          <a:xfrm>
+            <a:off x="5868879" y="3004797"/>
+            <a:ext cx="469900" cy="469900"/>
+          </a:xfrm>
+          <a:prstGeom prst="rect">
+            <a:avLst/>
+          </a:prstGeom>
+        </p:spPr>
+      </p:pic>
+      <p:pic>
+        <p:nvPicPr>
+          <p:cNvPr id="10" name="Graphic 9">
+            <a:extLst>
+              <a:ext uri="{FF2B5EF4-FFF2-40B4-BE49-F238E27FC236}">
+                <a16:creationId xmlns:a16="http://schemas.microsoft.com/office/drawing/2014/main" id="{5561251D-F372-438B-BD86-F023AFF42C42}"/>
+              </a:ext>
+            </a:extLst>
+          </p:cNvPr>
+          <p:cNvPicPr>
+            <a:picLocks noChangeAspect="1"/>
+          </p:cNvPicPr>
+          <p:nvPr/>
+        </p:nvPicPr>
+        <p:blipFill>
+          <a:blip r:embed="rId4">
+            <a:extLst>
+              <a:ext uri="{28A0092B-C50C-407E-A947-70E740481C1C}">
+                <a14:useLocalDpi xmlns:a14="http://schemas.microsoft.com/office/drawing/2010/main" val="0"/>
+              </a:ext>
+              <a:ext uri="{96DAC541-7B7A-43D3-8B79-37D633B846F1}">
+                <asvg:svgBlip xmlns:asvg="http://schemas.microsoft.com/office/drawing/2016/SVG/main" r:embed="rId5"/>
+              </a:ext>
+            </a:extLst>
+          </a:blip>
+          <a:stretch>
+            <a:fillRect/>
+          </a:stretch>
+        </p:blipFill>
+        <p:spPr>
+          <a:xfrm>
+            <a:off x="4130053" y="3012587"/>
+            <a:ext cx="469900" cy="469900"/>
+          </a:xfrm>
+          <a:prstGeom prst="rect">
+            <a:avLst/>
+          </a:prstGeom>
+        </p:spPr>
+      </p:pic>
+      <p:sp>
+        <p:nvSpPr>
+          <p:cNvPr id="11" name="TextBox 10">
+            <a:extLst>
+              <a:ext uri="{FF2B5EF4-FFF2-40B4-BE49-F238E27FC236}">
+                <a16:creationId xmlns:a16="http://schemas.microsoft.com/office/drawing/2014/main" id="{29E929EF-FA9F-479B-8000-778B1CFBF773}"/>
+              </a:ext>
+            </a:extLst>
+          </p:cNvPr>
+          <p:cNvSpPr txBox="1"/>
+          <p:nvPr/>
+        </p:nvSpPr>
+        <p:spPr>
+          <a:xfrm>
+            <a:off x="4577556" y="1249895"/>
+            <a:ext cx="1197212" cy="369332"/>
+          </a:xfrm>
+          <a:prstGeom prst="rect">
+            <a:avLst/>
+          </a:prstGeom>
+          <a:noFill/>
+        </p:spPr>
+        <p:txBody>
+          <a:bodyPr wrap="square" rtlCol="0">
+            <a:spAutoFit/>
+          </a:bodyPr>
+          <a:lstStyle/>
+          <a:p>
+            <a:pPr algn="ctr"/>
+            <a:r>
+              <a:rPr lang="en-US" dirty="0"/>
+              <a:t>Hub</a:t>
+            </a:r>
+            <a:endParaRPr lang="de-DE" dirty="0"/>
+          </a:p>
+        </p:txBody>
+      </p:sp>
+      <p:sp>
+        <p:nvSpPr>
+          <p:cNvPr id="12" name="TextBox 11">
+            <a:extLst>
+              <a:ext uri="{FF2B5EF4-FFF2-40B4-BE49-F238E27FC236}">
+                <a16:creationId xmlns:a16="http://schemas.microsoft.com/office/drawing/2014/main" id="{EF755AA2-1395-4CA8-A2FC-D59A32CDAEE7}"/>
+              </a:ext>
+            </a:extLst>
+          </p:cNvPr>
+          <p:cNvSpPr txBox="1"/>
+          <p:nvPr/>
+        </p:nvSpPr>
+        <p:spPr>
+          <a:xfrm>
+            <a:off x="1999267" y="1319787"/>
+            <a:ext cx="1197212" cy="369332"/>
+          </a:xfrm>
+          <a:prstGeom prst="rect">
+            <a:avLst/>
+          </a:prstGeom>
+          <a:noFill/>
+        </p:spPr>
+        <p:txBody>
+          <a:bodyPr wrap="square" rtlCol="0">
+            <a:spAutoFit/>
+          </a:bodyPr>
+          <a:lstStyle/>
+          <a:p>
+            <a:pPr algn="ctr"/>
+            <a:r>
+              <a:rPr lang="en-US" dirty="0"/>
+              <a:t>Spoke 1</a:t>
+            </a:r>
+            <a:endParaRPr lang="de-DE" dirty="0"/>
+          </a:p>
+        </p:txBody>
+      </p:sp>
+      <p:sp>
+        <p:nvSpPr>
+          <p:cNvPr id="13" name="TextBox 12">
+            <a:extLst>
+              <a:ext uri="{FF2B5EF4-FFF2-40B4-BE49-F238E27FC236}">
+                <a16:creationId xmlns:a16="http://schemas.microsoft.com/office/drawing/2014/main" id="{431F29EB-7805-4371-9BBE-92DBF9D7D0C4}"/>
+              </a:ext>
+            </a:extLst>
+          </p:cNvPr>
+          <p:cNvSpPr txBox="1"/>
+          <p:nvPr/>
+        </p:nvSpPr>
+        <p:spPr>
+          <a:xfrm>
+            <a:off x="7242021" y="1312047"/>
+            <a:ext cx="1197212" cy="369332"/>
+          </a:xfrm>
+          <a:prstGeom prst="rect">
+            <a:avLst/>
+          </a:prstGeom>
+          <a:noFill/>
+        </p:spPr>
+        <p:txBody>
+          <a:bodyPr wrap="square" rtlCol="0">
+            <a:spAutoFit/>
+          </a:bodyPr>
+          <a:lstStyle/>
+          <a:p>
+            <a:pPr algn="ctr"/>
+            <a:r>
+              <a:rPr lang="en-US" dirty="0"/>
+              <a:t>Spoke 2</a:t>
+            </a:r>
+            <a:endParaRPr lang="de-DE" dirty="0"/>
+          </a:p>
+        </p:txBody>
+      </p:sp>
+      <p:cxnSp>
+        <p:nvCxnSpPr>
+          <p:cNvPr id="53" name="Straight Connector 52">
+            <a:extLst>
+              <a:ext uri="{FF2B5EF4-FFF2-40B4-BE49-F238E27FC236}">
+                <a16:creationId xmlns:a16="http://schemas.microsoft.com/office/drawing/2014/main" id="{AC1F0943-1E68-4DA0-877B-64B02C288C82}"/>
+              </a:ext>
+            </a:extLst>
+          </p:cNvPr>
+          <p:cNvCxnSpPr>
+            <a:cxnSpLocks/>
+            <a:stCxn id="3" idx="2"/>
+            <a:endCxn id="5" idx="0"/>
+          </p:cNvCxnSpPr>
+          <p:nvPr/>
+        </p:nvCxnSpPr>
+        <p:spPr>
+          <a:xfrm>
+            <a:off x="2563278" y="2701085"/>
+            <a:ext cx="8453" cy="300638"/>
+          </a:xfrm>
+          <a:prstGeom prst="line">
+            <a:avLst/>
+          </a:prstGeom>
+        </p:spPr>
+        <p:style>
+          <a:lnRef idx="1">
+            <a:schemeClr val="accent1"/>
+          </a:lnRef>
+          <a:fillRef idx="0">
+            <a:schemeClr val="accent1"/>
+          </a:fillRef>
+          <a:effectRef idx="0">
+            <a:schemeClr val="accent1"/>
+          </a:effectRef>
+          <a:fontRef idx="minor">
+            <a:schemeClr val="tx1"/>
+          </a:fontRef>
+        </p:style>
+      </p:cxnSp>
+      <p:cxnSp>
+        <p:nvCxnSpPr>
+          <p:cNvPr id="58" name="Straight Connector 57">
+            <a:extLst>
+              <a:ext uri="{FF2B5EF4-FFF2-40B4-BE49-F238E27FC236}">
+                <a16:creationId xmlns:a16="http://schemas.microsoft.com/office/drawing/2014/main" id="{29533E29-219C-4D5D-ABDF-14921F16ABAC}"/>
+              </a:ext>
+            </a:extLst>
+          </p:cNvPr>
+          <p:cNvCxnSpPr>
+            <a:cxnSpLocks/>
+            <a:stCxn id="4" idx="2"/>
+            <a:endCxn id="7" idx="0"/>
+          </p:cNvCxnSpPr>
+          <p:nvPr/>
+        </p:nvCxnSpPr>
+        <p:spPr>
+          <a:xfrm>
+            <a:off x="7840627" y="2701085"/>
+            <a:ext cx="4752" cy="325238"/>
+          </a:xfrm>
+          <a:prstGeom prst="line">
+            <a:avLst/>
+          </a:prstGeom>
+        </p:spPr>
+        <p:style>
+          <a:lnRef idx="1">
+            <a:schemeClr val="accent1"/>
+          </a:lnRef>
+          <a:fillRef idx="0">
+            <a:schemeClr val="accent1"/>
+          </a:fillRef>
+          <a:effectRef idx="0">
+            <a:schemeClr val="accent1"/>
+          </a:effectRef>
+          <a:fontRef idx="minor">
+            <a:schemeClr val="tx1"/>
+          </a:fontRef>
+        </p:style>
+      </p:cxnSp>
+      <p:cxnSp>
+        <p:nvCxnSpPr>
+          <p:cNvPr id="64" name="Straight Connector 63">
+            <a:extLst>
+              <a:ext uri="{FF2B5EF4-FFF2-40B4-BE49-F238E27FC236}">
+                <a16:creationId xmlns:a16="http://schemas.microsoft.com/office/drawing/2014/main" id="{570BB633-D6C8-4814-B2AE-941DE5C0496F}"/>
+              </a:ext>
+            </a:extLst>
+          </p:cNvPr>
+          <p:cNvCxnSpPr>
+            <a:cxnSpLocks/>
+            <a:stCxn id="2" idx="2"/>
+            <a:endCxn id="8" idx="0"/>
+          </p:cNvCxnSpPr>
+          <p:nvPr/>
+        </p:nvCxnSpPr>
+        <p:spPr>
+          <a:xfrm>
+            <a:off x="5176162" y="2701085"/>
+            <a:ext cx="10338" cy="327579"/>
+          </a:xfrm>
+          <a:prstGeom prst="line">
+            <a:avLst/>
+          </a:prstGeom>
+        </p:spPr>
+        <p:style>
+          <a:lnRef idx="1">
+            <a:schemeClr val="accent1"/>
+          </a:lnRef>
+          <a:fillRef idx="0">
+            <a:schemeClr val="accent1"/>
+          </a:fillRef>
+          <a:effectRef idx="0">
+            <a:schemeClr val="accent1"/>
+          </a:effectRef>
+          <a:fontRef idx="minor">
+            <a:schemeClr val="tx1"/>
+          </a:fontRef>
+        </p:style>
+      </p:cxnSp>
+      <p:cxnSp>
+        <p:nvCxnSpPr>
+          <p:cNvPr id="70" name="Straight Connector 69">
+            <a:extLst>
+              <a:ext uri="{FF2B5EF4-FFF2-40B4-BE49-F238E27FC236}">
+                <a16:creationId xmlns:a16="http://schemas.microsoft.com/office/drawing/2014/main" id="{9B45E834-36B5-40E0-948C-050F14995100}"/>
+              </a:ext>
+            </a:extLst>
+          </p:cNvPr>
+          <p:cNvCxnSpPr>
+            <a:cxnSpLocks/>
+            <a:stCxn id="2" idx="2"/>
+            <a:endCxn id="10" idx="0"/>
+          </p:cNvCxnSpPr>
+          <p:nvPr/>
+        </p:nvCxnSpPr>
+        <p:spPr>
+          <a:xfrm flipH="1">
+            <a:off x="4365003" y="2701085"/>
+            <a:ext cx="811159" cy="311502"/>
+          </a:xfrm>
+          <a:prstGeom prst="line">
+            <a:avLst/>
+          </a:prstGeom>
+        </p:spPr>
+        <p:style>
+          <a:lnRef idx="1">
+            <a:schemeClr val="accent1"/>
+          </a:lnRef>
+          <a:fillRef idx="0">
+            <a:schemeClr val="accent1"/>
+          </a:fillRef>
+          <a:effectRef idx="0">
+            <a:schemeClr val="accent1"/>
+          </a:effectRef>
+          <a:fontRef idx="minor">
+            <a:schemeClr val="tx1"/>
+          </a:fontRef>
+        </p:style>
+      </p:cxnSp>
+      <p:cxnSp>
+        <p:nvCxnSpPr>
+          <p:cNvPr id="73" name="Straight Connector 72">
+            <a:extLst>
+              <a:ext uri="{FF2B5EF4-FFF2-40B4-BE49-F238E27FC236}">
+                <a16:creationId xmlns:a16="http://schemas.microsoft.com/office/drawing/2014/main" id="{E26BA6A6-4480-42CD-AB7F-5336567584CD}"/>
+              </a:ext>
+            </a:extLst>
+          </p:cNvPr>
+          <p:cNvCxnSpPr>
+            <a:cxnSpLocks/>
+            <a:stCxn id="2" idx="2"/>
+            <a:endCxn id="9" idx="0"/>
+          </p:cNvCxnSpPr>
+          <p:nvPr/>
+        </p:nvCxnSpPr>
+        <p:spPr>
+          <a:xfrm>
+            <a:off x="5176162" y="2701085"/>
+            <a:ext cx="927667" cy="303712"/>
+          </a:xfrm>
+          <a:prstGeom prst="line">
+            <a:avLst/>
+          </a:prstGeom>
+        </p:spPr>
+        <p:style>
+          <a:lnRef idx="1">
+            <a:schemeClr val="accent1"/>
+          </a:lnRef>
+          <a:fillRef idx="0">
+            <a:schemeClr val="accent1"/>
+          </a:fillRef>
+          <a:effectRef idx="0">
+            <a:schemeClr val="accent1"/>
+          </a:effectRef>
+          <a:fontRef idx="minor">
+            <a:schemeClr val="tx1"/>
+          </a:fontRef>
+        </p:style>
+      </p:cxnSp>
+      <p:sp>
+        <p:nvSpPr>
+          <p:cNvPr id="76" name="TextBox 75">
+            <a:extLst>
+              <a:ext uri="{FF2B5EF4-FFF2-40B4-BE49-F238E27FC236}">
+                <a16:creationId xmlns:a16="http://schemas.microsoft.com/office/drawing/2014/main" id="{FEDD8DAC-5978-4442-852F-AB1809B7BA4D}"/>
+              </a:ext>
+            </a:extLst>
+          </p:cNvPr>
+          <p:cNvSpPr txBox="1"/>
+          <p:nvPr/>
+        </p:nvSpPr>
+        <p:spPr>
+          <a:xfrm>
+            <a:off x="477883" y="3129232"/>
+            <a:ext cx="1197212" cy="369332"/>
+          </a:xfrm>
+          <a:prstGeom prst="rect">
+            <a:avLst/>
+          </a:prstGeom>
+          <a:noFill/>
+        </p:spPr>
+        <p:txBody>
+          <a:bodyPr wrap="square" rtlCol="0">
+            <a:spAutoFit/>
+          </a:bodyPr>
+          <a:lstStyle/>
+          <a:p>
+            <a:pPr algn="ctr"/>
+            <a:r>
+              <a:rPr lang="en-US" dirty="0">
+                <a:solidFill>
+                  <a:schemeClr val="accent1"/>
+                </a:solidFill>
+              </a:rPr>
+              <a:t>Subnets</a:t>
+            </a:r>
+            <a:endParaRPr lang="de-DE" dirty="0">
+              <a:solidFill>
+                <a:schemeClr val="accent1"/>
+              </a:solidFill>
+            </a:endParaRPr>
+          </a:p>
+        </p:txBody>
+      </p:sp>
+      <p:sp>
+        <p:nvSpPr>
+          <p:cNvPr id="77" name="TextBox 76">
+            <a:extLst>
+              <a:ext uri="{FF2B5EF4-FFF2-40B4-BE49-F238E27FC236}">
+                <a16:creationId xmlns:a16="http://schemas.microsoft.com/office/drawing/2014/main" id="{C350A125-5326-49BC-B666-CD5F580FEC52}"/>
+              </a:ext>
+            </a:extLst>
+          </p:cNvPr>
+          <p:cNvSpPr txBox="1"/>
+          <p:nvPr/>
+        </p:nvSpPr>
+        <p:spPr>
+          <a:xfrm>
+            <a:off x="477883" y="2323430"/>
+            <a:ext cx="1197212" cy="369332"/>
+          </a:xfrm>
+          <a:prstGeom prst="rect">
+            <a:avLst/>
+          </a:prstGeom>
+          <a:noFill/>
+        </p:spPr>
+        <p:txBody>
+          <a:bodyPr wrap="square" rtlCol="0">
+            <a:spAutoFit/>
+          </a:bodyPr>
+          <a:lstStyle/>
+          <a:p>
+            <a:pPr algn="ctr"/>
+            <a:r>
+              <a:rPr lang="en-US" dirty="0" err="1">
+                <a:solidFill>
+                  <a:schemeClr val="accent1"/>
+                </a:solidFill>
+              </a:rPr>
+              <a:t>VNet</a:t>
+            </a:r>
+            <a:endParaRPr lang="de-DE" dirty="0">
+              <a:solidFill>
+                <a:schemeClr val="accent1"/>
+              </a:solidFill>
+            </a:endParaRPr>
+          </a:p>
+        </p:txBody>
+      </p:sp>
+    </p:spTree>
+    <p:extLst>
+      <p:ext uri="{BB962C8B-B14F-4D97-AF65-F5344CB8AC3E}">
+        <p14:creationId xmlns:p14="http://schemas.microsoft.com/office/powerpoint/2010/main" val="1092179241"/>
+      </p:ext>
+    </p:extLst>
+  </p:cSld>
+  <p:clrMapOvr>
+    <a:masterClrMapping/>
+  </p:clrMapOvr>
+</p:sld>
+</file>
+
+<file path=ppt/slides/slide8.xml><?xml version="1.0" encoding="utf-8"?>
+<p:sld xmlns:a="http://schemas.openxmlformats.org/drawingml/2006/main" xmlns:r="http://schemas.openxmlformats.org/officeDocument/2006/relationships" xmlns:p="http://schemas.openxmlformats.org/presentationml/2006/main">
+  <p:cSld>
+    <p:spTree>
+      <p:nvGrpSpPr>
+        <p:cNvPr id="1" name=""/>
+        <p:cNvGrpSpPr/>
+        <p:nvPr/>
+      </p:nvGrpSpPr>
+      <p:grpSpPr>
+        <a:xfrm>
+          <a:off x="0" y="0"/>
+          <a:ext cx="0" cy="0"/>
+          <a:chOff x="0" y="0"/>
+          <a:chExt cx="0" cy="0"/>
+        </a:xfrm>
+      </p:grpSpPr>
+      <p:pic>
+        <p:nvPicPr>
+          <p:cNvPr id="2" name="Graphic 1">
+            <a:extLst>
+              <a:ext uri="{FF2B5EF4-FFF2-40B4-BE49-F238E27FC236}">
+                <a16:creationId xmlns:a16="http://schemas.microsoft.com/office/drawing/2014/main" id="{C2505F20-3047-441E-BB49-80B1AD432C8E}"/>
+              </a:ext>
+            </a:extLst>
+          </p:cNvPr>
+          <p:cNvPicPr>
+            <a:picLocks noChangeAspect="1"/>
+          </p:cNvPicPr>
+          <p:nvPr/>
+        </p:nvPicPr>
+        <p:blipFill>
+          <a:blip r:embed="rId2">
+            <a:extLst>
+              <a:ext uri="{28A0092B-C50C-407E-A947-70E740481C1C}">
+                <a14:useLocalDpi xmlns:a14="http://schemas.microsoft.com/office/drawing/2010/main" val="0"/>
+              </a:ext>
+              <a:ext uri="{96DAC541-7B7A-43D3-8B79-37D633B846F1}">
+                <asvg:svgBlip xmlns:asvg="http://schemas.microsoft.com/office/drawing/2016/SVG/main" r:embed="rId3"/>
+              </a:ext>
+            </a:extLst>
+          </a:blip>
+          <a:stretch>
+            <a:fillRect/>
+          </a:stretch>
+        </p:blipFill>
+        <p:spPr>
+          <a:xfrm>
+            <a:off x="4906617" y="2161995"/>
+            <a:ext cx="539090" cy="539090"/>
+          </a:xfrm>
+          <a:prstGeom prst="rect">
+            <a:avLst/>
+          </a:prstGeom>
+        </p:spPr>
+      </p:pic>
+      <p:pic>
+        <p:nvPicPr>
+          <p:cNvPr id="3" name="Graphic 2">
+            <a:extLst>
+              <a:ext uri="{FF2B5EF4-FFF2-40B4-BE49-F238E27FC236}">
+                <a16:creationId xmlns:a16="http://schemas.microsoft.com/office/drawing/2014/main" id="{C68BF8F9-1AD5-4333-A4D6-341031D661D0}"/>
+              </a:ext>
+            </a:extLst>
+          </p:cNvPr>
+          <p:cNvPicPr>
+            <a:picLocks noChangeAspect="1"/>
+          </p:cNvPicPr>
+          <p:nvPr/>
+        </p:nvPicPr>
+        <p:blipFill>
+          <a:blip r:embed="rId2">
+            <a:extLst>
+              <a:ext uri="{28A0092B-C50C-407E-A947-70E740481C1C}">
+                <a14:useLocalDpi xmlns:a14="http://schemas.microsoft.com/office/drawing/2010/main" val="0"/>
+              </a:ext>
+              <a:ext uri="{96DAC541-7B7A-43D3-8B79-37D633B846F1}">
+                <asvg:svgBlip xmlns:asvg="http://schemas.microsoft.com/office/drawing/2016/SVG/main" r:embed="rId3"/>
+              </a:ext>
+            </a:extLst>
+          </a:blip>
+          <a:stretch>
+            <a:fillRect/>
+          </a:stretch>
+        </p:blipFill>
+        <p:spPr>
+          <a:xfrm>
+            <a:off x="2293733" y="2161995"/>
+            <a:ext cx="539090" cy="539090"/>
+          </a:xfrm>
+          <a:prstGeom prst="rect">
+            <a:avLst/>
+          </a:prstGeom>
+        </p:spPr>
+      </p:pic>
+      <p:pic>
+        <p:nvPicPr>
+          <p:cNvPr id="4" name="Graphic 3">
+            <a:extLst>
+              <a:ext uri="{FF2B5EF4-FFF2-40B4-BE49-F238E27FC236}">
+                <a16:creationId xmlns:a16="http://schemas.microsoft.com/office/drawing/2014/main" id="{99FA2CCE-25CA-4BCC-950F-66EC41CCB7E6}"/>
+              </a:ext>
+            </a:extLst>
+          </p:cNvPr>
+          <p:cNvPicPr>
+            <a:picLocks noChangeAspect="1"/>
+          </p:cNvPicPr>
+          <p:nvPr/>
+        </p:nvPicPr>
+        <p:blipFill>
+          <a:blip r:embed="rId2">
+            <a:extLst>
+              <a:ext uri="{28A0092B-C50C-407E-A947-70E740481C1C}">
+                <a14:useLocalDpi xmlns:a14="http://schemas.microsoft.com/office/drawing/2010/main" val="0"/>
+              </a:ext>
+              <a:ext uri="{96DAC541-7B7A-43D3-8B79-37D633B846F1}">
+                <asvg:svgBlip xmlns:asvg="http://schemas.microsoft.com/office/drawing/2016/SVG/main" r:embed="rId3"/>
+              </a:ext>
+            </a:extLst>
+          </a:blip>
+          <a:stretch>
+            <a:fillRect/>
+          </a:stretch>
+        </p:blipFill>
+        <p:spPr>
+          <a:xfrm>
+            <a:off x="7571082" y="2161995"/>
+            <a:ext cx="539090" cy="539090"/>
+          </a:xfrm>
+          <a:prstGeom prst="rect">
+            <a:avLst/>
+          </a:prstGeom>
+        </p:spPr>
+      </p:pic>
+      <p:pic>
+        <p:nvPicPr>
+          <p:cNvPr id="5" name="Graphic 4">
+            <a:extLst>
+              <a:ext uri="{FF2B5EF4-FFF2-40B4-BE49-F238E27FC236}">
+                <a16:creationId xmlns:a16="http://schemas.microsoft.com/office/drawing/2014/main" id="{C493085D-EB05-4547-9B8C-BFFFC35AAB61}"/>
+              </a:ext>
+            </a:extLst>
+          </p:cNvPr>
+          <p:cNvPicPr>
+            <a:picLocks noChangeAspect="1"/>
+          </p:cNvPicPr>
+          <p:nvPr/>
+        </p:nvPicPr>
+        <p:blipFill>
+          <a:blip r:embed="rId4">
+            <a:extLst>
+              <a:ext uri="{28A0092B-C50C-407E-A947-70E740481C1C}">
+                <a14:useLocalDpi xmlns:a14="http://schemas.microsoft.com/office/drawing/2010/main" val="0"/>
+              </a:ext>
+              <a:ext uri="{96DAC541-7B7A-43D3-8B79-37D633B846F1}">
+                <asvg:svgBlip xmlns:asvg="http://schemas.microsoft.com/office/drawing/2016/SVG/main" r:embed="rId5"/>
+              </a:ext>
+            </a:extLst>
+          </a:blip>
+          <a:stretch>
+            <a:fillRect/>
+          </a:stretch>
+        </p:blipFill>
+        <p:spPr>
+          <a:xfrm>
+            <a:off x="2336781" y="3001723"/>
+            <a:ext cx="469900" cy="469900"/>
+          </a:xfrm>
+          <a:prstGeom prst="rect">
+            <a:avLst/>
+          </a:prstGeom>
+        </p:spPr>
+      </p:pic>
+      <p:pic>
+        <p:nvPicPr>
+          <p:cNvPr id="7" name="Graphic 6">
+            <a:extLst>
+              <a:ext uri="{FF2B5EF4-FFF2-40B4-BE49-F238E27FC236}">
+                <a16:creationId xmlns:a16="http://schemas.microsoft.com/office/drawing/2014/main" id="{2258BA33-10DA-409B-B553-2DBD90F1BCCC}"/>
+              </a:ext>
+            </a:extLst>
+          </p:cNvPr>
+          <p:cNvPicPr>
+            <a:picLocks noChangeAspect="1"/>
+          </p:cNvPicPr>
+          <p:nvPr/>
+        </p:nvPicPr>
+        <p:blipFill>
+          <a:blip r:embed="rId4">
+            <a:extLst>
+              <a:ext uri="{28A0092B-C50C-407E-A947-70E740481C1C}">
+                <a14:useLocalDpi xmlns:a14="http://schemas.microsoft.com/office/drawing/2010/main" val="0"/>
+              </a:ext>
+              <a:ext uri="{96DAC541-7B7A-43D3-8B79-37D633B846F1}">
+                <asvg:svgBlip xmlns:asvg="http://schemas.microsoft.com/office/drawing/2016/SVG/main" r:embed="rId5"/>
+              </a:ext>
+            </a:extLst>
+          </a:blip>
+          <a:stretch>
+            <a:fillRect/>
+          </a:stretch>
+        </p:blipFill>
+        <p:spPr>
+          <a:xfrm>
+            <a:off x="7610429" y="3026323"/>
+            <a:ext cx="469900" cy="469900"/>
+          </a:xfrm>
+          <a:prstGeom prst="rect">
+            <a:avLst/>
+          </a:prstGeom>
+        </p:spPr>
+      </p:pic>
+      <p:pic>
+        <p:nvPicPr>
+          <p:cNvPr id="8" name="Graphic 7">
+            <a:extLst>
+              <a:ext uri="{FF2B5EF4-FFF2-40B4-BE49-F238E27FC236}">
+                <a16:creationId xmlns:a16="http://schemas.microsoft.com/office/drawing/2014/main" id="{938AD901-1D1B-437B-90A9-F306776E8088}"/>
+              </a:ext>
+            </a:extLst>
+          </p:cNvPr>
+          <p:cNvPicPr>
+            <a:picLocks noChangeAspect="1"/>
+          </p:cNvPicPr>
+          <p:nvPr/>
+        </p:nvPicPr>
+        <p:blipFill>
+          <a:blip r:embed="rId4">
+            <a:extLst>
+              <a:ext uri="{28A0092B-C50C-407E-A947-70E740481C1C}">
+                <a14:useLocalDpi xmlns:a14="http://schemas.microsoft.com/office/drawing/2010/main" val="0"/>
+              </a:ext>
+              <a:ext uri="{96DAC541-7B7A-43D3-8B79-37D633B846F1}">
+                <asvg:svgBlip xmlns:asvg="http://schemas.microsoft.com/office/drawing/2016/SVG/main" r:embed="rId5"/>
+              </a:ext>
+            </a:extLst>
+          </a:blip>
+          <a:stretch>
+            <a:fillRect/>
+          </a:stretch>
+        </p:blipFill>
+        <p:spPr>
+          <a:xfrm>
+            <a:off x="4951550" y="3028664"/>
+            <a:ext cx="469900" cy="469900"/>
+          </a:xfrm>
+          <a:prstGeom prst="rect">
+            <a:avLst/>
+          </a:prstGeom>
+        </p:spPr>
+      </p:pic>
+      <p:pic>
+        <p:nvPicPr>
+          <p:cNvPr id="9" name="Graphic 8">
+            <a:extLst>
+              <a:ext uri="{FF2B5EF4-FFF2-40B4-BE49-F238E27FC236}">
+                <a16:creationId xmlns:a16="http://schemas.microsoft.com/office/drawing/2014/main" id="{37667A7E-247A-4149-967C-46B41ADFB9C7}"/>
+              </a:ext>
+            </a:extLst>
+          </p:cNvPr>
+          <p:cNvPicPr>
+            <a:picLocks noChangeAspect="1"/>
+          </p:cNvPicPr>
+          <p:nvPr/>
+        </p:nvPicPr>
+        <p:blipFill>
+          <a:blip r:embed="rId4">
+            <a:extLst>
+              <a:ext uri="{28A0092B-C50C-407E-A947-70E740481C1C}">
+                <a14:useLocalDpi xmlns:a14="http://schemas.microsoft.com/office/drawing/2010/main" val="0"/>
+              </a:ext>
+              <a:ext uri="{96DAC541-7B7A-43D3-8B79-37D633B846F1}">
+                <asvg:svgBlip xmlns:asvg="http://schemas.microsoft.com/office/drawing/2016/SVG/main" r:embed="rId5"/>
+              </a:ext>
+            </a:extLst>
+          </a:blip>
+          <a:stretch>
+            <a:fillRect/>
+          </a:stretch>
+        </p:blipFill>
+        <p:spPr>
+          <a:xfrm>
+            <a:off x="5868879" y="3004797"/>
+            <a:ext cx="469900" cy="469900"/>
+          </a:xfrm>
+          <a:prstGeom prst="rect">
+            <a:avLst/>
+          </a:prstGeom>
+        </p:spPr>
+      </p:pic>
+      <p:pic>
+        <p:nvPicPr>
+          <p:cNvPr id="10" name="Graphic 9">
+            <a:extLst>
+              <a:ext uri="{FF2B5EF4-FFF2-40B4-BE49-F238E27FC236}">
+                <a16:creationId xmlns:a16="http://schemas.microsoft.com/office/drawing/2014/main" id="{5561251D-F372-438B-BD86-F023AFF42C42}"/>
+              </a:ext>
+            </a:extLst>
+          </p:cNvPr>
+          <p:cNvPicPr>
+            <a:picLocks noChangeAspect="1"/>
+          </p:cNvPicPr>
+          <p:nvPr/>
+        </p:nvPicPr>
+        <p:blipFill>
+          <a:blip r:embed="rId4">
+            <a:extLst>
+              <a:ext uri="{28A0092B-C50C-407E-A947-70E740481C1C}">
+                <a14:useLocalDpi xmlns:a14="http://schemas.microsoft.com/office/drawing/2010/main" val="0"/>
+              </a:ext>
+              <a:ext uri="{96DAC541-7B7A-43D3-8B79-37D633B846F1}">
+                <asvg:svgBlip xmlns:asvg="http://schemas.microsoft.com/office/drawing/2016/SVG/main" r:embed="rId5"/>
+              </a:ext>
+            </a:extLst>
+          </a:blip>
+          <a:stretch>
+            <a:fillRect/>
+          </a:stretch>
+        </p:blipFill>
+        <p:spPr>
+          <a:xfrm>
+            <a:off x="4130053" y="3012587"/>
+            <a:ext cx="469900" cy="469900"/>
+          </a:xfrm>
+          <a:prstGeom prst="rect">
+            <a:avLst/>
+          </a:prstGeom>
+        </p:spPr>
+      </p:pic>
+      <p:sp>
+        <p:nvSpPr>
+          <p:cNvPr id="11" name="TextBox 10">
+            <a:extLst>
+              <a:ext uri="{FF2B5EF4-FFF2-40B4-BE49-F238E27FC236}">
+                <a16:creationId xmlns:a16="http://schemas.microsoft.com/office/drawing/2014/main" id="{29E929EF-FA9F-479B-8000-778B1CFBF773}"/>
+              </a:ext>
+            </a:extLst>
+          </p:cNvPr>
+          <p:cNvSpPr txBox="1"/>
+          <p:nvPr/>
+        </p:nvSpPr>
+        <p:spPr>
+          <a:xfrm>
+            <a:off x="4577556" y="1249895"/>
+            <a:ext cx="1197212" cy="369332"/>
+          </a:xfrm>
+          <a:prstGeom prst="rect">
+            <a:avLst/>
+          </a:prstGeom>
+          <a:noFill/>
+        </p:spPr>
+        <p:txBody>
+          <a:bodyPr wrap="square" rtlCol="0">
+            <a:spAutoFit/>
+          </a:bodyPr>
+          <a:lstStyle/>
+          <a:p>
+            <a:pPr algn="ctr"/>
+            <a:r>
+              <a:rPr lang="en-US" dirty="0"/>
+              <a:t>Hub</a:t>
+            </a:r>
+            <a:endParaRPr lang="de-DE" dirty="0"/>
+          </a:p>
+        </p:txBody>
+      </p:sp>
+      <p:sp>
+        <p:nvSpPr>
+          <p:cNvPr id="12" name="TextBox 11">
+            <a:extLst>
+              <a:ext uri="{FF2B5EF4-FFF2-40B4-BE49-F238E27FC236}">
+                <a16:creationId xmlns:a16="http://schemas.microsoft.com/office/drawing/2014/main" id="{EF755AA2-1395-4CA8-A2FC-D59A32CDAEE7}"/>
+              </a:ext>
+            </a:extLst>
+          </p:cNvPr>
+          <p:cNvSpPr txBox="1"/>
+          <p:nvPr/>
+        </p:nvSpPr>
+        <p:spPr>
+          <a:xfrm>
+            <a:off x="1999267" y="1319787"/>
+            <a:ext cx="1197212" cy="369332"/>
+          </a:xfrm>
+          <a:prstGeom prst="rect">
+            <a:avLst/>
+          </a:prstGeom>
+          <a:noFill/>
+        </p:spPr>
+        <p:txBody>
+          <a:bodyPr wrap="square" rtlCol="0">
+            <a:spAutoFit/>
+          </a:bodyPr>
+          <a:lstStyle/>
+          <a:p>
+            <a:pPr algn="ctr"/>
+            <a:r>
+              <a:rPr lang="en-US" dirty="0"/>
+              <a:t>Spoke 1</a:t>
+            </a:r>
+            <a:endParaRPr lang="de-DE" dirty="0"/>
+          </a:p>
+        </p:txBody>
+      </p:sp>
+      <p:sp>
+        <p:nvSpPr>
+          <p:cNvPr id="13" name="TextBox 12">
+            <a:extLst>
+              <a:ext uri="{FF2B5EF4-FFF2-40B4-BE49-F238E27FC236}">
+                <a16:creationId xmlns:a16="http://schemas.microsoft.com/office/drawing/2014/main" id="{431F29EB-7805-4371-9BBE-92DBF9D7D0C4}"/>
+              </a:ext>
+            </a:extLst>
+          </p:cNvPr>
+          <p:cNvSpPr txBox="1"/>
+          <p:nvPr/>
+        </p:nvSpPr>
+        <p:spPr>
+          <a:xfrm>
+            <a:off x="7242021" y="1312047"/>
+            <a:ext cx="1197212" cy="369332"/>
+          </a:xfrm>
+          <a:prstGeom prst="rect">
+            <a:avLst/>
+          </a:prstGeom>
+          <a:noFill/>
+        </p:spPr>
+        <p:txBody>
+          <a:bodyPr wrap="square" rtlCol="0">
+            <a:spAutoFit/>
+          </a:bodyPr>
+          <a:lstStyle/>
+          <a:p>
+            <a:pPr algn="ctr"/>
+            <a:r>
+              <a:rPr lang="en-US" dirty="0"/>
+              <a:t>Spoke 2</a:t>
+            </a:r>
+            <a:endParaRPr lang="de-DE" dirty="0"/>
+          </a:p>
+        </p:txBody>
+      </p:sp>
+      <p:cxnSp>
+        <p:nvCxnSpPr>
+          <p:cNvPr id="32" name="Straight Connector 31">
+            <a:extLst>
+              <a:ext uri="{FF2B5EF4-FFF2-40B4-BE49-F238E27FC236}">
+                <a16:creationId xmlns:a16="http://schemas.microsoft.com/office/drawing/2014/main" id="{45AEB04B-F538-42C6-A21A-23DF5697CD94}"/>
+              </a:ext>
+            </a:extLst>
+          </p:cNvPr>
+          <p:cNvCxnSpPr>
+            <a:cxnSpLocks/>
+            <a:stCxn id="3" idx="3"/>
+            <a:endCxn id="2" idx="1"/>
+          </p:cNvCxnSpPr>
+          <p:nvPr/>
+        </p:nvCxnSpPr>
+        <p:spPr>
+          <a:xfrm>
+            <a:off x="2832823" y="2431540"/>
+            <a:ext cx="2073794" cy="0"/>
+          </a:xfrm>
+          <a:prstGeom prst="line">
+            <a:avLst/>
+          </a:prstGeom>
+        </p:spPr>
+        <p:style>
+          <a:lnRef idx="1">
+            <a:schemeClr val="accent1"/>
+          </a:lnRef>
+          <a:fillRef idx="0">
+            <a:schemeClr val="accent1"/>
+          </a:fillRef>
+          <a:effectRef idx="0">
+            <a:schemeClr val="accent1"/>
+          </a:effectRef>
+          <a:fontRef idx="minor">
+            <a:schemeClr val="tx1"/>
+          </a:fontRef>
+        </p:style>
+      </p:cxnSp>
+      <p:sp>
+        <p:nvSpPr>
+          <p:cNvPr id="50" name="TextBox 49">
+            <a:extLst>
+              <a:ext uri="{FF2B5EF4-FFF2-40B4-BE49-F238E27FC236}">
+                <a16:creationId xmlns:a16="http://schemas.microsoft.com/office/drawing/2014/main" id="{D2148355-3611-4070-AF41-C4690EB2F67A}"/>
+              </a:ext>
+            </a:extLst>
+          </p:cNvPr>
+          <p:cNvSpPr txBox="1"/>
+          <p:nvPr/>
+        </p:nvSpPr>
+        <p:spPr>
+          <a:xfrm>
+            <a:off x="3410284" y="2104648"/>
+            <a:ext cx="838211" cy="307777"/>
+          </a:xfrm>
+          <a:prstGeom prst="rect">
+            <a:avLst/>
+          </a:prstGeom>
+          <a:noFill/>
+        </p:spPr>
+        <p:txBody>
+          <a:bodyPr wrap="square" rtlCol="0">
+            <a:spAutoFit/>
+          </a:bodyPr>
+          <a:lstStyle/>
+          <a:p>
+            <a:pPr algn="ctr"/>
+            <a:r>
+              <a:rPr lang="en-US" sz="1400" dirty="0">
+                <a:solidFill>
+                  <a:schemeClr val="accent1"/>
+                </a:solidFill>
+              </a:rPr>
+              <a:t>Peering</a:t>
+            </a:r>
+            <a:endParaRPr lang="de-DE" sz="1400" dirty="0">
+              <a:solidFill>
+                <a:schemeClr val="accent1"/>
+              </a:solidFill>
+            </a:endParaRPr>
+          </a:p>
+        </p:txBody>
+      </p:sp>
+      <p:cxnSp>
+        <p:nvCxnSpPr>
+          <p:cNvPr id="53" name="Straight Connector 52">
+            <a:extLst>
+              <a:ext uri="{FF2B5EF4-FFF2-40B4-BE49-F238E27FC236}">
+                <a16:creationId xmlns:a16="http://schemas.microsoft.com/office/drawing/2014/main" id="{AC1F0943-1E68-4DA0-877B-64B02C288C82}"/>
+              </a:ext>
+            </a:extLst>
+          </p:cNvPr>
+          <p:cNvCxnSpPr>
+            <a:cxnSpLocks/>
+            <a:stCxn id="3" idx="2"/>
+            <a:endCxn id="5" idx="0"/>
+          </p:cNvCxnSpPr>
+          <p:nvPr/>
+        </p:nvCxnSpPr>
+        <p:spPr>
+          <a:xfrm>
+            <a:off x="2563278" y="2701085"/>
+            <a:ext cx="8453" cy="300638"/>
+          </a:xfrm>
+          <a:prstGeom prst="line">
+            <a:avLst/>
+          </a:prstGeom>
+        </p:spPr>
+        <p:style>
+          <a:lnRef idx="1">
+            <a:schemeClr val="accent1"/>
+          </a:lnRef>
+          <a:fillRef idx="0">
+            <a:schemeClr val="accent1"/>
+          </a:fillRef>
+          <a:effectRef idx="0">
+            <a:schemeClr val="accent1"/>
+          </a:effectRef>
+          <a:fontRef idx="minor">
+            <a:schemeClr val="tx1"/>
+          </a:fontRef>
+        </p:style>
+      </p:cxnSp>
+      <p:cxnSp>
+        <p:nvCxnSpPr>
+          <p:cNvPr id="58" name="Straight Connector 57">
+            <a:extLst>
+              <a:ext uri="{FF2B5EF4-FFF2-40B4-BE49-F238E27FC236}">
+                <a16:creationId xmlns:a16="http://schemas.microsoft.com/office/drawing/2014/main" id="{29533E29-219C-4D5D-ABDF-14921F16ABAC}"/>
+              </a:ext>
+            </a:extLst>
+          </p:cNvPr>
+          <p:cNvCxnSpPr>
+            <a:cxnSpLocks/>
+            <a:stCxn id="4" idx="2"/>
+            <a:endCxn id="7" idx="0"/>
+          </p:cNvCxnSpPr>
+          <p:nvPr/>
+        </p:nvCxnSpPr>
+        <p:spPr>
+          <a:xfrm>
+            <a:off x="7840627" y="2701085"/>
+            <a:ext cx="4752" cy="325238"/>
+          </a:xfrm>
+          <a:prstGeom prst="line">
+            <a:avLst/>
+          </a:prstGeom>
+        </p:spPr>
+        <p:style>
+          <a:lnRef idx="1">
+            <a:schemeClr val="accent1"/>
+          </a:lnRef>
+          <a:fillRef idx="0">
+            <a:schemeClr val="accent1"/>
+          </a:fillRef>
+          <a:effectRef idx="0">
+            <a:schemeClr val="accent1"/>
+          </a:effectRef>
+          <a:fontRef idx="minor">
+            <a:schemeClr val="tx1"/>
+          </a:fontRef>
+        </p:style>
+      </p:cxnSp>
+      <p:cxnSp>
+        <p:nvCxnSpPr>
+          <p:cNvPr id="64" name="Straight Connector 63">
+            <a:extLst>
+              <a:ext uri="{FF2B5EF4-FFF2-40B4-BE49-F238E27FC236}">
+                <a16:creationId xmlns:a16="http://schemas.microsoft.com/office/drawing/2014/main" id="{570BB633-D6C8-4814-B2AE-941DE5C0496F}"/>
+              </a:ext>
+            </a:extLst>
+          </p:cNvPr>
+          <p:cNvCxnSpPr>
+            <a:cxnSpLocks/>
+            <a:stCxn id="2" idx="2"/>
+            <a:endCxn id="8" idx="0"/>
+          </p:cNvCxnSpPr>
+          <p:nvPr/>
+        </p:nvCxnSpPr>
+        <p:spPr>
+          <a:xfrm>
+            <a:off x="5176162" y="2701085"/>
+            <a:ext cx="10338" cy="327579"/>
+          </a:xfrm>
+          <a:prstGeom prst="line">
+            <a:avLst/>
+          </a:prstGeom>
+        </p:spPr>
+        <p:style>
+          <a:lnRef idx="1">
+            <a:schemeClr val="accent1"/>
+          </a:lnRef>
+          <a:fillRef idx="0">
+            <a:schemeClr val="accent1"/>
+          </a:fillRef>
+          <a:effectRef idx="0">
+            <a:schemeClr val="accent1"/>
+          </a:effectRef>
+          <a:fontRef idx="minor">
+            <a:schemeClr val="tx1"/>
+          </a:fontRef>
+        </p:style>
+      </p:cxnSp>
+      <p:cxnSp>
+        <p:nvCxnSpPr>
+          <p:cNvPr id="70" name="Straight Connector 69">
+            <a:extLst>
+              <a:ext uri="{FF2B5EF4-FFF2-40B4-BE49-F238E27FC236}">
+                <a16:creationId xmlns:a16="http://schemas.microsoft.com/office/drawing/2014/main" id="{9B45E834-36B5-40E0-948C-050F14995100}"/>
+              </a:ext>
+            </a:extLst>
+          </p:cNvPr>
+          <p:cNvCxnSpPr>
+            <a:cxnSpLocks/>
+            <a:stCxn id="2" idx="2"/>
+            <a:endCxn id="10" idx="0"/>
+          </p:cNvCxnSpPr>
+          <p:nvPr/>
+        </p:nvCxnSpPr>
+        <p:spPr>
+          <a:xfrm flipH="1">
+            <a:off x="4365003" y="2701085"/>
+            <a:ext cx="811159" cy="311502"/>
+          </a:xfrm>
+          <a:prstGeom prst="line">
+            <a:avLst/>
+          </a:prstGeom>
+        </p:spPr>
+        <p:style>
+          <a:lnRef idx="1">
+            <a:schemeClr val="accent1"/>
+          </a:lnRef>
+          <a:fillRef idx="0">
+            <a:schemeClr val="accent1"/>
+          </a:fillRef>
+          <a:effectRef idx="0">
+            <a:schemeClr val="accent1"/>
+          </a:effectRef>
+          <a:fontRef idx="minor">
+            <a:schemeClr val="tx1"/>
+          </a:fontRef>
+        </p:style>
+      </p:cxnSp>
+      <p:cxnSp>
+        <p:nvCxnSpPr>
+          <p:cNvPr id="73" name="Straight Connector 72">
+            <a:extLst>
+              <a:ext uri="{FF2B5EF4-FFF2-40B4-BE49-F238E27FC236}">
+                <a16:creationId xmlns:a16="http://schemas.microsoft.com/office/drawing/2014/main" id="{E26BA6A6-4480-42CD-AB7F-5336567584CD}"/>
+              </a:ext>
+            </a:extLst>
+          </p:cNvPr>
+          <p:cNvCxnSpPr>
+            <a:cxnSpLocks/>
+            <a:stCxn id="2" idx="2"/>
+            <a:endCxn id="9" idx="0"/>
+          </p:cNvCxnSpPr>
+          <p:nvPr/>
+        </p:nvCxnSpPr>
+        <p:spPr>
+          <a:xfrm>
+            <a:off x="5176162" y="2701085"/>
+            <a:ext cx="927667" cy="303712"/>
+          </a:xfrm>
+          <a:prstGeom prst="line">
+            <a:avLst/>
+          </a:prstGeom>
+        </p:spPr>
+        <p:style>
+          <a:lnRef idx="1">
+            <a:schemeClr val="accent1"/>
+          </a:lnRef>
+          <a:fillRef idx="0">
+            <a:schemeClr val="accent1"/>
+          </a:fillRef>
+          <a:effectRef idx="0">
+            <a:schemeClr val="accent1"/>
+          </a:effectRef>
+          <a:fontRef idx="minor">
+            <a:schemeClr val="tx1"/>
+          </a:fontRef>
+        </p:style>
+      </p:cxnSp>
+    </p:spTree>
+    <p:extLst>
+      <p:ext uri="{BB962C8B-B14F-4D97-AF65-F5344CB8AC3E}">
+        <p14:creationId xmlns:p14="http://schemas.microsoft.com/office/powerpoint/2010/main" val="1930191273"/>
+      </p:ext>
+    </p:extLst>
+  </p:cSld>
+  <p:clrMapOvr>
+    <a:masterClrMapping/>
+  </p:clrMapOvr>
+</p:sld>
+</file>
+
+<file path=ppt/slides/slide9.xml><?xml version="1.0" encoding="utf-8"?>
+<p:sld xmlns:a="http://schemas.openxmlformats.org/drawingml/2006/main" xmlns:r="http://schemas.openxmlformats.org/officeDocument/2006/relationships" xmlns:p="http://schemas.openxmlformats.org/presentationml/2006/main">
+  <p:cSld>
+    <p:spTree>
+      <p:nvGrpSpPr>
+        <p:cNvPr id="1" name=""/>
+        <p:cNvGrpSpPr/>
+        <p:nvPr/>
+      </p:nvGrpSpPr>
+      <p:grpSpPr>
+        <a:xfrm>
+          <a:off x="0" y="0"/>
+          <a:ext cx="0" cy="0"/>
+          <a:chOff x="0" y="0"/>
+          <a:chExt cx="0" cy="0"/>
+        </a:xfrm>
+      </p:grpSpPr>
+      <p:pic>
+        <p:nvPicPr>
+          <p:cNvPr id="2" name="Graphic 1">
+            <a:extLst>
+              <a:ext uri="{FF2B5EF4-FFF2-40B4-BE49-F238E27FC236}">
+                <a16:creationId xmlns:a16="http://schemas.microsoft.com/office/drawing/2014/main" id="{C2505F20-3047-441E-BB49-80B1AD432C8E}"/>
+              </a:ext>
+            </a:extLst>
+          </p:cNvPr>
+          <p:cNvPicPr>
+            <a:picLocks noChangeAspect="1"/>
+          </p:cNvPicPr>
+          <p:nvPr/>
+        </p:nvPicPr>
+        <p:blipFill>
+          <a:blip r:embed="rId2">
+            <a:extLst>
+              <a:ext uri="{28A0092B-C50C-407E-A947-70E740481C1C}">
+                <a14:useLocalDpi xmlns:a14="http://schemas.microsoft.com/office/drawing/2010/main" val="0"/>
+              </a:ext>
+              <a:ext uri="{96DAC541-7B7A-43D3-8B79-37D633B846F1}">
+                <asvg:svgBlip xmlns:asvg="http://schemas.microsoft.com/office/drawing/2016/SVG/main" r:embed="rId3"/>
+              </a:ext>
+            </a:extLst>
+          </a:blip>
+          <a:stretch>
+            <a:fillRect/>
+          </a:stretch>
+        </p:blipFill>
+        <p:spPr>
+          <a:xfrm>
+            <a:off x="4906617" y="2161995"/>
+            <a:ext cx="539090" cy="539090"/>
+          </a:xfrm>
+          <a:prstGeom prst="rect">
+            <a:avLst/>
+          </a:prstGeom>
+        </p:spPr>
+      </p:pic>
+      <p:pic>
+        <p:nvPicPr>
+          <p:cNvPr id="3" name="Graphic 2">
+            <a:extLst>
+              <a:ext uri="{FF2B5EF4-FFF2-40B4-BE49-F238E27FC236}">
+                <a16:creationId xmlns:a16="http://schemas.microsoft.com/office/drawing/2014/main" id="{C68BF8F9-1AD5-4333-A4D6-341031D661D0}"/>
+              </a:ext>
+            </a:extLst>
+          </p:cNvPr>
+          <p:cNvPicPr>
+            <a:picLocks noChangeAspect="1"/>
+          </p:cNvPicPr>
+          <p:nvPr/>
+        </p:nvPicPr>
+        <p:blipFill>
+          <a:blip r:embed="rId2">
+            <a:extLst>
+              <a:ext uri="{28A0092B-C50C-407E-A947-70E740481C1C}">
+                <a14:useLocalDpi xmlns:a14="http://schemas.microsoft.com/office/drawing/2010/main" val="0"/>
+              </a:ext>
+              <a:ext uri="{96DAC541-7B7A-43D3-8B79-37D633B846F1}">
+                <asvg:svgBlip xmlns:asvg="http://schemas.microsoft.com/office/drawing/2016/SVG/main" r:embed="rId3"/>
+              </a:ext>
+            </a:extLst>
+          </a:blip>
+          <a:stretch>
+            <a:fillRect/>
+          </a:stretch>
+        </p:blipFill>
+        <p:spPr>
+          <a:xfrm>
+            <a:off x="2293733" y="2161995"/>
+            <a:ext cx="539090" cy="539090"/>
+          </a:xfrm>
+          <a:prstGeom prst="rect">
+            <a:avLst/>
+          </a:prstGeom>
+        </p:spPr>
+      </p:pic>
+      <p:pic>
+        <p:nvPicPr>
+          <p:cNvPr id="4" name="Graphic 3">
+            <a:extLst>
+              <a:ext uri="{FF2B5EF4-FFF2-40B4-BE49-F238E27FC236}">
+                <a16:creationId xmlns:a16="http://schemas.microsoft.com/office/drawing/2014/main" id="{99FA2CCE-25CA-4BCC-950F-66EC41CCB7E6}"/>
+              </a:ext>
+            </a:extLst>
+          </p:cNvPr>
+          <p:cNvPicPr>
+            <a:picLocks noChangeAspect="1"/>
+          </p:cNvPicPr>
+          <p:nvPr/>
+        </p:nvPicPr>
+        <p:blipFill>
+          <a:blip r:embed="rId2">
+            <a:extLst>
+              <a:ext uri="{28A0092B-C50C-407E-A947-70E740481C1C}">
+                <a14:useLocalDpi xmlns:a14="http://schemas.microsoft.com/office/drawing/2010/main" val="0"/>
+              </a:ext>
+              <a:ext uri="{96DAC541-7B7A-43D3-8B79-37D633B846F1}">
+                <asvg:svgBlip xmlns:asvg="http://schemas.microsoft.com/office/drawing/2016/SVG/main" r:embed="rId3"/>
+              </a:ext>
+            </a:extLst>
+          </a:blip>
+          <a:stretch>
+            <a:fillRect/>
+          </a:stretch>
+        </p:blipFill>
+        <p:spPr>
+          <a:xfrm>
+            <a:off x="7571082" y="2161995"/>
+            <a:ext cx="539090" cy="539090"/>
+          </a:xfrm>
+          <a:prstGeom prst="rect">
+            <a:avLst/>
+          </a:prstGeom>
+        </p:spPr>
+      </p:pic>
+      <p:pic>
+        <p:nvPicPr>
+          <p:cNvPr id="5" name="Graphic 4">
+            <a:extLst>
+              <a:ext uri="{FF2B5EF4-FFF2-40B4-BE49-F238E27FC236}">
+                <a16:creationId xmlns:a16="http://schemas.microsoft.com/office/drawing/2014/main" id="{C493085D-EB05-4547-9B8C-BFFFC35AAB61}"/>
+              </a:ext>
+            </a:extLst>
+          </p:cNvPr>
+          <p:cNvPicPr>
+            <a:picLocks noChangeAspect="1"/>
+          </p:cNvPicPr>
+          <p:nvPr/>
+        </p:nvPicPr>
+        <p:blipFill>
+          <a:blip r:embed="rId4">
+            <a:extLst>
+              <a:ext uri="{28A0092B-C50C-407E-A947-70E740481C1C}">
+                <a14:useLocalDpi xmlns:a14="http://schemas.microsoft.com/office/drawing/2010/main" val="0"/>
+              </a:ext>
+              <a:ext uri="{96DAC541-7B7A-43D3-8B79-37D633B846F1}">
+                <asvg:svgBlip xmlns:asvg="http://schemas.microsoft.com/office/drawing/2016/SVG/main" r:embed="rId5"/>
+              </a:ext>
+            </a:extLst>
+          </a:blip>
+          <a:stretch>
+            <a:fillRect/>
+          </a:stretch>
+        </p:blipFill>
+        <p:spPr>
+          <a:xfrm>
+            <a:off x="2336781" y="3001723"/>
+            <a:ext cx="469900" cy="469900"/>
+          </a:xfrm>
+          <a:prstGeom prst="rect">
+            <a:avLst/>
+          </a:prstGeom>
+        </p:spPr>
+      </p:pic>
+      <p:pic>
+        <p:nvPicPr>
+          <p:cNvPr id="7" name="Graphic 6">
+            <a:extLst>
+              <a:ext uri="{FF2B5EF4-FFF2-40B4-BE49-F238E27FC236}">
+                <a16:creationId xmlns:a16="http://schemas.microsoft.com/office/drawing/2014/main" id="{2258BA33-10DA-409B-B553-2DBD90F1BCCC}"/>
+              </a:ext>
+            </a:extLst>
+          </p:cNvPr>
+          <p:cNvPicPr>
+            <a:picLocks noChangeAspect="1"/>
+          </p:cNvPicPr>
+          <p:nvPr/>
+        </p:nvPicPr>
+        <p:blipFill>
+          <a:blip r:embed="rId4">
+            <a:extLst>
+              <a:ext uri="{28A0092B-C50C-407E-A947-70E740481C1C}">
+                <a14:useLocalDpi xmlns:a14="http://schemas.microsoft.com/office/drawing/2010/main" val="0"/>
+              </a:ext>
+              <a:ext uri="{96DAC541-7B7A-43D3-8B79-37D633B846F1}">
+                <asvg:svgBlip xmlns:asvg="http://schemas.microsoft.com/office/drawing/2016/SVG/main" r:embed="rId5"/>
+              </a:ext>
+            </a:extLst>
+          </a:blip>
+          <a:stretch>
+            <a:fillRect/>
+          </a:stretch>
+        </p:blipFill>
+        <p:spPr>
+          <a:xfrm>
+            <a:off x="7610429" y="3026323"/>
+            <a:ext cx="469900" cy="469900"/>
+          </a:xfrm>
+          <a:prstGeom prst="rect">
+            <a:avLst/>
+          </a:prstGeom>
+        </p:spPr>
+      </p:pic>
+      <p:pic>
+        <p:nvPicPr>
+          <p:cNvPr id="8" name="Graphic 7">
+            <a:extLst>
+              <a:ext uri="{FF2B5EF4-FFF2-40B4-BE49-F238E27FC236}">
+                <a16:creationId xmlns:a16="http://schemas.microsoft.com/office/drawing/2014/main" id="{938AD901-1D1B-437B-90A9-F306776E8088}"/>
+              </a:ext>
+            </a:extLst>
+          </p:cNvPr>
+          <p:cNvPicPr>
+            <a:picLocks noChangeAspect="1"/>
+          </p:cNvPicPr>
+          <p:nvPr/>
+        </p:nvPicPr>
+        <p:blipFill>
+          <a:blip r:embed="rId4">
+            <a:extLst>
+              <a:ext uri="{28A0092B-C50C-407E-A947-70E740481C1C}">
+                <a14:useLocalDpi xmlns:a14="http://schemas.microsoft.com/office/drawing/2010/main" val="0"/>
+              </a:ext>
+              <a:ext uri="{96DAC541-7B7A-43D3-8B79-37D633B846F1}">
+                <asvg:svgBlip xmlns:asvg="http://schemas.microsoft.com/office/drawing/2016/SVG/main" r:embed="rId5"/>
+              </a:ext>
+            </a:extLst>
+          </a:blip>
+          <a:stretch>
+            <a:fillRect/>
+          </a:stretch>
+        </p:blipFill>
+        <p:spPr>
+          <a:xfrm>
+            <a:off x="4951550" y="3028664"/>
+            <a:ext cx="469900" cy="469900"/>
+          </a:xfrm>
+          <a:prstGeom prst="rect">
+            <a:avLst/>
+          </a:prstGeom>
+        </p:spPr>
+      </p:pic>
+      <p:pic>
+        <p:nvPicPr>
+          <p:cNvPr id="9" name="Graphic 8">
+            <a:extLst>
+              <a:ext uri="{FF2B5EF4-FFF2-40B4-BE49-F238E27FC236}">
+                <a16:creationId xmlns:a16="http://schemas.microsoft.com/office/drawing/2014/main" id="{37667A7E-247A-4149-967C-46B41ADFB9C7}"/>
+              </a:ext>
+            </a:extLst>
+          </p:cNvPr>
+          <p:cNvPicPr>
+            <a:picLocks noChangeAspect="1"/>
+          </p:cNvPicPr>
+          <p:nvPr/>
+        </p:nvPicPr>
+        <p:blipFill>
+          <a:blip r:embed="rId4">
+            <a:extLst>
+              <a:ext uri="{28A0092B-C50C-407E-A947-70E740481C1C}">
+                <a14:useLocalDpi xmlns:a14="http://schemas.microsoft.com/office/drawing/2010/main" val="0"/>
+              </a:ext>
+              <a:ext uri="{96DAC541-7B7A-43D3-8B79-37D633B846F1}">
+                <asvg:svgBlip xmlns:asvg="http://schemas.microsoft.com/office/drawing/2016/SVG/main" r:embed="rId5"/>
+              </a:ext>
+            </a:extLst>
+          </a:blip>
+          <a:stretch>
+            <a:fillRect/>
+          </a:stretch>
+        </p:blipFill>
+        <p:spPr>
+          <a:xfrm>
+            <a:off x="5868879" y="3004797"/>
+            <a:ext cx="469900" cy="469900"/>
+          </a:xfrm>
+          <a:prstGeom prst="rect">
+            <a:avLst/>
+          </a:prstGeom>
+        </p:spPr>
+      </p:pic>
+      <p:pic>
+        <p:nvPicPr>
+          <p:cNvPr id="10" name="Graphic 9">
+            <a:extLst>
+              <a:ext uri="{FF2B5EF4-FFF2-40B4-BE49-F238E27FC236}">
+                <a16:creationId xmlns:a16="http://schemas.microsoft.com/office/drawing/2014/main" id="{5561251D-F372-438B-BD86-F023AFF42C42}"/>
+              </a:ext>
+            </a:extLst>
+          </p:cNvPr>
+          <p:cNvPicPr>
+            <a:picLocks noChangeAspect="1"/>
+          </p:cNvPicPr>
+          <p:nvPr/>
+        </p:nvPicPr>
+        <p:blipFill>
+          <a:blip r:embed="rId4">
+            <a:extLst>
+              <a:ext uri="{28A0092B-C50C-407E-A947-70E740481C1C}">
+                <a14:useLocalDpi xmlns:a14="http://schemas.microsoft.com/office/drawing/2010/main" val="0"/>
+              </a:ext>
+              <a:ext uri="{96DAC541-7B7A-43D3-8B79-37D633B846F1}">
+                <asvg:svgBlip xmlns:asvg="http://schemas.microsoft.com/office/drawing/2016/SVG/main" r:embed="rId5"/>
+              </a:ext>
+            </a:extLst>
+          </a:blip>
+          <a:stretch>
+            <a:fillRect/>
+          </a:stretch>
+        </p:blipFill>
+        <p:spPr>
+          <a:xfrm>
+            <a:off x="4130053" y="3022014"/>
+            <a:ext cx="469900" cy="469900"/>
+          </a:xfrm>
+          <a:prstGeom prst="rect">
+            <a:avLst/>
+          </a:prstGeom>
+        </p:spPr>
+      </p:pic>
+      <p:sp>
+        <p:nvSpPr>
+          <p:cNvPr id="11" name="TextBox 10">
+            <a:extLst>
+              <a:ext uri="{FF2B5EF4-FFF2-40B4-BE49-F238E27FC236}">
+                <a16:creationId xmlns:a16="http://schemas.microsoft.com/office/drawing/2014/main" id="{29E929EF-FA9F-479B-8000-778B1CFBF773}"/>
+              </a:ext>
+            </a:extLst>
+          </p:cNvPr>
+          <p:cNvSpPr txBox="1"/>
+          <p:nvPr/>
+        </p:nvSpPr>
+        <p:spPr>
+          <a:xfrm>
+            <a:off x="4577556" y="1249895"/>
+            <a:ext cx="1197212" cy="369332"/>
+          </a:xfrm>
+          <a:prstGeom prst="rect">
+            <a:avLst/>
+          </a:prstGeom>
+          <a:noFill/>
+        </p:spPr>
+        <p:txBody>
+          <a:bodyPr wrap="square" rtlCol="0">
+            <a:spAutoFit/>
+          </a:bodyPr>
+          <a:lstStyle/>
+          <a:p>
+            <a:pPr algn="ctr"/>
+            <a:r>
+              <a:rPr lang="en-US" dirty="0"/>
+              <a:t>Hub</a:t>
+            </a:r>
+            <a:endParaRPr lang="de-DE" dirty="0"/>
+          </a:p>
+        </p:txBody>
+      </p:sp>
+      <p:sp>
+        <p:nvSpPr>
+          <p:cNvPr id="12" name="TextBox 11">
+            <a:extLst>
+              <a:ext uri="{FF2B5EF4-FFF2-40B4-BE49-F238E27FC236}">
+                <a16:creationId xmlns:a16="http://schemas.microsoft.com/office/drawing/2014/main" id="{EF755AA2-1395-4CA8-A2FC-D59A32CDAEE7}"/>
+              </a:ext>
+            </a:extLst>
+          </p:cNvPr>
+          <p:cNvSpPr txBox="1"/>
+          <p:nvPr/>
+        </p:nvSpPr>
+        <p:spPr>
+          <a:xfrm>
+            <a:off x="1999267" y="1319787"/>
+            <a:ext cx="1197212" cy="369332"/>
+          </a:xfrm>
+          <a:prstGeom prst="rect">
+            <a:avLst/>
+          </a:prstGeom>
+          <a:noFill/>
+        </p:spPr>
+        <p:txBody>
+          <a:bodyPr wrap="square" rtlCol="0">
+            <a:spAutoFit/>
+          </a:bodyPr>
+          <a:lstStyle/>
+          <a:p>
+            <a:pPr algn="ctr"/>
+            <a:r>
+              <a:rPr lang="en-US" dirty="0"/>
+              <a:t>Spoke 1</a:t>
+            </a:r>
+            <a:endParaRPr lang="de-DE" dirty="0"/>
+          </a:p>
+        </p:txBody>
+      </p:sp>
+      <p:sp>
+        <p:nvSpPr>
+          <p:cNvPr id="13" name="TextBox 12">
+            <a:extLst>
+              <a:ext uri="{FF2B5EF4-FFF2-40B4-BE49-F238E27FC236}">
+                <a16:creationId xmlns:a16="http://schemas.microsoft.com/office/drawing/2014/main" id="{431F29EB-7805-4371-9BBE-92DBF9D7D0C4}"/>
+              </a:ext>
+            </a:extLst>
+          </p:cNvPr>
+          <p:cNvSpPr txBox="1"/>
+          <p:nvPr/>
+        </p:nvSpPr>
+        <p:spPr>
+          <a:xfrm>
+            <a:off x="7242021" y="1312047"/>
+            <a:ext cx="1197212" cy="369332"/>
+          </a:xfrm>
+          <a:prstGeom prst="rect">
+            <a:avLst/>
+          </a:prstGeom>
+          <a:noFill/>
+        </p:spPr>
+        <p:txBody>
+          <a:bodyPr wrap="square" rtlCol="0">
+            <a:spAutoFit/>
+          </a:bodyPr>
+          <a:lstStyle/>
+          <a:p>
+            <a:pPr algn="ctr"/>
+            <a:r>
+              <a:rPr lang="en-US" dirty="0"/>
+              <a:t>Spoke 2</a:t>
+            </a:r>
+            <a:endParaRPr lang="de-DE" dirty="0"/>
+          </a:p>
+        </p:txBody>
+      </p:sp>
+      <p:pic>
+        <p:nvPicPr>
+          <p:cNvPr id="14" name="Graphic 13">
+            <a:extLst>
+              <a:ext uri="{FF2B5EF4-FFF2-40B4-BE49-F238E27FC236}">
+                <a16:creationId xmlns:a16="http://schemas.microsoft.com/office/drawing/2014/main" id="{26E79F13-CA08-4CC0-9849-22C23B767420}"/>
+              </a:ext>
+            </a:extLst>
+          </p:cNvPr>
+          <p:cNvPicPr>
+            <a:picLocks noChangeAspect="1"/>
+          </p:cNvPicPr>
+          <p:nvPr/>
+        </p:nvPicPr>
+        <p:blipFill>
+          <a:blip r:embed="rId6">
+            <a:extLst>
+              <a:ext uri="{28A0092B-C50C-407E-A947-70E740481C1C}">
+                <a14:useLocalDpi xmlns:a14="http://schemas.microsoft.com/office/drawing/2010/main" val="0"/>
+              </a:ext>
+              <a:ext uri="{96DAC541-7B7A-43D3-8B79-37D633B846F1}">
+                <asvg:svgBlip xmlns:asvg="http://schemas.microsoft.com/office/drawing/2016/SVG/main" r:embed="rId7"/>
+              </a:ext>
+            </a:extLst>
+          </a:blip>
+          <a:stretch>
+            <a:fillRect/>
+          </a:stretch>
+        </p:blipFill>
+        <p:spPr>
+          <a:xfrm>
+            <a:off x="4936339" y="3956765"/>
+            <a:ext cx="518414" cy="518414"/>
+          </a:xfrm>
+          <a:prstGeom prst="rect">
+            <a:avLst/>
+          </a:prstGeom>
+        </p:spPr>
+      </p:pic>
+      <p:pic>
+        <p:nvPicPr>
+          <p:cNvPr id="15" name="Graphic 14">
+            <a:extLst>
+              <a:ext uri="{FF2B5EF4-FFF2-40B4-BE49-F238E27FC236}">
+                <a16:creationId xmlns:a16="http://schemas.microsoft.com/office/drawing/2014/main" id="{3B661DDF-6D65-4C56-9B9B-F9319F39ABF4}"/>
+              </a:ext>
+            </a:extLst>
+          </p:cNvPr>
+          <p:cNvPicPr>
+            <a:picLocks noChangeAspect="1"/>
+          </p:cNvPicPr>
+          <p:nvPr/>
+        </p:nvPicPr>
+        <p:blipFill>
+          <a:blip r:embed="rId6">
+            <a:extLst>
+              <a:ext uri="{28A0092B-C50C-407E-A947-70E740481C1C}">
+                <a14:useLocalDpi xmlns:a14="http://schemas.microsoft.com/office/drawing/2010/main" val="0"/>
+              </a:ext>
+              <a:ext uri="{96DAC541-7B7A-43D3-8B79-37D633B846F1}">
+                <asvg:svgBlip xmlns:asvg="http://schemas.microsoft.com/office/drawing/2016/SVG/main" r:embed="rId7"/>
+              </a:ext>
+            </a:extLst>
+          </a:blip>
+          <a:stretch>
+            <a:fillRect/>
+          </a:stretch>
+        </p:blipFill>
+        <p:spPr>
+          <a:xfrm>
+            <a:off x="2328167" y="3956765"/>
+            <a:ext cx="518414" cy="518414"/>
+          </a:xfrm>
+          <a:prstGeom prst="rect">
+            <a:avLst/>
+          </a:prstGeom>
+        </p:spPr>
+      </p:pic>
+      <p:pic>
+        <p:nvPicPr>
+          <p:cNvPr id="16" name="Graphic 15">
+            <a:extLst>
+              <a:ext uri="{FF2B5EF4-FFF2-40B4-BE49-F238E27FC236}">
+                <a16:creationId xmlns:a16="http://schemas.microsoft.com/office/drawing/2014/main" id="{1159E9CE-9CFC-4B34-8E22-C786FD205F53}"/>
+              </a:ext>
+            </a:extLst>
+          </p:cNvPr>
+          <p:cNvPicPr>
+            <a:picLocks noChangeAspect="1"/>
+          </p:cNvPicPr>
+          <p:nvPr/>
+        </p:nvPicPr>
+        <p:blipFill>
+          <a:blip r:embed="rId6">
+            <a:extLst>
+              <a:ext uri="{28A0092B-C50C-407E-A947-70E740481C1C}">
+                <a14:useLocalDpi xmlns:a14="http://schemas.microsoft.com/office/drawing/2010/main" val="0"/>
+              </a:ext>
+              <a:ext uri="{96DAC541-7B7A-43D3-8B79-37D633B846F1}">
+                <asvg:svgBlip xmlns:asvg="http://schemas.microsoft.com/office/drawing/2016/SVG/main" r:embed="rId7"/>
+              </a:ext>
+            </a:extLst>
+          </a:blip>
+          <a:stretch>
+            <a:fillRect/>
+          </a:stretch>
+        </p:blipFill>
+        <p:spPr>
+          <a:xfrm>
+            <a:off x="7586172" y="3899361"/>
+            <a:ext cx="518414" cy="518414"/>
+          </a:xfrm>
+          <a:prstGeom prst="rect">
+            <a:avLst/>
+          </a:prstGeom>
+        </p:spPr>
+      </p:pic>
+      <p:sp>
+        <p:nvSpPr>
+          <p:cNvPr id="18" name="TextBox 17">
+            <a:extLst>
+              <a:ext uri="{FF2B5EF4-FFF2-40B4-BE49-F238E27FC236}">
+                <a16:creationId xmlns:a16="http://schemas.microsoft.com/office/drawing/2014/main" id="{86EDA0CE-2A82-440E-89B0-A3B450D8AB39}"/>
+              </a:ext>
+            </a:extLst>
+          </p:cNvPr>
+          <p:cNvSpPr txBox="1"/>
+          <p:nvPr/>
+        </p:nvSpPr>
+        <p:spPr>
+          <a:xfrm>
+            <a:off x="2217480" y="4545711"/>
+            <a:ext cx="809299" cy="369332"/>
+          </a:xfrm>
+          <a:prstGeom prst="rect">
+            <a:avLst/>
+          </a:prstGeom>
+          <a:noFill/>
+        </p:spPr>
+        <p:txBody>
+          <a:bodyPr wrap="square" rtlCol="0">
+            <a:spAutoFit/>
+          </a:bodyPr>
+          <a:lstStyle/>
+          <a:p>
+            <a:pPr algn="ctr"/>
+            <a:r>
+              <a:rPr lang="en-US" dirty="0"/>
+              <a:t>DC1</a:t>
+            </a:r>
+            <a:endParaRPr lang="de-DE" dirty="0"/>
+          </a:p>
+        </p:txBody>
+      </p:sp>
+      <p:sp>
+        <p:nvSpPr>
+          <p:cNvPr id="19" name="TextBox 18">
+            <a:extLst>
+              <a:ext uri="{FF2B5EF4-FFF2-40B4-BE49-F238E27FC236}">
+                <a16:creationId xmlns:a16="http://schemas.microsoft.com/office/drawing/2014/main" id="{1E7FAE8B-0330-4D90-BF8E-7D72AF7C0B7B}"/>
+              </a:ext>
+            </a:extLst>
+          </p:cNvPr>
+          <p:cNvSpPr txBox="1"/>
+          <p:nvPr/>
+        </p:nvSpPr>
+        <p:spPr>
+          <a:xfrm>
+            <a:off x="4785554" y="4545711"/>
+            <a:ext cx="809299" cy="369332"/>
+          </a:xfrm>
+          <a:prstGeom prst="rect">
+            <a:avLst/>
+          </a:prstGeom>
+          <a:noFill/>
+        </p:spPr>
+        <p:txBody>
+          <a:bodyPr wrap="square" rtlCol="0">
+            <a:spAutoFit/>
+          </a:bodyPr>
+          <a:lstStyle/>
+          <a:p>
+            <a:pPr algn="ctr"/>
+            <a:r>
+              <a:rPr lang="en-US" dirty="0"/>
+              <a:t>NVA</a:t>
+            </a:r>
+            <a:endParaRPr lang="de-DE" dirty="0"/>
+          </a:p>
+        </p:txBody>
+      </p:sp>
+      <p:sp>
+        <p:nvSpPr>
+          <p:cNvPr id="20" name="TextBox 19">
+            <a:extLst>
+              <a:ext uri="{FF2B5EF4-FFF2-40B4-BE49-F238E27FC236}">
+                <a16:creationId xmlns:a16="http://schemas.microsoft.com/office/drawing/2014/main" id="{A6B3856E-C6B2-408A-A024-E1173160024F}"/>
+              </a:ext>
+            </a:extLst>
+          </p:cNvPr>
+          <p:cNvSpPr txBox="1"/>
+          <p:nvPr/>
+        </p:nvSpPr>
+        <p:spPr>
+          <a:xfrm>
+            <a:off x="7494829" y="4489285"/>
+            <a:ext cx="809299" cy="369332"/>
+          </a:xfrm>
+          <a:prstGeom prst="rect">
+            <a:avLst/>
+          </a:prstGeom>
+          <a:noFill/>
+        </p:spPr>
+        <p:txBody>
+          <a:bodyPr wrap="square" rtlCol="0">
+            <a:spAutoFit/>
+          </a:bodyPr>
+          <a:lstStyle/>
+          <a:p>
+            <a:pPr algn="ctr"/>
+            <a:r>
+              <a:rPr lang="en-US" dirty="0"/>
+              <a:t>VM2</a:t>
+            </a:r>
+            <a:endParaRPr lang="de-DE" dirty="0"/>
+          </a:p>
+        </p:txBody>
+      </p:sp>
+      <p:cxnSp>
+        <p:nvCxnSpPr>
+          <p:cNvPr id="21" name="Straight Connector 20">
+            <a:extLst>
+              <a:ext uri="{FF2B5EF4-FFF2-40B4-BE49-F238E27FC236}">
+                <a16:creationId xmlns:a16="http://schemas.microsoft.com/office/drawing/2014/main" id="{DBDFCA41-B4F7-4CEA-9B2A-3BB83ECBD9BF}"/>
+              </a:ext>
+            </a:extLst>
+          </p:cNvPr>
+          <p:cNvCxnSpPr>
+            <a:cxnSpLocks/>
+            <a:stCxn id="5" idx="2"/>
+            <a:endCxn id="15" idx="0"/>
+          </p:cNvCxnSpPr>
+          <p:nvPr/>
+        </p:nvCxnSpPr>
+        <p:spPr>
+          <a:xfrm>
+            <a:off x="2571731" y="3471623"/>
+            <a:ext cx="15643" cy="485142"/>
+          </a:xfrm>
+          <a:prstGeom prst="line">
+            <a:avLst/>
+          </a:prstGeom>
+        </p:spPr>
+        <p:style>
+          <a:lnRef idx="1">
+            <a:schemeClr val="accent1"/>
+          </a:lnRef>
+          <a:fillRef idx="0">
+            <a:schemeClr val="accent1"/>
+          </a:fillRef>
+          <a:effectRef idx="0">
+            <a:schemeClr val="accent1"/>
+          </a:effectRef>
+          <a:fontRef idx="minor">
+            <a:schemeClr val="tx1"/>
+          </a:fontRef>
+        </p:style>
+      </p:cxnSp>
+      <p:cxnSp>
+        <p:nvCxnSpPr>
+          <p:cNvPr id="24" name="Straight Connector 23">
+            <a:extLst>
+              <a:ext uri="{FF2B5EF4-FFF2-40B4-BE49-F238E27FC236}">
+                <a16:creationId xmlns:a16="http://schemas.microsoft.com/office/drawing/2014/main" id="{3335737D-FBB8-4D37-AFA1-FFE8FF45E03D}"/>
+              </a:ext>
+            </a:extLst>
+          </p:cNvPr>
+          <p:cNvCxnSpPr>
+            <a:cxnSpLocks/>
+            <a:stCxn id="8" idx="2"/>
+            <a:endCxn id="14" idx="0"/>
+          </p:cNvCxnSpPr>
+          <p:nvPr/>
+        </p:nvCxnSpPr>
+        <p:spPr>
+          <a:xfrm>
+            <a:off x="5186500" y="3498564"/>
+            <a:ext cx="9046" cy="458201"/>
+          </a:xfrm>
+          <a:prstGeom prst="line">
+            <a:avLst/>
+          </a:prstGeom>
+        </p:spPr>
+        <p:style>
+          <a:lnRef idx="1">
+            <a:schemeClr val="accent1"/>
+          </a:lnRef>
+          <a:fillRef idx="0">
+            <a:schemeClr val="accent1"/>
+          </a:fillRef>
+          <a:effectRef idx="0">
+            <a:schemeClr val="accent1"/>
+          </a:effectRef>
+          <a:fontRef idx="minor">
+            <a:schemeClr val="tx1"/>
+          </a:fontRef>
+        </p:style>
+      </p:cxnSp>
+      <p:cxnSp>
+        <p:nvCxnSpPr>
+          <p:cNvPr id="29" name="Straight Connector 28">
+            <a:extLst>
+              <a:ext uri="{FF2B5EF4-FFF2-40B4-BE49-F238E27FC236}">
+                <a16:creationId xmlns:a16="http://schemas.microsoft.com/office/drawing/2014/main" id="{DFDF0B39-3A10-49F4-8F4C-F87C2FDAFF2C}"/>
+              </a:ext>
+            </a:extLst>
+          </p:cNvPr>
+          <p:cNvCxnSpPr>
+            <a:cxnSpLocks/>
+            <a:stCxn id="7" idx="2"/>
+            <a:endCxn id="16" idx="0"/>
+          </p:cNvCxnSpPr>
+          <p:nvPr/>
+        </p:nvCxnSpPr>
+        <p:spPr>
+          <a:xfrm>
+            <a:off x="7845379" y="3496223"/>
+            <a:ext cx="0" cy="403138"/>
+          </a:xfrm>
+          <a:prstGeom prst="line">
+            <a:avLst/>
+          </a:prstGeom>
+        </p:spPr>
+        <p:style>
+          <a:lnRef idx="1">
+            <a:schemeClr val="accent1"/>
+          </a:lnRef>
+          <a:fillRef idx="0">
+            <a:schemeClr val="accent1"/>
+          </a:fillRef>
+          <a:effectRef idx="0">
+            <a:schemeClr val="accent1"/>
+          </a:effectRef>
+          <a:fontRef idx="minor">
+            <a:schemeClr val="tx1"/>
+          </a:fontRef>
+        </p:style>
+      </p:cxnSp>
+      <p:cxnSp>
+        <p:nvCxnSpPr>
+          <p:cNvPr id="32" name="Straight Connector 31">
+            <a:extLst>
+              <a:ext uri="{FF2B5EF4-FFF2-40B4-BE49-F238E27FC236}">
+                <a16:creationId xmlns:a16="http://schemas.microsoft.com/office/drawing/2014/main" id="{45AEB04B-F538-42C6-A21A-23DF5697CD94}"/>
+              </a:ext>
+            </a:extLst>
+          </p:cNvPr>
+          <p:cNvCxnSpPr>
+            <a:cxnSpLocks/>
+            <a:stCxn id="3" idx="3"/>
+            <a:endCxn id="2" idx="1"/>
+          </p:cNvCxnSpPr>
+          <p:nvPr/>
+        </p:nvCxnSpPr>
+        <p:spPr>
+          <a:xfrm>
+            <a:off x="2832823" y="2431540"/>
+            <a:ext cx="2073794" cy="0"/>
+          </a:xfrm>
+          <a:prstGeom prst="line">
+            <a:avLst/>
+          </a:prstGeom>
+        </p:spPr>
+        <p:style>
+          <a:lnRef idx="1">
+            <a:schemeClr val="accent1"/>
+          </a:lnRef>
+          <a:fillRef idx="0">
+            <a:schemeClr val="accent1"/>
+          </a:fillRef>
+          <a:effectRef idx="0">
+            <a:schemeClr val="accent1"/>
+          </a:effectRef>
+          <a:fontRef idx="minor">
+            <a:schemeClr val="tx1"/>
+          </a:fontRef>
+        </p:style>
+      </p:cxnSp>
+      <p:sp>
+        <p:nvSpPr>
+          <p:cNvPr id="50" name="TextBox 49">
+            <a:extLst>
+              <a:ext uri="{FF2B5EF4-FFF2-40B4-BE49-F238E27FC236}">
+                <a16:creationId xmlns:a16="http://schemas.microsoft.com/office/drawing/2014/main" id="{D2148355-3611-4070-AF41-C4690EB2F67A}"/>
+              </a:ext>
+            </a:extLst>
+          </p:cNvPr>
+          <p:cNvSpPr txBox="1"/>
+          <p:nvPr/>
+        </p:nvSpPr>
+        <p:spPr>
+          <a:xfrm>
+            <a:off x="3424824" y="2123232"/>
+            <a:ext cx="838211" cy="307777"/>
+          </a:xfrm>
+          <a:prstGeom prst="rect">
+            <a:avLst/>
+          </a:prstGeom>
+          <a:noFill/>
+        </p:spPr>
+        <p:txBody>
+          <a:bodyPr wrap="square" rtlCol="0">
+            <a:spAutoFit/>
+          </a:bodyPr>
+          <a:lstStyle/>
+          <a:p>
+            <a:pPr algn="ctr"/>
+            <a:r>
+              <a:rPr lang="en-US" sz="1400" dirty="0">
+                <a:solidFill>
+                  <a:schemeClr val="accent1"/>
+                </a:solidFill>
+              </a:rPr>
+              <a:t>Peering</a:t>
+            </a:r>
+            <a:endParaRPr lang="de-DE" sz="1400" dirty="0">
+              <a:solidFill>
+                <a:schemeClr val="accent1"/>
+              </a:solidFill>
+            </a:endParaRPr>
+          </a:p>
+        </p:txBody>
+      </p:sp>
+      <p:cxnSp>
+        <p:nvCxnSpPr>
+          <p:cNvPr id="53" name="Straight Connector 52">
+            <a:extLst>
+              <a:ext uri="{FF2B5EF4-FFF2-40B4-BE49-F238E27FC236}">
+                <a16:creationId xmlns:a16="http://schemas.microsoft.com/office/drawing/2014/main" id="{AC1F0943-1E68-4DA0-877B-64B02C288C82}"/>
+              </a:ext>
+            </a:extLst>
+          </p:cNvPr>
+          <p:cNvCxnSpPr>
+            <a:cxnSpLocks/>
+            <a:stCxn id="3" idx="2"/>
+            <a:endCxn id="5" idx="0"/>
+          </p:cNvCxnSpPr>
+          <p:nvPr/>
+        </p:nvCxnSpPr>
+        <p:spPr>
+          <a:xfrm>
+            <a:off x="2563278" y="2701085"/>
+            <a:ext cx="8453" cy="300638"/>
+          </a:xfrm>
+          <a:prstGeom prst="line">
+            <a:avLst/>
+          </a:prstGeom>
+        </p:spPr>
+        <p:style>
+          <a:lnRef idx="1">
+            <a:schemeClr val="accent1"/>
+          </a:lnRef>
+          <a:fillRef idx="0">
+            <a:schemeClr val="accent1"/>
+          </a:fillRef>
+          <a:effectRef idx="0">
+            <a:schemeClr val="accent1"/>
+          </a:effectRef>
+          <a:fontRef idx="minor">
+            <a:schemeClr val="tx1"/>
+          </a:fontRef>
+        </p:style>
+      </p:cxnSp>
+      <p:cxnSp>
+        <p:nvCxnSpPr>
+          <p:cNvPr id="58" name="Straight Connector 57">
+            <a:extLst>
+              <a:ext uri="{FF2B5EF4-FFF2-40B4-BE49-F238E27FC236}">
+                <a16:creationId xmlns:a16="http://schemas.microsoft.com/office/drawing/2014/main" id="{29533E29-219C-4D5D-ABDF-14921F16ABAC}"/>
+              </a:ext>
+            </a:extLst>
+          </p:cNvPr>
+          <p:cNvCxnSpPr>
+            <a:cxnSpLocks/>
+            <a:stCxn id="4" idx="2"/>
+            <a:endCxn id="7" idx="0"/>
+          </p:cNvCxnSpPr>
+          <p:nvPr/>
+        </p:nvCxnSpPr>
+        <p:spPr>
+          <a:xfrm>
+            <a:off x="7840627" y="2701085"/>
+            <a:ext cx="4752" cy="325238"/>
+          </a:xfrm>
+          <a:prstGeom prst="line">
+            <a:avLst/>
+          </a:prstGeom>
+        </p:spPr>
+        <p:style>
+          <a:lnRef idx="1">
+            <a:schemeClr val="accent1"/>
+          </a:lnRef>
+          <a:fillRef idx="0">
+            <a:schemeClr val="accent1"/>
+          </a:fillRef>
+          <a:effectRef idx="0">
+            <a:schemeClr val="accent1"/>
+          </a:effectRef>
+          <a:fontRef idx="minor">
+            <a:schemeClr val="tx1"/>
+          </a:fontRef>
+        </p:style>
+      </p:cxnSp>
+      <p:cxnSp>
+        <p:nvCxnSpPr>
+          <p:cNvPr id="64" name="Straight Connector 63">
+            <a:extLst>
+              <a:ext uri="{FF2B5EF4-FFF2-40B4-BE49-F238E27FC236}">
+                <a16:creationId xmlns:a16="http://schemas.microsoft.com/office/drawing/2014/main" id="{570BB633-D6C8-4814-B2AE-941DE5C0496F}"/>
+              </a:ext>
+            </a:extLst>
+          </p:cNvPr>
+          <p:cNvCxnSpPr>
+            <a:cxnSpLocks/>
+            <a:stCxn id="2" idx="2"/>
+            <a:endCxn id="8" idx="0"/>
+          </p:cNvCxnSpPr>
+          <p:nvPr/>
+        </p:nvCxnSpPr>
+        <p:spPr>
+          <a:xfrm>
+            <a:off x="5176162" y="2701085"/>
+            <a:ext cx="10338" cy="327579"/>
+          </a:xfrm>
+          <a:prstGeom prst="line">
+            <a:avLst/>
+          </a:prstGeom>
+        </p:spPr>
+        <p:style>
+          <a:lnRef idx="1">
+            <a:schemeClr val="accent1"/>
+          </a:lnRef>
+          <a:fillRef idx="0">
+            <a:schemeClr val="accent1"/>
+          </a:fillRef>
+          <a:effectRef idx="0">
+            <a:schemeClr val="accent1"/>
+          </a:effectRef>
+          <a:fontRef idx="minor">
+            <a:schemeClr val="tx1"/>
+          </a:fontRef>
+        </p:style>
+      </p:cxnSp>
+      <p:cxnSp>
+        <p:nvCxnSpPr>
+          <p:cNvPr id="70" name="Straight Connector 69">
+            <a:extLst>
+              <a:ext uri="{FF2B5EF4-FFF2-40B4-BE49-F238E27FC236}">
+                <a16:creationId xmlns:a16="http://schemas.microsoft.com/office/drawing/2014/main" id="{9B45E834-36B5-40E0-948C-050F14995100}"/>
+              </a:ext>
+            </a:extLst>
+          </p:cNvPr>
+          <p:cNvCxnSpPr>
+            <a:cxnSpLocks/>
+            <a:stCxn id="2" idx="2"/>
+            <a:endCxn id="10" idx="0"/>
+          </p:cNvCxnSpPr>
+          <p:nvPr/>
+        </p:nvCxnSpPr>
+        <p:spPr>
+          <a:xfrm flipH="1">
+            <a:off x="4365003" y="2701085"/>
+            <a:ext cx="811159" cy="320929"/>
+          </a:xfrm>
+          <a:prstGeom prst="line">
+            <a:avLst/>
+          </a:prstGeom>
+        </p:spPr>
+        <p:style>
+          <a:lnRef idx="1">
+            <a:schemeClr val="accent1"/>
+          </a:lnRef>
+          <a:fillRef idx="0">
+            <a:schemeClr val="accent1"/>
+          </a:fillRef>
+          <a:effectRef idx="0">
+            <a:schemeClr val="accent1"/>
+          </a:effectRef>
+          <a:fontRef idx="minor">
+            <a:schemeClr val="tx1"/>
+          </a:fontRef>
+        </p:style>
+      </p:cxnSp>
+      <p:cxnSp>
+        <p:nvCxnSpPr>
+          <p:cNvPr id="73" name="Straight Connector 72">
+            <a:extLst>
+              <a:ext uri="{FF2B5EF4-FFF2-40B4-BE49-F238E27FC236}">
+                <a16:creationId xmlns:a16="http://schemas.microsoft.com/office/drawing/2014/main" id="{E26BA6A6-4480-42CD-AB7F-5336567584CD}"/>
+              </a:ext>
+            </a:extLst>
+          </p:cNvPr>
+          <p:cNvCxnSpPr>
+            <a:cxnSpLocks/>
+            <a:stCxn id="2" idx="2"/>
+            <a:endCxn id="9" idx="0"/>
+          </p:cNvCxnSpPr>
+          <p:nvPr/>
+        </p:nvCxnSpPr>
+        <p:spPr>
+          <a:xfrm>
+            <a:off x="5176162" y="2701085"/>
+            <a:ext cx="927667" cy="303712"/>
+          </a:xfrm>
+          <a:prstGeom prst="line">
+            <a:avLst/>
+          </a:prstGeom>
+        </p:spPr>
+        <p:style>
+          <a:lnRef idx="1">
+            <a:schemeClr val="accent1"/>
+          </a:lnRef>
+          <a:fillRef idx="0">
+            <a:schemeClr val="accent1"/>
+          </a:fillRef>
+          <a:effectRef idx="0">
+            <a:schemeClr val="accent1"/>
+          </a:effectRef>
+          <a:fontRef idx="minor">
+            <a:schemeClr val="tx1"/>
+          </a:fontRef>
+        </p:style>
+      </p:cxnSp>
+      <p:sp>
+        <p:nvSpPr>
+          <p:cNvPr id="39" name="TextBox 38">
+            <a:extLst>
+              <a:ext uri="{FF2B5EF4-FFF2-40B4-BE49-F238E27FC236}">
+                <a16:creationId xmlns:a16="http://schemas.microsoft.com/office/drawing/2014/main" id="{32EBFF28-ABBD-4909-B3DA-F5A015FD219C}"/>
+              </a:ext>
+            </a:extLst>
+          </p:cNvPr>
+          <p:cNvSpPr txBox="1"/>
+          <p:nvPr/>
+        </p:nvSpPr>
+        <p:spPr>
+          <a:xfrm>
+            <a:off x="2158628" y="5131583"/>
+            <a:ext cx="1037851" cy="369332"/>
+          </a:xfrm>
+          <a:prstGeom prst="rect">
+            <a:avLst/>
+          </a:prstGeom>
+          <a:noFill/>
+        </p:spPr>
+        <p:txBody>
+          <a:bodyPr wrap="square" rtlCol="0">
+            <a:spAutoFit/>
+          </a:bodyPr>
+          <a:lstStyle/>
+          <a:p>
+            <a:pPr algn="ctr"/>
+            <a:r>
+              <a:rPr lang="en-US" dirty="0"/>
+              <a:t>10.1.0.4</a:t>
+            </a:r>
+            <a:endParaRPr lang="de-DE" dirty="0"/>
+          </a:p>
+        </p:txBody>
+      </p:sp>
+      <p:sp>
+        <p:nvSpPr>
+          <p:cNvPr id="40" name="TextBox 39">
+            <a:extLst>
+              <a:ext uri="{FF2B5EF4-FFF2-40B4-BE49-F238E27FC236}">
+                <a16:creationId xmlns:a16="http://schemas.microsoft.com/office/drawing/2014/main" id="{6CE24A00-9444-42BF-B96E-6D1EDEE42216}"/>
+              </a:ext>
+            </a:extLst>
+          </p:cNvPr>
+          <p:cNvSpPr txBox="1"/>
+          <p:nvPr/>
+        </p:nvSpPr>
+        <p:spPr>
+          <a:xfrm>
+            <a:off x="4676620" y="5057815"/>
+            <a:ext cx="1037851" cy="369332"/>
+          </a:xfrm>
+          <a:prstGeom prst="rect">
+            <a:avLst/>
+          </a:prstGeom>
+          <a:noFill/>
+        </p:spPr>
+        <p:txBody>
+          <a:bodyPr wrap="square" rtlCol="0">
+            <a:spAutoFit/>
+          </a:bodyPr>
+          <a:lstStyle/>
+          <a:p>
+            <a:pPr algn="ctr"/>
+            <a:r>
+              <a:rPr lang="en-US" dirty="0"/>
+              <a:t>10.0.0.4</a:t>
+            </a:r>
+            <a:endParaRPr lang="de-DE" dirty="0"/>
+          </a:p>
+        </p:txBody>
+      </p:sp>
+      <p:sp>
+        <p:nvSpPr>
+          <p:cNvPr id="41" name="TextBox 40">
+            <a:extLst>
+              <a:ext uri="{FF2B5EF4-FFF2-40B4-BE49-F238E27FC236}">
+                <a16:creationId xmlns:a16="http://schemas.microsoft.com/office/drawing/2014/main" id="{5C13ECE4-AB78-46BF-A220-B4BC4C71D201}"/>
+              </a:ext>
+            </a:extLst>
+          </p:cNvPr>
+          <p:cNvSpPr txBox="1"/>
+          <p:nvPr/>
+        </p:nvSpPr>
+        <p:spPr>
+          <a:xfrm>
+            <a:off x="7380552" y="5054781"/>
+            <a:ext cx="1037851" cy="369332"/>
+          </a:xfrm>
+          <a:prstGeom prst="rect">
+            <a:avLst/>
+          </a:prstGeom>
+          <a:noFill/>
+        </p:spPr>
+        <p:txBody>
+          <a:bodyPr wrap="square" rtlCol="0">
+            <a:spAutoFit/>
+          </a:bodyPr>
+          <a:lstStyle/>
+          <a:p>
+            <a:pPr algn="ctr"/>
+            <a:r>
+              <a:rPr lang="en-US" dirty="0"/>
+              <a:t>10.2.0.4</a:t>
+            </a:r>
+            <a:endParaRPr lang="de-DE" dirty="0"/>
+          </a:p>
+        </p:txBody>
+      </p:sp>
+    </p:spTree>
+    <p:extLst>
+      <p:ext uri="{BB962C8B-B14F-4D97-AF65-F5344CB8AC3E}">
+        <p14:creationId xmlns:p14="http://schemas.microsoft.com/office/powerpoint/2010/main" val="1336024415"/>
       </p:ext>
     </p:extLst>
   </p:cSld>
